--- a/Lecture notes/week1_overview/Class One.pptx
+++ b/Lecture notes/week1_overview/Class One.pptx
@@ -1,26 +1,121 @@
 
 <file path=ppt/presentation.xml><?xml version="1.0" encoding="utf-8"?>
-<p:presentation xmlns:a="http://schemas.openxmlformats.org/drawingml/2006/main" xmlns:p="http://schemas.openxmlformats.org/presentationml/2006/main" xmlns:r="http://schemas.openxmlformats.org/officeDocument/2006/relationships" xmlns:p14="http://schemas.microsoft.com/office/powerpoint/2010/main" xmlns:p15="http://schemas.microsoft.com/office/powerpoint/2012/main" xmlns:mc="http://schemas.openxmlformats.org/markup-compatibility/2006">
+<p:presentation xmlns:a="http://schemas.openxmlformats.org/drawingml/2006/main" xmlns:r="http://schemas.openxmlformats.org/officeDocument/2006/relationships" xmlns:p="http://schemas.openxmlformats.org/presentationml/2006/main">
   <p:sldMasterIdLst>
-    <p:sldMasterId id="2147483648" r:id="rId2"/>
-    <p:sldMasterId id="2147483661" r:id="rId3"/>
+    <p:sldMasterId id="2147483648" r:id="rId1"/>
+    <p:sldMasterId id="2147483661" r:id="rId2"/>
   </p:sldMasterIdLst>
   <p:sldIdLst>
-    <p:sldId id="256" r:id="rId4"/>
-    <p:sldId id="257" r:id="rId5"/>
-    <p:sldId id="258" r:id="rId6"/>
-    <p:sldId id="259" r:id="rId7"/>
-    <p:sldId id="260" r:id="rId8"/>
-    <p:sldId id="261" r:id="rId9"/>
-    <p:sldId id="262" r:id="rId10"/>
+    <p:sldId id="256" r:id="rId3"/>
+    <p:sldId id="257" r:id="rId4"/>
+    <p:sldId id="258" r:id="rId5"/>
+    <p:sldId id="259" r:id="rId6"/>
+    <p:sldId id="260" r:id="rId7"/>
+    <p:sldId id="261" r:id="rId8"/>
+    <p:sldId id="262" r:id="rId9"/>
   </p:sldIdLst>
   <p:sldSz cx="12192000" cy="6858000"/>
   <p:notesSz cx="7772400" cy="10058400"/>
+  <p:defaultTextStyle>
+    <a:defPPr>
+      <a:defRPr lang="en-US"/>
+    </a:defPPr>
+    <a:lvl1pPr marL="0" algn="l" defTabSz="457200" rtl="0" eaLnBrk="1" latinLnBrk="0" hangingPunct="1">
+      <a:defRPr sz="1800" kern="1200">
+        <a:solidFill>
+          <a:schemeClr val="tx1"/>
+        </a:solidFill>
+        <a:latin typeface="+mn-lt"/>
+        <a:ea typeface="+mn-ea"/>
+        <a:cs typeface="+mn-cs"/>
+      </a:defRPr>
+    </a:lvl1pPr>
+    <a:lvl2pPr marL="457200" algn="l" defTabSz="457200" rtl="0" eaLnBrk="1" latinLnBrk="0" hangingPunct="1">
+      <a:defRPr sz="1800" kern="1200">
+        <a:solidFill>
+          <a:schemeClr val="tx1"/>
+        </a:solidFill>
+        <a:latin typeface="+mn-lt"/>
+        <a:ea typeface="+mn-ea"/>
+        <a:cs typeface="+mn-cs"/>
+      </a:defRPr>
+    </a:lvl2pPr>
+    <a:lvl3pPr marL="914400" algn="l" defTabSz="457200" rtl="0" eaLnBrk="1" latinLnBrk="0" hangingPunct="1">
+      <a:defRPr sz="1800" kern="1200">
+        <a:solidFill>
+          <a:schemeClr val="tx1"/>
+        </a:solidFill>
+        <a:latin typeface="+mn-lt"/>
+        <a:ea typeface="+mn-ea"/>
+        <a:cs typeface="+mn-cs"/>
+      </a:defRPr>
+    </a:lvl3pPr>
+    <a:lvl4pPr marL="1371600" algn="l" defTabSz="457200" rtl="0" eaLnBrk="1" latinLnBrk="0" hangingPunct="1">
+      <a:defRPr sz="1800" kern="1200">
+        <a:solidFill>
+          <a:schemeClr val="tx1"/>
+        </a:solidFill>
+        <a:latin typeface="+mn-lt"/>
+        <a:ea typeface="+mn-ea"/>
+        <a:cs typeface="+mn-cs"/>
+      </a:defRPr>
+    </a:lvl4pPr>
+    <a:lvl5pPr marL="1828800" algn="l" defTabSz="457200" rtl="0" eaLnBrk="1" latinLnBrk="0" hangingPunct="1">
+      <a:defRPr sz="1800" kern="1200">
+        <a:solidFill>
+          <a:schemeClr val="tx1"/>
+        </a:solidFill>
+        <a:latin typeface="+mn-lt"/>
+        <a:ea typeface="+mn-ea"/>
+        <a:cs typeface="+mn-cs"/>
+      </a:defRPr>
+    </a:lvl5pPr>
+    <a:lvl6pPr marL="2286000" algn="l" defTabSz="457200" rtl="0" eaLnBrk="1" latinLnBrk="0" hangingPunct="1">
+      <a:defRPr sz="1800" kern="1200">
+        <a:solidFill>
+          <a:schemeClr val="tx1"/>
+        </a:solidFill>
+        <a:latin typeface="+mn-lt"/>
+        <a:ea typeface="+mn-ea"/>
+        <a:cs typeface="+mn-cs"/>
+      </a:defRPr>
+    </a:lvl6pPr>
+    <a:lvl7pPr marL="2743200" algn="l" defTabSz="457200" rtl="0" eaLnBrk="1" latinLnBrk="0" hangingPunct="1">
+      <a:defRPr sz="1800" kern="1200">
+        <a:solidFill>
+          <a:schemeClr val="tx1"/>
+        </a:solidFill>
+        <a:latin typeface="+mn-lt"/>
+        <a:ea typeface="+mn-ea"/>
+        <a:cs typeface="+mn-cs"/>
+      </a:defRPr>
+    </a:lvl7pPr>
+    <a:lvl8pPr marL="3200400" algn="l" defTabSz="457200" rtl="0" eaLnBrk="1" latinLnBrk="0" hangingPunct="1">
+      <a:defRPr sz="1800" kern="1200">
+        <a:solidFill>
+          <a:schemeClr val="tx1"/>
+        </a:solidFill>
+        <a:latin typeface="+mn-lt"/>
+        <a:ea typeface="+mn-ea"/>
+        <a:cs typeface="+mn-cs"/>
+      </a:defRPr>
+    </a:lvl8pPr>
+    <a:lvl9pPr marL="3657600" algn="l" defTabSz="457200" rtl="0" eaLnBrk="1" latinLnBrk="0" hangingPunct="1">
+      <a:defRPr sz="1800" kern="1200">
+        <a:solidFill>
+          <a:schemeClr val="tx1"/>
+        </a:solidFill>
+        <a:latin typeface="+mn-lt"/>
+        <a:ea typeface="+mn-ea"/>
+        <a:cs typeface="+mn-cs"/>
+      </a:defRPr>
+    </a:lvl9pPr>
+  </p:defaultTextStyle>
 </p:presentation>
 </file>
 
 <file path=ppt/slideLayouts/slideLayout1.xml><?xml version="1.0" encoding="utf-8"?>
-<p:sldLayout xmlns:a="http://schemas.openxmlformats.org/drawingml/2006/main" xmlns:p="http://schemas.openxmlformats.org/presentationml/2006/main" xmlns:r="http://schemas.openxmlformats.org/officeDocument/2006/relationships" xmlns:p14="http://schemas.microsoft.com/office/powerpoint/2010/main" xmlns:p15="http://schemas.microsoft.com/office/powerpoint/2012/main" xmlns:mc="http://schemas.openxmlformats.org/markup-compatibility/2006" type="blank" preserve="1">
+<p:sldLayout xmlns:a="http://schemas.openxmlformats.org/drawingml/2006/main" xmlns:r="http://schemas.openxmlformats.org/officeDocument/2006/relationships" xmlns:p="http://schemas.openxmlformats.org/presentationml/2006/main" type="blank" preserve="1">
   <p:cSld name="Blank Slide">
     <p:spTree>
       <p:nvGrpSpPr>
@@ -38,11 +133,14 @@
       </p:grpSpPr>
     </p:spTree>
   </p:cSld>
+  <p:clrMapOvr>
+    <a:masterClrMapping/>
+  </p:clrMapOvr>
 </p:sldLayout>
 </file>
 
 <file path=ppt/slideLayouts/slideLayout10.xml><?xml version="1.0" encoding="utf-8"?>
-<p:sldLayout xmlns:a="http://schemas.openxmlformats.org/drawingml/2006/main" xmlns:p="http://schemas.openxmlformats.org/presentationml/2006/main" xmlns:r="http://schemas.openxmlformats.org/officeDocument/2006/relationships" xmlns:p14="http://schemas.microsoft.com/office/powerpoint/2010/main" xmlns:p15="http://schemas.microsoft.com/office/powerpoint/2012/main" xmlns:mc="http://schemas.openxmlformats.org/markup-compatibility/2006" type="objOverTx" preserve="1">
+<p:sldLayout xmlns:a="http://schemas.openxmlformats.org/drawingml/2006/main" xmlns:r="http://schemas.openxmlformats.org/officeDocument/2006/relationships" xmlns:p="http://schemas.openxmlformats.org/presentationml/2006/main" type="objOverTx" preserve="1">
   <p:cSld name="Title, Content over Content">
     <p:spTree>
       <p:nvGrpSpPr>
@@ -78,15 +176,16 @@
           </a:prstGeom>
         </p:spPr>
         <p:txBody>
-          <a:bodyPr lIns="0" rIns="0" tIns="0" bIns="0" anchor="ctr"/>
-          <a:p>
-            <a:endParaRPr b="0" lang="en-US" sz="1800" spc="-1" strike="noStrike">
-              <a:solidFill>
-                <a:srgbClr val="000000"/>
-              </a:solidFill>
-              <a:uFill>
-                <a:solidFill>
-                  <a:srgbClr val="ffffff"/>
+          <a:bodyPr lIns="0" tIns="0" rIns="0" bIns="0" anchor="ctr"/>
+          <a:lstStyle/>
+          <a:p>
+            <a:endParaRPr lang="en-US" sz="1800" b="0" strike="noStrike" spc="-1">
+              <a:solidFill>
+                <a:srgbClr val="000000"/>
+              </a:solidFill>
+              <a:uFill>
+                <a:solidFill>
+                  <a:srgbClr val="FFFFFF"/>
                 </a:solidFill>
               </a:uFill>
               <a:latin typeface="Calibri"/>
@@ -114,15 +213,16 @@
           </a:prstGeom>
         </p:spPr>
         <p:txBody>
-          <a:bodyPr lIns="0" rIns="0" tIns="0" bIns="0"/>
-          <a:p>
-            <a:endParaRPr b="0" lang="en-US" sz="2800" spc="-1" strike="noStrike">
-              <a:solidFill>
-                <a:srgbClr val="000000"/>
-              </a:solidFill>
-              <a:uFill>
-                <a:solidFill>
-                  <a:srgbClr val="ffffff"/>
+          <a:bodyPr lIns="0" tIns="0" rIns="0" bIns="0"/>
+          <a:lstStyle/>
+          <a:p>
+            <a:endParaRPr lang="en-US" sz="2800" b="0" strike="noStrike" spc="-1">
+              <a:solidFill>
+                <a:srgbClr val="000000"/>
+              </a:solidFill>
+              <a:uFill>
+                <a:solidFill>
+                  <a:srgbClr val="FFFFFF"/>
                 </a:solidFill>
               </a:uFill>
               <a:latin typeface="Calibri"/>
@@ -150,15 +250,16 @@
           </a:prstGeom>
         </p:spPr>
         <p:txBody>
-          <a:bodyPr lIns="0" rIns="0" tIns="0" bIns="0"/>
-          <a:p>
-            <a:endParaRPr b="0" lang="en-US" sz="2800" spc="-1" strike="noStrike">
-              <a:solidFill>
-                <a:srgbClr val="000000"/>
-              </a:solidFill>
-              <a:uFill>
-                <a:solidFill>
-                  <a:srgbClr val="ffffff"/>
+          <a:bodyPr lIns="0" tIns="0" rIns="0" bIns="0"/>
+          <a:lstStyle/>
+          <a:p>
+            <a:endParaRPr lang="en-US" sz="2800" b="0" strike="noStrike" spc="-1">
+              <a:solidFill>
+                <a:srgbClr val="000000"/>
+              </a:solidFill>
+              <a:uFill>
+                <a:solidFill>
+                  <a:srgbClr val="FFFFFF"/>
                 </a:solidFill>
               </a:uFill>
               <a:latin typeface="Calibri"/>
@@ -168,11 +269,14 @@
       </p:sp>
     </p:spTree>
   </p:cSld>
+  <p:clrMapOvr>
+    <a:masterClrMapping/>
+  </p:clrMapOvr>
 </p:sldLayout>
 </file>
 
 <file path=ppt/slideLayouts/slideLayout11.xml><?xml version="1.0" encoding="utf-8"?>
-<p:sldLayout xmlns:a="http://schemas.openxmlformats.org/drawingml/2006/main" xmlns:p="http://schemas.openxmlformats.org/presentationml/2006/main" xmlns:r="http://schemas.openxmlformats.org/officeDocument/2006/relationships" xmlns:p14="http://schemas.microsoft.com/office/powerpoint/2010/main" xmlns:p15="http://schemas.microsoft.com/office/powerpoint/2012/main" xmlns:mc="http://schemas.openxmlformats.org/markup-compatibility/2006" type="fourObj" preserve="1">
+<p:sldLayout xmlns:a="http://schemas.openxmlformats.org/drawingml/2006/main" xmlns:r="http://schemas.openxmlformats.org/officeDocument/2006/relationships" xmlns:p="http://schemas.openxmlformats.org/presentationml/2006/main" type="fourObj" preserve="1">
   <p:cSld name="Title, 4 Content">
     <p:spTree>
       <p:nvGrpSpPr>
@@ -208,15 +312,16 @@
           </a:prstGeom>
         </p:spPr>
         <p:txBody>
-          <a:bodyPr lIns="0" rIns="0" tIns="0" bIns="0" anchor="ctr"/>
-          <a:p>
-            <a:endParaRPr b="0" lang="en-US" sz="1800" spc="-1" strike="noStrike">
-              <a:solidFill>
-                <a:srgbClr val="000000"/>
-              </a:solidFill>
-              <a:uFill>
-                <a:solidFill>
-                  <a:srgbClr val="ffffff"/>
+          <a:bodyPr lIns="0" tIns="0" rIns="0" bIns="0" anchor="ctr"/>
+          <a:lstStyle/>
+          <a:p>
+            <a:endParaRPr lang="en-US" sz="1800" b="0" strike="noStrike" spc="-1">
+              <a:solidFill>
+                <a:srgbClr val="000000"/>
+              </a:solidFill>
+              <a:uFill>
+                <a:solidFill>
+                  <a:srgbClr val="FFFFFF"/>
                 </a:solidFill>
               </a:uFill>
               <a:latin typeface="Calibri"/>
@@ -244,15 +349,16 @@
           </a:prstGeom>
         </p:spPr>
         <p:txBody>
-          <a:bodyPr lIns="0" rIns="0" tIns="0" bIns="0"/>
-          <a:p>
-            <a:endParaRPr b="0" lang="en-US" sz="2800" spc="-1" strike="noStrike">
-              <a:solidFill>
-                <a:srgbClr val="000000"/>
-              </a:solidFill>
-              <a:uFill>
-                <a:solidFill>
-                  <a:srgbClr val="ffffff"/>
+          <a:bodyPr lIns="0" tIns="0" rIns="0" bIns="0"/>
+          <a:lstStyle/>
+          <a:p>
+            <a:endParaRPr lang="en-US" sz="2800" b="0" strike="noStrike" spc="-1">
+              <a:solidFill>
+                <a:srgbClr val="000000"/>
+              </a:solidFill>
+              <a:uFill>
+                <a:solidFill>
+                  <a:srgbClr val="FFFFFF"/>
                 </a:solidFill>
               </a:uFill>
               <a:latin typeface="Calibri"/>
@@ -280,15 +386,16 @@
           </a:prstGeom>
         </p:spPr>
         <p:txBody>
-          <a:bodyPr lIns="0" rIns="0" tIns="0" bIns="0"/>
-          <a:p>
-            <a:endParaRPr b="0" lang="en-US" sz="2800" spc="-1" strike="noStrike">
-              <a:solidFill>
-                <a:srgbClr val="000000"/>
-              </a:solidFill>
-              <a:uFill>
-                <a:solidFill>
-                  <a:srgbClr val="ffffff"/>
+          <a:bodyPr lIns="0" tIns="0" rIns="0" bIns="0"/>
+          <a:lstStyle/>
+          <a:p>
+            <a:endParaRPr lang="en-US" sz="2800" b="0" strike="noStrike" spc="-1">
+              <a:solidFill>
+                <a:srgbClr val="000000"/>
+              </a:solidFill>
+              <a:uFill>
+                <a:solidFill>
+                  <a:srgbClr val="FFFFFF"/>
                 </a:solidFill>
               </a:uFill>
               <a:latin typeface="Calibri"/>
@@ -316,15 +423,16 @@
           </a:prstGeom>
         </p:spPr>
         <p:txBody>
-          <a:bodyPr lIns="0" rIns="0" tIns="0" bIns="0"/>
-          <a:p>
-            <a:endParaRPr b="0" lang="en-US" sz="2800" spc="-1" strike="noStrike">
-              <a:solidFill>
-                <a:srgbClr val="000000"/>
-              </a:solidFill>
-              <a:uFill>
-                <a:solidFill>
-                  <a:srgbClr val="ffffff"/>
+          <a:bodyPr lIns="0" tIns="0" rIns="0" bIns="0"/>
+          <a:lstStyle/>
+          <a:p>
+            <a:endParaRPr lang="en-US" sz="2800" b="0" strike="noStrike" spc="-1">
+              <a:solidFill>
+                <a:srgbClr val="000000"/>
+              </a:solidFill>
+              <a:uFill>
+                <a:solidFill>
+                  <a:srgbClr val="FFFFFF"/>
                 </a:solidFill>
               </a:uFill>
               <a:latin typeface="Calibri"/>
@@ -352,15 +460,16 @@
           </a:prstGeom>
         </p:spPr>
         <p:txBody>
-          <a:bodyPr lIns="0" rIns="0" tIns="0" bIns="0"/>
-          <a:p>
-            <a:endParaRPr b="0" lang="en-US" sz="2800" spc="-1" strike="noStrike">
-              <a:solidFill>
-                <a:srgbClr val="000000"/>
-              </a:solidFill>
-              <a:uFill>
-                <a:solidFill>
-                  <a:srgbClr val="ffffff"/>
+          <a:bodyPr lIns="0" tIns="0" rIns="0" bIns="0"/>
+          <a:lstStyle/>
+          <a:p>
+            <a:endParaRPr lang="en-US" sz="2800" b="0" strike="noStrike" spc="-1">
+              <a:solidFill>
+                <a:srgbClr val="000000"/>
+              </a:solidFill>
+              <a:uFill>
+                <a:solidFill>
+                  <a:srgbClr val="FFFFFF"/>
                 </a:solidFill>
               </a:uFill>
               <a:latin typeface="Calibri"/>
@@ -370,11 +479,14 @@
       </p:sp>
     </p:spTree>
   </p:cSld>
+  <p:clrMapOvr>
+    <a:masterClrMapping/>
+  </p:clrMapOvr>
 </p:sldLayout>
 </file>
 
 <file path=ppt/slideLayouts/slideLayout12.xml><?xml version="1.0" encoding="utf-8"?>
-<p:sldLayout xmlns:a="http://schemas.openxmlformats.org/drawingml/2006/main" xmlns:p="http://schemas.openxmlformats.org/presentationml/2006/main" xmlns:r="http://schemas.openxmlformats.org/officeDocument/2006/relationships" xmlns:p14="http://schemas.microsoft.com/office/powerpoint/2010/main" xmlns:p15="http://schemas.microsoft.com/office/powerpoint/2012/main" xmlns:mc="http://schemas.openxmlformats.org/markup-compatibility/2006" type="blank" preserve="1">
+<p:sldLayout xmlns:a="http://schemas.openxmlformats.org/drawingml/2006/main" xmlns:r="http://schemas.openxmlformats.org/officeDocument/2006/relationships" xmlns:p="http://schemas.openxmlformats.org/presentationml/2006/main" type="blank" preserve="1">
   <p:cSld name="Title, 6 Content">
     <p:spTree>
       <p:nvGrpSpPr>
@@ -410,15 +522,16 @@
           </a:prstGeom>
         </p:spPr>
         <p:txBody>
-          <a:bodyPr lIns="0" rIns="0" tIns="0" bIns="0" anchor="ctr"/>
-          <a:p>
-            <a:endParaRPr b="0" lang="en-US" sz="1800" spc="-1" strike="noStrike">
-              <a:solidFill>
-                <a:srgbClr val="000000"/>
-              </a:solidFill>
-              <a:uFill>
-                <a:solidFill>
-                  <a:srgbClr val="ffffff"/>
+          <a:bodyPr lIns="0" tIns="0" rIns="0" bIns="0" anchor="ctr"/>
+          <a:lstStyle/>
+          <a:p>
+            <a:endParaRPr lang="en-US" sz="1800" b="0" strike="noStrike" spc="-1">
+              <a:solidFill>
+                <a:srgbClr val="000000"/>
+              </a:solidFill>
+              <a:uFill>
+                <a:solidFill>
+                  <a:srgbClr val="FFFFFF"/>
                 </a:solidFill>
               </a:uFill>
               <a:latin typeface="Calibri"/>
@@ -446,15 +559,16 @@
           </a:prstGeom>
         </p:spPr>
         <p:txBody>
-          <a:bodyPr lIns="0" rIns="0" tIns="0" bIns="0"/>
-          <a:p>
-            <a:endParaRPr b="0" lang="en-US" sz="2800" spc="-1" strike="noStrike">
-              <a:solidFill>
-                <a:srgbClr val="000000"/>
-              </a:solidFill>
-              <a:uFill>
-                <a:solidFill>
-                  <a:srgbClr val="ffffff"/>
+          <a:bodyPr lIns="0" tIns="0" rIns="0" bIns="0"/>
+          <a:lstStyle/>
+          <a:p>
+            <a:endParaRPr lang="en-US" sz="2800" b="0" strike="noStrike" spc="-1">
+              <a:solidFill>
+                <a:srgbClr val="000000"/>
+              </a:solidFill>
+              <a:uFill>
+                <a:solidFill>
+                  <a:srgbClr val="FFFFFF"/>
                 </a:solidFill>
               </a:uFill>
               <a:latin typeface="Calibri"/>
@@ -482,15 +596,16 @@
           </a:prstGeom>
         </p:spPr>
         <p:txBody>
-          <a:bodyPr lIns="0" rIns="0" tIns="0" bIns="0"/>
-          <a:p>
-            <a:endParaRPr b="0" lang="en-US" sz="2800" spc="-1" strike="noStrike">
-              <a:solidFill>
-                <a:srgbClr val="000000"/>
-              </a:solidFill>
-              <a:uFill>
-                <a:solidFill>
-                  <a:srgbClr val="ffffff"/>
+          <a:bodyPr lIns="0" tIns="0" rIns="0" bIns="0"/>
+          <a:lstStyle/>
+          <a:p>
+            <a:endParaRPr lang="en-US" sz="2800" b="0" strike="noStrike" spc="-1">
+              <a:solidFill>
+                <a:srgbClr val="000000"/>
+              </a:solidFill>
+              <a:uFill>
+                <a:solidFill>
+                  <a:srgbClr val="FFFFFF"/>
                 </a:solidFill>
               </a:uFill>
               <a:latin typeface="Calibri"/>
@@ -500,7 +615,7 @@
       </p:sp>
       <p:pic>
         <p:nvPicPr>
-          <p:cNvPr id="37" name="" descr=""/>
+          <p:cNvPr id="37" name="Picture 36"/>
           <p:cNvPicPr/>
           <p:nvPr/>
         </p:nvPicPr>
@@ -523,12 +638,12 @@
       </p:pic>
       <p:pic>
         <p:nvPicPr>
-          <p:cNvPr id="38" name="" descr=""/>
+          <p:cNvPr id="38" name="Picture 37"/>
           <p:cNvPicPr/>
           <p:nvPr/>
         </p:nvPicPr>
         <p:blipFill>
-          <a:blip r:embed="rId3"/>
+          <a:blip r:embed="rId2"/>
           <a:stretch/>
         </p:blipFill>
         <p:spPr>
@@ -546,11 +661,14 @@
       </p:pic>
     </p:spTree>
   </p:cSld>
+  <p:clrMapOvr>
+    <a:masterClrMapping/>
+  </p:clrMapOvr>
 </p:sldLayout>
 </file>
 
 <file path=ppt/slideLayouts/slideLayout13.xml><?xml version="1.0" encoding="utf-8"?>
-<p:sldLayout xmlns:a="http://schemas.openxmlformats.org/drawingml/2006/main" xmlns:p="http://schemas.openxmlformats.org/presentationml/2006/main" xmlns:r="http://schemas.openxmlformats.org/officeDocument/2006/relationships" xmlns:p14="http://schemas.microsoft.com/office/powerpoint/2010/main" xmlns:p15="http://schemas.microsoft.com/office/powerpoint/2012/main" xmlns:mc="http://schemas.openxmlformats.org/markup-compatibility/2006" type="blank" preserve="1">
+<p:sldLayout xmlns:a="http://schemas.openxmlformats.org/drawingml/2006/main" xmlns:r="http://schemas.openxmlformats.org/officeDocument/2006/relationships" xmlns:p="http://schemas.openxmlformats.org/presentationml/2006/main" type="blank" preserve="1">
   <p:cSld name="Blank Slide">
     <p:spTree>
       <p:nvGrpSpPr>
@@ -568,11 +686,14 @@
       </p:grpSpPr>
     </p:spTree>
   </p:cSld>
+  <p:clrMapOvr>
+    <a:masterClrMapping/>
+  </p:clrMapOvr>
 </p:sldLayout>
 </file>
 
 <file path=ppt/slideLayouts/slideLayout14.xml><?xml version="1.0" encoding="utf-8"?>
-<p:sldLayout xmlns:a="http://schemas.openxmlformats.org/drawingml/2006/main" xmlns:p="http://schemas.openxmlformats.org/presentationml/2006/main" xmlns:r="http://schemas.openxmlformats.org/officeDocument/2006/relationships" xmlns:p14="http://schemas.microsoft.com/office/powerpoint/2010/main" xmlns:p15="http://schemas.microsoft.com/office/powerpoint/2012/main" xmlns:mc="http://schemas.openxmlformats.org/markup-compatibility/2006" type="tx" preserve="1">
+<p:sldLayout xmlns:a="http://schemas.openxmlformats.org/drawingml/2006/main" xmlns:r="http://schemas.openxmlformats.org/officeDocument/2006/relationships" xmlns:p="http://schemas.openxmlformats.org/presentationml/2006/main" type="tx" preserve="1">
   <p:cSld name="Title Slide">
     <p:spTree>
       <p:nvGrpSpPr>
@@ -608,15 +729,16 @@
           </a:prstGeom>
         </p:spPr>
         <p:txBody>
-          <a:bodyPr lIns="0" rIns="0" tIns="0" bIns="0" anchor="ctr"/>
-          <a:p>
-            <a:endParaRPr b="0" lang="en-US" sz="1800" spc="-1" strike="noStrike">
-              <a:solidFill>
-                <a:srgbClr val="000000"/>
-              </a:solidFill>
-              <a:uFill>
-                <a:solidFill>
-                  <a:srgbClr val="ffffff"/>
+          <a:bodyPr lIns="0" tIns="0" rIns="0" bIns="0" anchor="ctr"/>
+          <a:lstStyle/>
+          <a:p>
+            <a:endParaRPr lang="en-US" sz="1800" b="0" strike="noStrike" spc="-1">
+              <a:solidFill>
+                <a:srgbClr val="000000"/>
+              </a:solidFill>
+              <a:uFill>
+                <a:solidFill>
+                  <a:srgbClr val="FFFFFF"/>
                 </a:solidFill>
               </a:uFill>
               <a:latin typeface="Calibri"/>
@@ -644,16 +766,17 @@
           </a:prstGeom>
         </p:spPr>
         <p:txBody>
-          <a:bodyPr lIns="0" rIns="0" tIns="0" bIns="0" anchor="ctr"/>
+          <a:bodyPr lIns="0" tIns="0" rIns="0" bIns="0" anchor="ctr"/>
+          <a:lstStyle/>
           <a:p>
             <a:pPr algn="ctr"/>
-            <a:endParaRPr b="0" lang="en-US" sz="3200" spc="-1" strike="noStrike">
-              <a:solidFill>
-                <a:srgbClr val="000000"/>
-              </a:solidFill>
-              <a:uFill>
-                <a:solidFill>
-                  <a:srgbClr val="ffffff"/>
+            <a:endParaRPr lang="en-US" sz="3200" b="0" strike="noStrike" spc="-1">
+              <a:solidFill>
+                <a:srgbClr val="000000"/>
+              </a:solidFill>
+              <a:uFill>
+                <a:solidFill>
+                  <a:srgbClr val="FFFFFF"/>
                 </a:solidFill>
               </a:uFill>
               <a:latin typeface="Arial"/>
@@ -663,11 +786,14 @@
       </p:sp>
     </p:spTree>
   </p:cSld>
+  <p:clrMapOvr>
+    <a:masterClrMapping/>
+  </p:clrMapOvr>
 </p:sldLayout>
 </file>
 
 <file path=ppt/slideLayouts/slideLayout15.xml><?xml version="1.0" encoding="utf-8"?>
-<p:sldLayout xmlns:a="http://schemas.openxmlformats.org/drawingml/2006/main" xmlns:p="http://schemas.openxmlformats.org/presentationml/2006/main" xmlns:r="http://schemas.openxmlformats.org/officeDocument/2006/relationships" xmlns:p14="http://schemas.microsoft.com/office/powerpoint/2010/main" xmlns:p15="http://schemas.microsoft.com/office/powerpoint/2012/main" xmlns:mc="http://schemas.openxmlformats.org/markup-compatibility/2006" type="obj" preserve="1">
+<p:sldLayout xmlns:a="http://schemas.openxmlformats.org/drawingml/2006/main" xmlns:r="http://schemas.openxmlformats.org/officeDocument/2006/relationships" xmlns:p="http://schemas.openxmlformats.org/presentationml/2006/main" type="obj" preserve="1">
   <p:cSld name="Title, Content">
     <p:spTree>
       <p:nvGrpSpPr>
@@ -703,15 +829,16 @@
           </a:prstGeom>
         </p:spPr>
         <p:txBody>
-          <a:bodyPr lIns="0" rIns="0" tIns="0" bIns="0" anchor="ctr"/>
-          <a:p>
-            <a:endParaRPr b="0" lang="en-US" sz="1800" spc="-1" strike="noStrike">
-              <a:solidFill>
-                <a:srgbClr val="000000"/>
-              </a:solidFill>
-              <a:uFill>
-                <a:solidFill>
-                  <a:srgbClr val="ffffff"/>
+          <a:bodyPr lIns="0" tIns="0" rIns="0" bIns="0" anchor="ctr"/>
+          <a:lstStyle/>
+          <a:p>
+            <a:endParaRPr lang="en-US" sz="1800" b="0" strike="noStrike" spc="-1">
+              <a:solidFill>
+                <a:srgbClr val="000000"/>
+              </a:solidFill>
+              <a:uFill>
+                <a:solidFill>
+                  <a:srgbClr val="FFFFFF"/>
                 </a:solidFill>
               </a:uFill>
               <a:latin typeface="Calibri"/>
@@ -739,15 +866,16 @@
           </a:prstGeom>
         </p:spPr>
         <p:txBody>
-          <a:bodyPr lIns="0" rIns="0" tIns="0" bIns="0"/>
-          <a:p>
-            <a:endParaRPr b="0" lang="en-US" sz="2800" spc="-1" strike="noStrike">
-              <a:solidFill>
-                <a:srgbClr val="000000"/>
-              </a:solidFill>
-              <a:uFill>
-                <a:solidFill>
-                  <a:srgbClr val="ffffff"/>
+          <a:bodyPr lIns="0" tIns="0" rIns="0" bIns="0"/>
+          <a:lstStyle/>
+          <a:p>
+            <a:endParaRPr lang="en-US" sz="2800" b="0" strike="noStrike" spc="-1">
+              <a:solidFill>
+                <a:srgbClr val="000000"/>
+              </a:solidFill>
+              <a:uFill>
+                <a:solidFill>
+                  <a:srgbClr val="FFFFFF"/>
                 </a:solidFill>
               </a:uFill>
               <a:latin typeface="Calibri"/>
@@ -757,11 +885,14 @@
       </p:sp>
     </p:spTree>
   </p:cSld>
+  <p:clrMapOvr>
+    <a:masterClrMapping/>
+  </p:clrMapOvr>
 </p:sldLayout>
 </file>
 
 <file path=ppt/slideLayouts/slideLayout16.xml><?xml version="1.0" encoding="utf-8"?>
-<p:sldLayout xmlns:a="http://schemas.openxmlformats.org/drawingml/2006/main" xmlns:p="http://schemas.openxmlformats.org/presentationml/2006/main" xmlns:r="http://schemas.openxmlformats.org/officeDocument/2006/relationships" xmlns:p14="http://schemas.microsoft.com/office/powerpoint/2010/main" xmlns:p15="http://schemas.microsoft.com/office/powerpoint/2012/main" xmlns:mc="http://schemas.openxmlformats.org/markup-compatibility/2006" type="twoObj" preserve="1">
+<p:sldLayout xmlns:a="http://schemas.openxmlformats.org/drawingml/2006/main" xmlns:r="http://schemas.openxmlformats.org/officeDocument/2006/relationships" xmlns:p="http://schemas.openxmlformats.org/presentationml/2006/main" type="twoObj" preserve="1">
   <p:cSld name="Title, 2 Content">
     <p:spTree>
       <p:nvGrpSpPr>
@@ -797,15 +928,16 @@
           </a:prstGeom>
         </p:spPr>
         <p:txBody>
-          <a:bodyPr lIns="0" rIns="0" tIns="0" bIns="0" anchor="ctr"/>
-          <a:p>
-            <a:endParaRPr b="0" lang="en-US" sz="1800" spc="-1" strike="noStrike">
-              <a:solidFill>
-                <a:srgbClr val="000000"/>
-              </a:solidFill>
-              <a:uFill>
-                <a:solidFill>
-                  <a:srgbClr val="ffffff"/>
+          <a:bodyPr lIns="0" tIns="0" rIns="0" bIns="0" anchor="ctr"/>
+          <a:lstStyle/>
+          <a:p>
+            <a:endParaRPr lang="en-US" sz="1800" b="0" strike="noStrike" spc="-1">
+              <a:solidFill>
+                <a:srgbClr val="000000"/>
+              </a:solidFill>
+              <a:uFill>
+                <a:solidFill>
+                  <a:srgbClr val="FFFFFF"/>
                 </a:solidFill>
               </a:uFill>
               <a:latin typeface="Calibri"/>
@@ -833,15 +965,16 @@
           </a:prstGeom>
         </p:spPr>
         <p:txBody>
-          <a:bodyPr lIns="0" rIns="0" tIns="0" bIns="0"/>
-          <a:p>
-            <a:endParaRPr b="0" lang="en-US" sz="2800" spc="-1" strike="noStrike">
-              <a:solidFill>
-                <a:srgbClr val="000000"/>
-              </a:solidFill>
-              <a:uFill>
-                <a:solidFill>
-                  <a:srgbClr val="ffffff"/>
+          <a:bodyPr lIns="0" tIns="0" rIns="0" bIns="0"/>
+          <a:lstStyle/>
+          <a:p>
+            <a:endParaRPr lang="en-US" sz="2800" b="0" strike="noStrike" spc="-1">
+              <a:solidFill>
+                <a:srgbClr val="000000"/>
+              </a:solidFill>
+              <a:uFill>
+                <a:solidFill>
+                  <a:srgbClr val="FFFFFF"/>
                 </a:solidFill>
               </a:uFill>
               <a:latin typeface="Calibri"/>
@@ -869,15 +1002,16 @@
           </a:prstGeom>
         </p:spPr>
         <p:txBody>
-          <a:bodyPr lIns="0" rIns="0" tIns="0" bIns="0"/>
-          <a:p>
-            <a:endParaRPr b="0" lang="en-US" sz="2800" spc="-1" strike="noStrike">
-              <a:solidFill>
-                <a:srgbClr val="000000"/>
-              </a:solidFill>
-              <a:uFill>
-                <a:solidFill>
-                  <a:srgbClr val="ffffff"/>
+          <a:bodyPr lIns="0" tIns="0" rIns="0" bIns="0"/>
+          <a:lstStyle/>
+          <a:p>
+            <a:endParaRPr lang="en-US" sz="2800" b="0" strike="noStrike" spc="-1">
+              <a:solidFill>
+                <a:srgbClr val="000000"/>
+              </a:solidFill>
+              <a:uFill>
+                <a:solidFill>
+                  <a:srgbClr val="FFFFFF"/>
                 </a:solidFill>
               </a:uFill>
               <a:latin typeface="Calibri"/>
@@ -887,11 +1021,14 @@
       </p:sp>
     </p:spTree>
   </p:cSld>
+  <p:clrMapOvr>
+    <a:masterClrMapping/>
+  </p:clrMapOvr>
 </p:sldLayout>
 </file>
 
 <file path=ppt/slideLayouts/slideLayout17.xml><?xml version="1.0" encoding="utf-8"?>
-<p:sldLayout xmlns:a="http://schemas.openxmlformats.org/drawingml/2006/main" xmlns:p="http://schemas.openxmlformats.org/presentationml/2006/main" xmlns:r="http://schemas.openxmlformats.org/officeDocument/2006/relationships" xmlns:p14="http://schemas.microsoft.com/office/powerpoint/2010/main" xmlns:p15="http://schemas.microsoft.com/office/powerpoint/2012/main" xmlns:mc="http://schemas.openxmlformats.org/markup-compatibility/2006" type="titleOnly" preserve="1">
+<p:sldLayout xmlns:a="http://schemas.openxmlformats.org/drawingml/2006/main" xmlns:r="http://schemas.openxmlformats.org/officeDocument/2006/relationships" xmlns:p="http://schemas.openxmlformats.org/presentationml/2006/main" type="titleOnly" preserve="1">
   <p:cSld name="Title Only">
     <p:spTree>
       <p:nvGrpSpPr>
@@ -927,15 +1064,16 @@
           </a:prstGeom>
         </p:spPr>
         <p:txBody>
-          <a:bodyPr lIns="0" rIns="0" tIns="0" bIns="0" anchor="ctr"/>
-          <a:p>
-            <a:endParaRPr b="0" lang="en-US" sz="1800" spc="-1" strike="noStrike">
-              <a:solidFill>
-                <a:srgbClr val="000000"/>
-              </a:solidFill>
-              <a:uFill>
-                <a:solidFill>
-                  <a:srgbClr val="ffffff"/>
+          <a:bodyPr lIns="0" tIns="0" rIns="0" bIns="0" anchor="ctr"/>
+          <a:lstStyle/>
+          <a:p>
+            <a:endParaRPr lang="en-US" sz="1800" b="0" strike="noStrike" spc="-1">
+              <a:solidFill>
+                <a:srgbClr val="000000"/>
+              </a:solidFill>
+              <a:uFill>
+                <a:solidFill>
+                  <a:srgbClr val="FFFFFF"/>
                 </a:solidFill>
               </a:uFill>
               <a:latin typeface="Calibri"/>
@@ -945,11 +1083,14 @@
       </p:sp>
     </p:spTree>
   </p:cSld>
+  <p:clrMapOvr>
+    <a:masterClrMapping/>
+  </p:clrMapOvr>
 </p:sldLayout>
 </file>
 
 <file path=ppt/slideLayouts/slideLayout18.xml><?xml version="1.0" encoding="utf-8"?>
-<p:sldLayout xmlns:a="http://schemas.openxmlformats.org/drawingml/2006/main" xmlns:p="http://schemas.openxmlformats.org/presentationml/2006/main" xmlns:r="http://schemas.openxmlformats.org/officeDocument/2006/relationships" xmlns:p14="http://schemas.microsoft.com/office/powerpoint/2010/main" xmlns:p15="http://schemas.microsoft.com/office/powerpoint/2012/main" xmlns:mc="http://schemas.openxmlformats.org/markup-compatibility/2006" type="objOnly" preserve="1">
+<p:sldLayout xmlns:a="http://schemas.openxmlformats.org/drawingml/2006/main" xmlns:r="http://schemas.openxmlformats.org/officeDocument/2006/relationships" xmlns:p="http://schemas.openxmlformats.org/presentationml/2006/main" type="objOnly" preserve="1">
   <p:cSld name="Centered Text">
     <p:spTree>
       <p:nvGrpSpPr>
@@ -985,16 +1126,17 @@
           </a:prstGeom>
         </p:spPr>
         <p:txBody>
-          <a:bodyPr lIns="0" rIns="0" tIns="0" bIns="0" anchor="ctr"/>
+          <a:bodyPr lIns="0" tIns="0" rIns="0" bIns="0" anchor="ctr"/>
+          <a:lstStyle/>
           <a:p>
             <a:pPr algn="ctr"/>
-            <a:endParaRPr b="0" lang="en-US" sz="3200" spc="-1" strike="noStrike">
-              <a:solidFill>
-                <a:srgbClr val="000000"/>
-              </a:solidFill>
-              <a:uFill>
-                <a:solidFill>
-                  <a:srgbClr val="ffffff"/>
+            <a:endParaRPr lang="en-US" sz="3200" b="0" strike="noStrike" spc="-1">
+              <a:solidFill>
+                <a:srgbClr val="000000"/>
+              </a:solidFill>
+              <a:uFill>
+                <a:solidFill>
+                  <a:srgbClr val="FFFFFF"/>
                 </a:solidFill>
               </a:uFill>
               <a:latin typeface="Arial"/>
@@ -1004,11 +1146,14 @@
       </p:sp>
     </p:spTree>
   </p:cSld>
+  <p:clrMapOvr>
+    <a:masterClrMapping/>
+  </p:clrMapOvr>
 </p:sldLayout>
 </file>
 
 <file path=ppt/slideLayouts/slideLayout19.xml><?xml version="1.0" encoding="utf-8"?>
-<p:sldLayout xmlns:a="http://schemas.openxmlformats.org/drawingml/2006/main" xmlns:p="http://schemas.openxmlformats.org/presentationml/2006/main" xmlns:r="http://schemas.openxmlformats.org/officeDocument/2006/relationships" xmlns:p14="http://schemas.microsoft.com/office/powerpoint/2010/main" xmlns:p15="http://schemas.microsoft.com/office/powerpoint/2012/main" xmlns:mc="http://schemas.openxmlformats.org/markup-compatibility/2006" type="twoObjAndObj" preserve="1">
+<p:sldLayout xmlns:a="http://schemas.openxmlformats.org/drawingml/2006/main" xmlns:r="http://schemas.openxmlformats.org/officeDocument/2006/relationships" xmlns:p="http://schemas.openxmlformats.org/presentationml/2006/main" type="twoObjAndObj" preserve="1">
   <p:cSld name="Title, 2 Content and Content">
     <p:spTree>
       <p:nvGrpSpPr>
@@ -1044,15 +1189,16 @@
           </a:prstGeom>
         </p:spPr>
         <p:txBody>
-          <a:bodyPr lIns="0" rIns="0" tIns="0" bIns="0" anchor="ctr"/>
-          <a:p>
-            <a:endParaRPr b="0" lang="en-US" sz="1800" spc="-1" strike="noStrike">
-              <a:solidFill>
-                <a:srgbClr val="000000"/>
-              </a:solidFill>
-              <a:uFill>
-                <a:solidFill>
-                  <a:srgbClr val="ffffff"/>
+          <a:bodyPr lIns="0" tIns="0" rIns="0" bIns="0" anchor="ctr"/>
+          <a:lstStyle/>
+          <a:p>
+            <a:endParaRPr lang="en-US" sz="1800" b="0" strike="noStrike" spc="-1">
+              <a:solidFill>
+                <a:srgbClr val="000000"/>
+              </a:solidFill>
+              <a:uFill>
+                <a:solidFill>
+                  <a:srgbClr val="FFFFFF"/>
                 </a:solidFill>
               </a:uFill>
               <a:latin typeface="Calibri"/>
@@ -1080,15 +1226,16 @@
           </a:prstGeom>
         </p:spPr>
         <p:txBody>
-          <a:bodyPr lIns="0" rIns="0" tIns="0" bIns="0"/>
-          <a:p>
-            <a:endParaRPr b="0" lang="en-US" sz="2800" spc="-1" strike="noStrike">
-              <a:solidFill>
-                <a:srgbClr val="000000"/>
-              </a:solidFill>
-              <a:uFill>
-                <a:solidFill>
-                  <a:srgbClr val="ffffff"/>
+          <a:bodyPr lIns="0" tIns="0" rIns="0" bIns="0"/>
+          <a:lstStyle/>
+          <a:p>
+            <a:endParaRPr lang="en-US" sz="2800" b="0" strike="noStrike" spc="-1">
+              <a:solidFill>
+                <a:srgbClr val="000000"/>
+              </a:solidFill>
+              <a:uFill>
+                <a:solidFill>
+                  <a:srgbClr val="FFFFFF"/>
                 </a:solidFill>
               </a:uFill>
               <a:latin typeface="Calibri"/>
@@ -1116,15 +1263,16 @@
           </a:prstGeom>
         </p:spPr>
         <p:txBody>
-          <a:bodyPr lIns="0" rIns="0" tIns="0" bIns="0"/>
-          <a:p>
-            <a:endParaRPr b="0" lang="en-US" sz="2800" spc="-1" strike="noStrike">
-              <a:solidFill>
-                <a:srgbClr val="000000"/>
-              </a:solidFill>
-              <a:uFill>
-                <a:solidFill>
-                  <a:srgbClr val="ffffff"/>
+          <a:bodyPr lIns="0" tIns="0" rIns="0" bIns="0"/>
+          <a:lstStyle/>
+          <a:p>
+            <a:endParaRPr lang="en-US" sz="2800" b="0" strike="noStrike" spc="-1">
+              <a:solidFill>
+                <a:srgbClr val="000000"/>
+              </a:solidFill>
+              <a:uFill>
+                <a:solidFill>
+                  <a:srgbClr val="FFFFFF"/>
                 </a:solidFill>
               </a:uFill>
               <a:latin typeface="Calibri"/>
@@ -1152,15 +1300,16 @@
           </a:prstGeom>
         </p:spPr>
         <p:txBody>
-          <a:bodyPr lIns="0" rIns="0" tIns="0" bIns="0"/>
-          <a:p>
-            <a:endParaRPr b="0" lang="en-US" sz="2800" spc="-1" strike="noStrike">
-              <a:solidFill>
-                <a:srgbClr val="000000"/>
-              </a:solidFill>
-              <a:uFill>
-                <a:solidFill>
-                  <a:srgbClr val="ffffff"/>
+          <a:bodyPr lIns="0" tIns="0" rIns="0" bIns="0"/>
+          <a:lstStyle/>
+          <a:p>
+            <a:endParaRPr lang="en-US" sz="2800" b="0" strike="noStrike" spc="-1">
+              <a:solidFill>
+                <a:srgbClr val="000000"/>
+              </a:solidFill>
+              <a:uFill>
+                <a:solidFill>
+                  <a:srgbClr val="FFFFFF"/>
                 </a:solidFill>
               </a:uFill>
               <a:latin typeface="Calibri"/>
@@ -1170,11 +1319,14 @@
       </p:sp>
     </p:spTree>
   </p:cSld>
+  <p:clrMapOvr>
+    <a:masterClrMapping/>
+  </p:clrMapOvr>
 </p:sldLayout>
 </file>
 
 <file path=ppt/slideLayouts/slideLayout2.xml><?xml version="1.0" encoding="utf-8"?>
-<p:sldLayout xmlns:a="http://schemas.openxmlformats.org/drawingml/2006/main" xmlns:p="http://schemas.openxmlformats.org/presentationml/2006/main" xmlns:r="http://schemas.openxmlformats.org/officeDocument/2006/relationships" xmlns:p14="http://schemas.microsoft.com/office/powerpoint/2010/main" xmlns:p15="http://schemas.microsoft.com/office/powerpoint/2012/main" xmlns:mc="http://schemas.openxmlformats.org/markup-compatibility/2006" type="tx" preserve="1">
+<p:sldLayout xmlns:a="http://schemas.openxmlformats.org/drawingml/2006/main" xmlns:r="http://schemas.openxmlformats.org/officeDocument/2006/relationships" xmlns:p="http://schemas.openxmlformats.org/presentationml/2006/main" type="tx" preserve="1">
   <p:cSld name="Title Slide">
     <p:spTree>
       <p:nvGrpSpPr>
@@ -1210,15 +1362,16 @@
           </a:prstGeom>
         </p:spPr>
         <p:txBody>
-          <a:bodyPr lIns="0" rIns="0" tIns="0" bIns="0" anchor="ctr"/>
-          <a:p>
-            <a:endParaRPr b="0" lang="en-US" sz="1800" spc="-1" strike="noStrike">
-              <a:solidFill>
-                <a:srgbClr val="000000"/>
-              </a:solidFill>
-              <a:uFill>
-                <a:solidFill>
-                  <a:srgbClr val="ffffff"/>
+          <a:bodyPr lIns="0" tIns="0" rIns="0" bIns="0" anchor="ctr"/>
+          <a:lstStyle/>
+          <a:p>
+            <a:endParaRPr lang="en-US" sz="1800" b="0" strike="noStrike" spc="-1">
+              <a:solidFill>
+                <a:srgbClr val="000000"/>
+              </a:solidFill>
+              <a:uFill>
+                <a:solidFill>
+                  <a:srgbClr val="FFFFFF"/>
                 </a:solidFill>
               </a:uFill>
               <a:latin typeface="Calibri"/>
@@ -1246,16 +1399,17 @@
           </a:prstGeom>
         </p:spPr>
         <p:txBody>
-          <a:bodyPr lIns="0" rIns="0" tIns="0" bIns="0" anchor="ctr"/>
+          <a:bodyPr lIns="0" tIns="0" rIns="0" bIns="0" anchor="ctr"/>
+          <a:lstStyle/>
           <a:p>
             <a:pPr algn="ctr"/>
-            <a:endParaRPr b="0" lang="en-US" sz="3200" spc="-1" strike="noStrike">
-              <a:solidFill>
-                <a:srgbClr val="000000"/>
-              </a:solidFill>
-              <a:uFill>
-                <a:solidFill>
-                  <a:srgbClr val="ffffff"/>
+            <a:endParaRPr lang="en-US" sz="3200" b="0" strike="noStrike" spc="-1">
+              <a:solidFill>
+                <a:srgbClr val="000000"/>
+              </a:solidFill>
+              <a:uFill>
+                <a:solidFill>
+                  <a:srgbClr val="FFFFFF"/>
                 </a:solidFill>
               </a:uFill>
               <a:latin typeface="Arial"/>
@@ -1265,11 +1419,14 @@
       </p:sp>
     </p:spTree>
   </p:cSld>
+  <p:clrMapOvr>
+    <a:masterClrMapping/>
+  </p:clrMapOvr>
 </p:sldLayout>
 </file>
 
 <file path=ppt/slideLayouts/slideLayout20.xml><?xml version="1.0" encoding="utf-8"?>
-<p:sldLayout xmlns:a="http://schemas.openxmlformats.org/drawingml/2006/main" xmlns:p="http://schemas.openxmlformats.org/presentationml/2006/main" xmlns:r="http://schemas.openxmlformats.org/officeDocument/2006/relationships" xmlns:p14="http://schemas.microsoft.com/office/powerpoint/2010/main" xmlns:p15="http://schemas.microsoft.com/office/powerpoint/2012/main" xmlns:mc="http://schemas.openxmlformats.org/markup-compatibility/2006" type="objAndTwoObj" preserve="1">
+<p:sldLayout xmlns:a="http://schemas.openxmlformats.org/drawingml/2006/main" xmlns:r="http://schemas.openxmlformats.org/officeDocument/2006/relationships" xmlns:p="http://schemas.openxmlformats.org/presentationml/2006/main" type="objAndTwoObj" preserve="1">
   <p:cSld name="Title Content and 2 Content">
     <p:spTree>
       <p:nvGrpSpPr>
@@ -1305,15 +1462,16 @@
           </a:prstGeom>
         </p:spPr>
         <p:txBody>
-          <a:bodyPr lIns="0" rIns="0" tIns="0" bIns="0" anchor="ctr"/>
-          <a:p>
-            <a:endParaRPr b="0" lang="en-US" sz="1800" spc="-1" strike="noStrike">
-              <a:solidFill>
-                <a:srgbClr val="000000"/>
-              </a:solidFill>
-              <a:uFill>
-                <a:solidFill>
-                  <a:srgbClr val="ffffff"/>
+          <a:bodyPr lIns="0" tIns="0" rIns="0" bIns="0" anchor="ctr"/>
+          <a:lstStyle/>
+          <a:p>
+            <a:endParaRPr lang="en-US" sz="1800" b="0" strike="noStrike" spc="-1">
+              <a:solidFill>
+                <a:srgbClr val="000000"/>
+              </a:solidFill>
+              <a:uFill>
+                <a:solidFill>
+                  <a:srgbClr val="FFFFFF"/>
                 </a:solidFill>
               </a:uFill>
               <a:latin typeface="Calibri"/>
@@ -1341,15 +1499,16 @@
           </a:prstGeom>
         </p:spPr>
         <p:txBody>
-          <a:bodyPr lIns="0" rIns="0" tIns="0" bIns="0"/>
-          <a:p>
-            <a:endParaRPr b="0" lang="en-US" sz="2800" spc="-1" strike="noStrike">
-              <a:solidFill>
-                <a:srgbClr val="000000"/>
-              </a:solidFill>
-              <a:uFill>
-                <a:solidFill>
-                  <a:srgbClr val="ffffff"/>
+          <a:bodyPr lIns="0" tIns="0" rIns="0" bIns="0"/>
+          <a:lstStyle/>
+          <a:p>
+            <a:endParaRPr lang="en-US" sz="2800" b="0" strike="noStrike" spc="-1">
+              <a:solidFill>
+                <a:srgbClr val="000000"/>
+              </a:solidFill>
+              <a:uFill>
+                <a:solidFill>
+                  <a:srgbClr val="FFFFFF"/>
                 </a:solidFill>
               </a:uFill>
               <a:latin typeface="Calibri"/>
@@ -1377,15 +1536,16 @@
           </a:prstGeom>
         </p:spPr>
         <p:txBody>
-          <a:bodyPr lIns="0" rIns="0" tIns="0" bIns="0"/>
-          <a:p>
-            <a:endParaRPr b="0" lang="en-US" sz="2800" spc="-1" strike="noStrike">
-              <a:solidFill>
-                <a:srgbClr val="000000"/>
-              </a:solidFill>
-              <a:uFill>
-                <a:solidFill>
-                  <a:srgbClr val="ffffff"/>
+          <a:bodyPr lIns="0" tIns="0" rIns="0" bIns="0"/>
+          <a:lstStyle/>
+          <a:p>
+            <a:endParaRPr lang="en-US" sz="2800" b="0" strike="noStrike" spc="-1">
+              <a:solidFill>
+                <a:srgbClr val="000000"/>
+              </a:solidFill>
+              <a:uFill>
+                <a:solidFill>
+                  <a:srgbClr val="FFFFFF"/>
                 </a:solidFill>
               </a:uFill>
               <a:latin typeface="Calibri"/>
@@ -1413,15 +1573,16 @@
           </a:prstGeom>
         </p:spPr>
         <p:txBody>
-          <a:bodyPr lIns="0" rIns="0" tIns="0" bIns="0"/>
-          <a:p>
-            <a:endParaRPr b="0" lang="en-US" sz="2800" spc="-1" strike="noStrike">
-              <a:solidFill>
-                <a:srgbClr val="000000"/>
-              </a:solidFill>
-              <a:uFill>
-                <a:solidFill>
-                  <a:srgbClr val="ffffff"/>
+          <a:bodyPr lIns="0" tIns="0" rIns="0" bIns="0"/>
+          <a:lstStyle/>
+          <a:p>
+            <a:endParaRPr lang="en-US" sz="2800" b="0" strike="noStrike" spc="-1">
+              <a:solidFill>
+                <a:srgbClr val="000000"/>
+              </a:solidFill>
+              <a:uFill>
+                <a:solidFill>
+                  <a:srgbClr val="FFFFFF"/>
                 </a:solidFill>
               </a:uFill>
               <a:latin typeface="Calibri"/>
@@ -1431,11 +1592,14 @@
       </p:sp>
     </p:spTree>
   </p:cSld>
+  <p:clrMapOvr>
+    <a:masterClrMapping/>
+  </p:clrMapOvr>
 </p:sldLayout>
 </file>
 
 <file path=ppt/slideLayouts/slideLayout21.xml><?xml version="1.0" encoding="utf-8"?>
-<p:sldLayout xmlns:a="http://schemas.openxmlformats.org/drawingml/2006/main" xmlns:p="http://schemas.openxmlformats.org/presentationml/2006/main" xmlns:r="http://schemas.openxmlformats.org/officeDocument/2006/relationships" xmlns:p14="http://schemas.microsoft.com/office/powerpoint/2010/main" xmlns:p15="http://schemas.microsoft.com/office/powerpoint/2012/main" xmlns:mc="http://schemas.openxmlformats.org/markup-compatibility/2006" type="twoObjOverTx" preserve="1">
+<p:sldLayout xmlns:a="http://schemas.openxmlformats.org/drawingml/2006/main" xmlns:r="http://schemas.openxmlformats.org/officeDocument/2006/relationships" xmlns:p="http://schemas.openxmlformats.org/presentationml/2006/main" type="twoObjOverTx" preserve="1">
   <p:cSld name="Title, 2 Content over Content">
     <p:spTree>
       <p:nvGrpSpPr>
@@ -1471,15 +1635,16 @@
           </a:prstGeom>
         </p:spPr>
         <p:txBody>
-          <a:bodyPr lIns="0" rIns="0" tIns="0" bIns="0" anchor="ctr"/>
-          <a:p>
-            <a:endParaRPr b="0" lang="en-US" sz="1800" spc="-1" strike="noStrike">
-              <a:solidFill>
-                <a:srgbClr val="000000"/>
-              </a:solidFill>
-              <a:uFill>
-                <a:solidFill>
-                  <a:srgbClr val="ffffff"/>
+          <a:bodyPr lIns="0" tIns="0" rIns="0" bIns="0" anchor="ctr"/>
+          <a:lstStyle/>
+          <a:p>
+            <a:endParaRPr lang="en-US" sz="1800" b="0" strike="noStrike" spc="-1">
+              <a:solidFill>
+                <a:srgbClr val="000000"/>
+              </a:solidFill>
+              <a:uFill>
+                <a:solidFill>
+                  <a:srgbClr val="FFFFFF"/>
                 </a:solidFill>
               </a:uFill>
               <a:latin typeface="Calibri"/>
@@ -1507,15 +1672,16 @@
           </a:prstGeom>
         </p:spPr>
         <p:txBody>
-          <a:bodyPr lIns="0" rIns="0" tIns="0" bIns="0"/>
-          <a:p>
-            <a:endParaRPr b="0" lang="en-US" sz="2800" spc="-1" strike="noStrike">
-              <a:solidFill>
-                <a:srgbClr val="000000"/>
-              </a:solidFill>
-              <a:uFill>
-                <a:solidFill>
-                  <a:srgbClr val="ffffff"/>
+          <a:bodyPr lIns="0" tIns="0" rIns="0" bIns="0"/>
+          <a:lstStyle/>
+          <a:p>
+            <a:endParaRPr lang="en-US" sz="2800" b="0" strike="noStrike" spc="-1">
+              <a:solidFill>
+                <a:srgbClr val="000000"/>
+              </a:solidFill>
+              <a:uFill>
+                <a:solidFill>
+                  <a:srgbClr val="FFFFFF"/>
                 </a:solidFill>
               </a:uFill>
               <a:latin typeface="Calibri"/>
@@ -1543,15 +1709,16 @@
           </a:prstGeom>
         </p:spPr>
         <p:txBody>
-          <a:bodyPr lIns="0" rIns="0" tIns="0" bIns="0"/>
-          <a:p>
-            <a:endParaRPr b="0" lang="en-US" sz="2800" spc="-1" strike="noStrike">
-              <a:solidFill>
-                <a:srgbClr val="000000"/>
-              </a:solidFill>
-              <a:uFill>
-                <a:solidFill>
-                  <a:srgbClr val="ffffff"/>
+          <a:bodyPr lIns="0" tIns="0" rIns="0" bIns="0"/>
+          <a:lstStyle/>
+          <a:p>
+            <a:endParaRPr lang="en-US" sz="2800" b="0" strike="noStrike" spc="-1">
+              <a:solidFill>
+                <a:srgbClr val="000000"/>
+              </a:solidFill>
+              <a:uFill>
+                <a:solidFill>
+                  <a:srgbClr val="FFFFFF"/>
                 </a:solidFill>
               </a:uFill>
               <a:latin typeface="Calibri"/>
@@ -1579,15 +1746,16 @@
           </a:prstGeom>
         </p:spPr>
         <p:txBody>
-          <a:bodyPr lIns="0" rIns="0" tIns="0" bIns="0"/>
-          <a:p>
-            <a:endParaRPr b="0" lang="en-US" sz="2800" spc="-1" strike="noStrike">
-              <a:solidFill>
-                <a:srgbClr val="000000"/>
-              </a:solidFill>
-              <a:uFill>
-                <a:solidFill>
-                  <a:srgbClr val="ffffff"/>
+          <a:bodyPr lIns="0" tIns="0" rIns="0" bIns="0"/>
+          <a:lstStyle/>
+          <a:p>
+            <a:endParaRPr lang="en-US" sz="2800" b="0" strike="noStrike" spc="-1">
+              <a:solidFill>
+                <a:srgbClr val="000000"/>
+              </a:solidFill>
+              <a:uFill>
+                <a:solidFill>
+                  <a:srgbClr val="FFFFFF"/>
                 </a:solidFill>
               </a:uFill>
               <a:latin typeface="Calibri"/>
@@ -1597,11 +1765,14 @@
       </p:sp>
     </p:spTree>
   </p:cSld>
+  <p:clrMapOvr>
+    <a:masterClrMapping/>
+  </p:clrMapOvr>
 </p:sldLayout>
 </file>
 
 <file path=ppt/slideLayouts/slideLayout22.xml><?xml version="1.0" encoding="utf-8"?>
-<p:sldLayout xmlns:a="http://schemas.openxmlformats.org/drawingml/2006/main" xmlns:p="http://schemas.openxmlformats.org/presentationml/2006/main" xmlns:r="http://schemas.openxmlformats.org/officeDocument/2006/relationships" xmlns:p14="http://schemas.microsoft.com/office/powerpoint/2010/main" xmlns:p15="http://schemas.microsoft.com/office/powerpoint/2012/main" xmlns:mc="http://schemas.openxmlformats.org/markup-compatibility/2006" type="objOverTx" preserve="1">
+<p:sldLayout xmlns:a="http://schemas.openxmlformats.org/drawingml/2006/main" xmlns:r="http://schemas.openxmlformats.org/officeDocument/2006/relationships" xmlns:p="http://schemas.openxmlformats.org/presentationml/2006/main" type="objOverTx" preserve="1">
   <p:cSld name="Title, Content over Content">
     <p:spTree>
       <p:nvGrpSpPr>
@@ -1637,15 +1808,16 @@
           </a:prstGeom>
         </p:spPr>
         <p:txBody>
-          <a:bodyPr lIns="0" rIns="0" tIns="0" bIns="0" anchor="ctr"/>
-          <a:p>
-            <a:endParaRPr b="0" lang="en-US" sz="1800" spc="-1" strike="noStrike">
-              <a:solidFill>
-                <a:srgbClr val="000000"/>
-              </a:solidFill>
-              <a:uFill>
-                <a:solidFill>
-                  <a:srgbClr val="ffffff"/>
+          <a:bodyPr lIns="0" tIns="0" rIns="0" bIns="0" anchor="ctr"/>
+          <a:lstStyle/>
+          <a:p>
+            <a:endParaRPr lang="en-US" sz="1800" b="0" strike="noStrike" spc="-1">
+              <a:solidFill>
+                <a:srgbClr val="000000"/>
+              </a:solidFill>
+              <a:uFill>
+                <a:solidFill>
+                  <a:srgbClr val="FFFFFF"/>
                 </a:solidFill>
               </a:uFill>
               <a:latin typeface="Calibri"/>
@@ -1673,15 +1845,16 @@
           </a:prstGeom>
         </p:spPr>
         <p:txBody>
-          <a:bodyPr lIns="0" rIns="0" tIns="0" bIns="0"/>
-          <a:p>
-            <a:endParaRPr b="0" lang="en-US" sz="2800" spc="-1" strike="noStrike">
-              <a:solidFill>
-                <a:srgbClr val="000000"/>
-              </a:solidFill>
-              <a:uFill>
-                <a:solidFill>
-                  <a:srgbClr val="ffffff"/>
+          <a:bodyPr lIns="0" tIns="0" rIns="0" bIns="0"/>
+          <a:lstStyle/>
+          <a:p>
+            <a:endParaRPr lang="en-US" sz="2800" b="0" strike="noStrike" spc="-1">
+              <a:solidFill>
+                <a:srgbClr val="000000"/>
+              </a:solidFill>
+              <a:uFill>
+                <a:solidFill>
+                  <a:srgbClr val="FFFFFF"/>
                 </a:solidFill>
               </a:uFill>
               <a:latin typeface="Calibri"/>
@@ -1709,15 +1882,16 @@
           </a:prstGeom>
         </p:spPr>
         <p:txBody>
-          <a:bodyPr lIns="0" rIns="0" tIns="0" bIns="0"/>
-          <a:p>
-            <a:endParaRPr b="0" lang="en-US" sz="2800" spc="-1" strike="noStrike">
-              <a:solidFill>
-                <a:srgbClr val="000000"/>
-              </a:solidFill>
-              <a:uFill>
-                <a:solidFill>
-                  <a:srgbClr val="ffffff"/>
+          <a:bodyPr lIns="0" tIns="0" rIns="0" bIns="0"/>
+          <a:lstStyle/>
+          <a:p>
+            <a:endParaRPr lang="en-US" sz="2800" b="0" strike="noStrike" spc="-1">
+              <a:solidFill>
+                <a:srgbClr val="000000"/>
+              </a:solidFill>
+              <a:uFill>
+                <a:solidFill>
+                  <a:srgbClr val="FFFFFF"/>
                 </a:solidFill>
               </a:uFill>
               <a:latin typeface="Calibri"/>
@@ -1727,11 +1901,14 @@
       </p:sp>
     </p:spTree>
   </p:cSld>
+  <p:clrMapOvr>
+    <a:masterClrMapping/>
+  </p:clrMapOvr>
 </p:sldLayout>
 </file>
 
 <file path=ppt/slideLayouts/slideLayout23.xml><?xml version="1.0" encoding="utf-8"?>
-<p:sldLayout xmlns:a="http://schemas.openxmlformats.org/drawingml/2006/main" xmlns:p="http://schemas.openxmlformats.org/presentationml/2006/main" xmlns:r="http://schemas.openxmlformats.org/officeDocument/2006/relationships" xmlns:p14="http://schemas.microsoft.com/office/powerpoint/2010/main" xmlns:p15="http://schemas.microsoft.com/office/powerpoint/2012/main" xmlns:mc="http://schemas.openxmlformats.org/markup-compatibility/2006" type="fourObj" preserve="1">
+<p:sldLayout xmlns:a="http://schemas.openxmlformats.org/drawingml/2006/main" xmlns:r="http://schemas.openxmlformats.org/officeDocument/2006/relationships" xmlns:p="http://schemas.openxmlformats.org/presentationml/2006/main" type="fourObj" preserve="1">
   <p:cSld name="Title, 4 Content">
     <p:spTree>
       <p:nvGrpSpPr>
@@ -1767,15 +1944,16 @@
           </a:prstGeom>
         </p:spPr>
         <p:txBody>
-          <a:bodyPr lIns="0" rIns="0" tIns="0" bIns="0" anchor="ctr"/>
-          <a:p>
-            <a:endParaRPr b="0" lang="en-US" sz="1800" spc="-1" strike="noStrike">
-              <a:solidFill>
-                <a:srgbClr val="000000"/>
-              </a:solidFill>
-              <a:uFill>
-                <a:solidFill>
-                  <a:srgbClr val="ffffff"/>
+          <a:bodyPr lIns="0" tIns="0" rIns="0" bIns="0" anchor="ctr"/>
+          <a:lstStyle/>
+          <a:p>
+            <a:endParaRPr lang="en-US" sz="1800" b="0" strike="noStrike" spc="-1">
+              <a:solidFill>
+                <a:srgbClr val="000000"/>
+              </a:solidFill>
+              <a:uFill>
+                <a:solidFill>
+                  <a:srgbClr val="FFFFFF"/>
                 </a:solidFill>
               </a:uFill>
               <a:latin typeface="Calibri"/>
@@ -1803,15 +1981,16 @@
           </a:prstGeom>
         </p:spPr>
         <p:txBody>
-          <a:bodyPr lIns="0" rIns="0" tIns="0" bIns="0"/>
-          <a:p>
-            <a:endParaRPr b="0" lang="en-US" sz="2800" spc="-1" strike="noStrike">
-              <a:solidFill>
-                <a:srgbClr val="000000"/>
-              </a:solidFill>
-              <a:uFill>
-                <a:solidFill>
-                  <a:srgbClr val="ffffff"/>
+          <a:bodyPr lIns="0" tIns="0" rIns="0" bIns="0"/>
+          <a:lstStyle/>
+          <a:p>
+            <a:endParaRPr lang="en-US" sz="2800" b="0" strike="noStrike" spc="-1">
+              <a:solidFill>
+                <a:srgbClr val="000000"/>
+              </a:solidFill>
+              <a:uFill>
+                <a:solidFill>
+                  <a:srgbClr val="FFFFFF"/>
                 </a:solidFill>
               </a:uFill>
               <a:latin typeface="Calibri"/>
@@ -1839,15 +2018,16 @@
           </a:prstGeom>
         </p:spPr>
         <p:txBody>
-          <a:bodyPr lIns="0" rIns="0" tIns="0" bIns="0"/>
-          <a:p>
-            <a:endParaRPr b="0" lang="en-US" sz="2800" spc="-1" strike="noStrike">
-              <a:solidFill>
-                <a:srgbClr val="000000"/>
-              </a:solidFill>
-              <a:uFill>
-                <a:solidFill>
-                  <a:srgbClr val="ffffff"/>
+          <a:bodyPr lIns="0" tIns="0" rIns="0" bIns="0"/>
+          <a:lstStyle/>
+          <a:p>
+            <a:endParaRPr lang="en-US" sz="2800" b="0" strike="noStrike" spc="-1">
+              <a:solidFill>
+                <a:srgbClr val="000000"/>
+              </a:solidFill>
+              <a:uFill>
+                <a:solidFill>
+                  <a:srgbClr val="FFFFFF"/>
                 </a:solidFill>
               </a:uFill>
               <a:latin typeface="Calibri"/>
@@ -1875,15 +2055,16 @@
           </a:prstGeom>
         </p:spPr>
         <p:txBody>
-          <a:bodyPr lIns="0" rIns="0" tIns="0" bIns="0"/>
-          <a:p>
-            <a:endParaRPr b="0" lang="en-US" sz="2800" spc="-1" strike="noStrike">
-              <a:solidFill>
-                <a:srgbClr val="000000"/>
-              </a:solidFill>
-              <a:uFill>
-                <a:solidFill>
-                  <a:srgbClr val="ffffff"/>
+          <a:bodyPr lIns="0" tIns="0" rIns="0" bIns="0"/>
+          <a:lstStyle/>
+          <a:p>
+            <a:endParaRPr lang="en-US" sz="2800" b="0" strike="noStrike" spc="-1">
+              <a:solidFill>
+                <a:srgbClr val="000000"/>
+              </a:solidFill>
+              <a:uFill>
+                <a:solidFill>
+                  <a:srgbClr val="FFFFFF"/>
                 </a:solidFill>
               </a:uFill>
               <a:latin typeface="Calibri"/>
@@ -1911,15 +2092,16 @@
           </a:prstGeom>
         </p:spPr>
         <p:txBody>
-          <a:bodyPr lIns="0" rIns="0" tIns="0" bIns="0"/>
-          <a:p>
-            <a:endParaRPr b="0" lang="en-US" sz="2800" spc="-1" strike="noStrike">
-              <a:solidFill>
-                <a:srgbClr val="000000"/>
-              </a:solidFill>
-              <a:uFill>
-                <a:solidFill>
-                  <a:srgbClr val="ffffff"/>
+          <a:bodyPr lIns="0" tIns="0" rIns="0" bIns="0"/>
+          <a:lstStyle/>
+          <a:p>
+            <a:endParaRPr lang="en-US" sz="2800" b="0" strike="noStrike" spc="-1">
+              <a:solidFill>
+                <a:srgbClr val="000000"/>
+              </a:solidFill>
+              <a:uFill>
+                <a:solidFill>
+                  <a:srgbClr val="FFFFFF"/>
                 </a:solidFill>
               </a:uFill>
               <a:latin typeface="Calibri"/>
@@ -1929,11 +2111,14 @@
       </p:sp>
     </p:spTree>
   </p:cSld>
+  <p:clrMapOvr>
+    <a:masterClrMapping/>
+  </p:clrMapOvr>
 </p:sldLayout>
 </file>
 
 <file path=ppt/slideLayouts/slideLayout24.xml><?xml version="1.0" encoding="utf-8"?>
-<p:sldLayout xmlns:a="http://schemas.openxmlformats.org/drawingml/2006/main" xmlns:p="http://schemas.openxmlformats.org/presentationml/2006/main" xmlns:r="http://schemas.openxmlformats.org/officeDocument/2006/relationships" xmlns:p14="http://schemas.microsoft.com/office/powerpoint/2010/main" xmlns:p15="http://schemas.microsoft.com/office/powerpoint/2012/main" xmlns:mc="http://schemas.openxmlformats.org/markup-compatibility/2006" type="blank" preserve="1">
+<p:sldLayout xmlns:a="http://schemas.openxmlformats.org/drawingml/2006/main" xmlns:r="http://schemas.openxmlformats.org/officeDocument/2006/relationships" xmlns:p="http://schemas.openxmlformats.org/presentationml/2006/main" type="blank" preserve="1">
   <p:cSld name="Title, 6 Content">
     <p:spTree>
       <p:nvGrpSpPr>
@@ -1969,15 +2154,16 @@
           </a:prstGeom>
         </p:spPr>
         <p:txBody>
-          <a:bodyPr lIns="0" rIns="0" tIns="0" bIns="0" anchor="ctr"/>
-          <a:p>
-            <a:endParaRPr b="0" lang="en-US" sz="1800" spc="-1" strike="noStrike">
-              <a:solidFill>
-                <a:srgbClr val="000000"/>
-              </a:solidFill>
-              <a:uFill>
-                <a:solidFill>
-                  <a:srgbClr val="ffffff"/>
+          <a:bodyPr lIns="0" tIns="0" rIns="0" bIns="0" anchor="ctr"/>
+          <a:lstStyle/>
+          <a:p>
+            <a:endParaRPr lang="en-US" sz="1800" b="0" strike="noStrike" spc="-1">
+              <a:solidFill>
+                <a:srgbClr val="000000"/>
+              </a:solidFill>
+              <a:uFill>
+                <a:solidFill>
+                  <a:srgbClr val="FFFFFF"/>
                 </a:solidFill>
               </a:uFill>
               <a:latin typeface="Calibri"/>
@@ -2005,15 +2191,16 @@
           </a:prstGeom>
         </p:spPr>
         <p:txBody>
-          <a:bodyPr lIns="0" rIns="0" tIns="0" bIns="0"/>
-          <a:p>
-            <a:endParaRPr b="0" lang="en-US" sz="2800" spc="-1" strike="noStrike">
-              <a:solidFill>
-                <a:srgbClr val="000000"/>
-              </a:solidFill>
-              <a:uFill>
-                <a:solidFill>
-                  <a:srgbClr val="ffffff"/>
+          <a:bodyPr lIns="0" tIns="0" rIns="0" bIns="0"/>
+          <a:lstStyle/>
+          <a:p>
+            <a:endParaRPr lang="en-US" sz="2800" b="0" strike="noStrike" spc="-1">
+              <a:solidFill>
+                <a:srgbClr val="000000"/>
+              </a:solidFill>
+              <a:uFill>
+                <a:solidFill>
+                  <a:srgbClr val="FFFFFF"/>
                 </a:solidFill>
               </a:uFill>
               <a:latin typeface="Calibri"/>
@@ -2041,15 +2228,16 @@
           </a:prstGeom>
         </p:spPr>
         <p:txBody>
-          <a:bodyPr lIns="0" rIns="0" tIns="0" bIns="0"/>
-          <a:p>
-            <a:endParaRPr b="0" lang="en-US" sz="2800" spc="-1" strike="noStrike">
-              <a:solidFill>
-                <a:srgbClr val="000000"/>
-              </a:solidFill>
-              <a:uFill>
-                <a:solidFill>
-                  <a:srgbClr val="ffffff"/>
+          <a:bodyPr lIns="0" tIns="0" rIns="0" bIns="0"/>
+          <a:lstStyle/>
+          <a:p>
+            <a:endParaRPr lang="en-US" sz="2800" b="0" strike="noStrike" spc="-1">
+              <a:solidFill>
+                <a:srgbClr val="000000"/>
+              </a:solidFill>
+              <a:uFill>
+                <a:solidFill>
+                  <a:srgbClr val="FFFFFF"/>
                 </a:solidFill>
               </a:uFill>
               <a:latin typeface="Calibri"/>
@@ -2059,7 +2247,7 @@
       </p:sp>
       <p:pic>
         <p:nvPicPr>
-          <p:cNvPr id="76" name="" descr=""/>
+          <p:cNvPr id="76" name="Picture 75"/>
           <p:cNvPicPr/>
           <p:nvPr/>
         </p:nvPicPr>
@@ -2082,12 +2270,12 @@
       </p:pic>
       <p:pic>
         <p:nvPicPr>
-          <p:cNvPr id="77" name="" descr=""/>
+          <p:cNvPr id="77" name="Picture 76"/>
           <p:cNvPicPr/>
           <p:nvPr/>
         </p:nvPicPr>
         <p:blipFill>
-          <a:blip r:embed="rId3"/>
+          <a:blip r:embed="rId2"/>
           <a:stretch/>
         </p:blipFill>
         <p:spPr>
@@ -2105,11 +2293,14 @@
       </p:pic>
     </p:spTree>
   </p:cSld>
+  <p:clrMapOvr>
+    <a:masterClrMapping/>
+  </p:clrMapOvr>
 </p:sldLayout>
 </file>
 
 <file path=ppt/slideLayouts/slideLayout3.xml><?xml version="1.0" encoding="utf-8"?>
-<p:sldLayout xmlns:a="http://schemas.openxmlformats.org/drawingml/2006/main" xmlns:p="http://schemas.openxmlformats.org/presentationml/2006/main" xmlns:r="http://schemas.openxmlformats.org/officeDocument/2006/relationships" xmlns:p14="http://schemas.microsoft.com/office/powerpoint/2010/main" xmlns:p15="http://schemas.microsoft.com/office/powerpoint/2012/main" xmlns:mc="http://schemas.openxmlformats.org/markup-compatibility/2006" type="obj" preserve="1">
+<p:sldLayout xmlns:a="http://schemas.openxmlformats.org/drawingml/2006/main" xmlns:r="http://schemas.openxmlformats.org/officeDocument/2006/relationships" xmlns:p="http://schemas.openxmlformats.org/presentationml/2006/main" type="obj" preserve="1">
   <p:cSld name="Title, Content">
     <p:spTree>
       <p:nvGrpSpPr>
@@ -2145,15 +2336,16 @@
           </a:prstGeom>
         </p:spPr>
         <p:txBody>
-          <a:bodyPr lIns="0" rIns="0" tIns="0" bIns="0" anchor="ctr"/>
-          <a:p>
-            <a:endParaRPr b="0" lang="en-US" sz="1800" spc="-1" strike="noStrike">
-              <a:solidFill>
-                <a:srgbClr val="000000"/>
-              </a:solidFill>
-              <a:uFill>
-                <a:solidFill>
-                  <a:srgbClr val="ffffff"/>
+          <a:bodyPr lIns="0" tIns="0" rIns="0" bIns="0" anchor="ctr"/>
+          <a:lstStyle/>
+          <a:p>
+            <a:endParaRPr lang="en-US" sz="1800" b="0" strike="noStrike" spc="-1">
+              <a:solidFill>
+                <a:srgbClr val="000000"/>
+              </a:solidFill>
+              <a:uFill>
+                <a:solidFill>
+                  <a:srgbClr val="FFFFFF"/>
                 </a:solidFill>
               </a:uFill>
               <a:latin typeface="Calibri"/>
@@ -2181,15 +2373,16 @@
           </a:prstGeom>
         </p:spPr>
         <p:txBody>
-          <a:bodyPr lIns="0" rIns="0" tIns="0" bIns="0"/>
-          <a:p>
-            <a:endParaRPr b="0" lang="en-US" sz="2800" spc="-1" strike="noStrike">
-              <a:solidFill>
-                <a:srgbClr val="000000"/>
-              </a:solidFill>
-              <a:uFill>
-                <a:solidFill>
-                  <a:srgbClr val="ffffff"/>
+          <a:bodyPr lIns="0" tIns="0" rIns="0" bIns="0"/>
+          <a:lstStyle/>
+          <a:p>
+            <a:endParaRPr lang="en-US" sz="2800" b="0" strike="noStrike" spc="-1">
+              <a:solidFill>
+                <a:srgbClr val="000000"/>
+              </a:solidFill>
+              <a:uFill>
+                <a:solidFill>
+                  <a:srgbClr val="FFFFFF"/>
                 </a:solidFill>
               </a:uFill>
               <a:latin typeface="Calibri"/>
@@ -2199,11 +2392,14 @@
       </p:sp>
     </p:spTree>
   </p:cSld>
+  <p:clrMapOvr>
+    <a:masterClrMapping/>
+  </p:clrMapOvr>
 </p:sldLayout>
 </file>
 
 <file path=ppt/slideLayouts/slideLayout4.xml><?xml version="1.0" encoding="utf-8"?>
-<p:sldLayout xmlns:a="http://schemas.openxmlformats.org/drawingml/2006/main" xmlns:p="http://schemas.openxmlformats.org/presentationml/2006/main" xmlns:r="http://schemas.openxmlformats.org/officeDocument/2006/relationships" xmlns:p14="http://schemas.microsoft.com/office/powerpoint/2010/main" xmlns:p15="http://schemas.microsoft.com/office/powerpoint/2012/main" xmlns:mc="http://schemas.openxmlformats.org/markup-compatibility/2006" type="twoObj" preserve="1">
+<p:sldLayout xmlns:a="http://schemas.openxmlformats.org/drawingml/2006/main" xmlns:r="http://schemas.openxmlformats.org/officeDocument/2006/relationships" xmlns:p="http://schemas.openxmlformats.org/presentationml/2006/main" type="twoObj" preserve="1">
   <p:cSld name="Title, 2 Content">
     <p:spTree>
       <p:nvGrpSpPr>
@@ -2239,15 +2435,16 @@
           </a:prstGeom>
         </p:spPr>
         <p:txBody>
-          <a:bodyPr lIns="0" rIns="0" tIns="0" bIns="0" anchor="ctr"/>
-          <a:p>
-            <a:endParaRPr b="0" lang="en-US" sz="1800" spc="-1" strike="noStrike">
-              <a:solidFill>
-                <a:srgbClr val="000000"/>
-              </a:solidFill>
-              <a:uFill>
-                <a:solidFill>
-                  <a:srgbClr val="ffffff"/>
+          <a:bodyPr lIns="0" tIns="0" rIns="0" bIns="0" anchor="ctr"/>
+          <a:lstStyle/>
+          <a:p>
+            <a:endParaRPr lang="en-US" sz="1800" b="0" strike="noStrike" spc="-1">
+              <a:solidFill>
+                <a:srgbClr val="000000"/>
+              </a:solidFill>
+              <a:uFill>
+                <a:solidFill>
+                  <a:srgbClr val="FFFFFF"/>
                 </a:solidFill>
               </a:uFill>
               <a:latin typeface="Calibri"/>
@@ -2275,15 +2472,16 @@
           </a:prstGeom>
         </p:spPr>
         <p:txBody>
-          <a:bodyPr lIns="0" rIns="0" tIns="0" bIns="0"/>
-          <a:p>
-            <a:endParaRPr b="0" lang="en-US" sz="2800" spc="-1" strike="noStrike">
-              <a:solidFill>
-                <a:srgbClr val="000000"/>
-              </a:solidFill>
-              <a:uFill>
-                <a:solidFill>
-                  <a:srgbClr val="ffffff"/>
+          <a:bodyPr lIns="0" tIns="0" rIns="0" bIns="0"/>
+          <a:lstStyle/>
+          <a:p>
+            <a:endParaRPr lang="en-US" sz="2800" b="0" strike="noStrike" spc="-1">
+              <a:solidFill>
+                <a:srgbClr val="000000"/>
+              </a:solidFill>
+              <a:uFill>
+                <a:solidFill>
+                  <a:srgbClr val="FFFFFF"/>
                 </a:solidFill>
               </a:uFill>
               <a:latin typeface="Calibri"/>
@@ -2311,15 +2509,16 @@
           </a:prstGeom>
         </p:spPr>
         <p:txBody>
-          <a:bodyPr lIns="0" rIns="0" tIns="0" bIns="0"/>
-          <a:p>
-            <a:endParaRPr b="0" lang="en-US" sz="2800" spc="-1" strike="noStrike">
-              <a:solidFill>
-                <a:srgbClr val="000000"/>
-              </a:solidFill>
-              <a:uFill>
-                <a:solidFill>
-                  <a:srgbClr val="ffffff"/>
+          <a:bodyPr lIns="0" tIns="0" rIns="0" bIns="0"/>
+          <a:lstStyle/>
+          <a:p>
+            <a:endParaRPr lang="en-US" sz="2800" b="0" strike="noStrike" spc="-1">
+              <a:solidFill>
+                <a:srgbClr val="000000"/>
+              </a:solidFill>
+              <a:uFill>
+                <a:solidFill>
+                  <a:srgbClr val="FFFFFF"/>
                 </a:solidFill>
               </a:uFill>
               <a:latin typeface="Calibri"/>
@@ -2329,11 +2528,14 @@
       </p:sp>
     </p:spTree>
   </p:cSld>
+  <p:clrMapOvr>
+    <a:masterClrMapping/>
+  </p:clrMapOvr>
 </p:sldLayout>
 </file>
 
 <file path=ppt/slideLayouts/slideLayout5.xml><?xml version="1.0" encoding="utf-8"?>
-<p:sldLayout xmlns:a="http://schemas.openxmlformats.org/drawingml/2006/main" xmlns:p="http://schemas.openxmlformats.org/presentationml/2006/main" xmlns:r="http://schemas.openxmlformats.org/officeDocument/2006/relationships" xmlns:p14="http://schemas.microsoft.com/office/powerpoint/2010/main" xmlns:p15="http://schemas.microsoft.com/office/powerpoint/2012/main" xmlns:mc="http://schemas.openxmlformats.org/markup-compatibility/2006" type="titleOnly" preserve="1">
+<p:sldLayout xmlns:a="http://schemas.openxmlformats.org/drawingml/2006/main" xmlns:r="http://schemas.openxmlformats.org/officeDocument/2006/relationships" xmlns:p="http://schemas.openxmlformats.org/presentationml/2006/main" type="titleOnly" preserve="1">
   <p:cSld name="Title Only">
     <p:spTree>
       <p:nvGrpSpPr>
@@ -2369,15 +2571,16 @@
           </a:prstGeom>
         </p:spPr>
         <p:txBody>
-          <a:bodyPr lIns="0" rIns="0" tIns="0" bIns="0" anchor="ctr"/>
-          <a:p>
-            <a:endParaRPr b="0" lang="en-US" sz="1800" spc="-1" strike="noStrike">
-              <a:solidFill>
-                <a:srgbClr val="000000"/>
-              </a:solidFill>
-              <a:uFill>
-                <a:solidFill>
-                  <a:srgbClr val="ffffff"/>
+          <a:bodyPr lIns="0" tIns="0" rIns="0" bIns="0" anchor="ctr"/>
+          <a:lstStyle/>
+          <a:p>
+            <a:endParaRPr lang="en-US" sz="1800" b="0" strike="noStrike" spc="-1">
+              <a:solidFill>
+                <a:srgbClr val="000000"/>
+              </a:solidFill>
+              <a:uFill>
+                <a:solidFill>
+                  <a:srgbClr val="FFFFFF"/>
                 </a:solidFill>
               </a:uFill>
               <a:latin typeface="Calibri"/>
@@ -2387,11 +2590,14 @@
       </p:sp>
     </p:spTree>
   </p:cSld>
+  <p:clrMapOvr>
+    <a:masterClrMapping/>
+  </p:clrMapOvr>
 </p:sldLayout>
 </file>
 
 <file path=ppt/slideLayouts/slideLayout6.xml><?xml version="1.0" encoding="utf-8"?>
-<p:sldLayout xmlns:a="http://schemas.openxmlformats.org/drawingml/2006/main" xmlns:p="http://schemas.openxmlformats.org/presentationml/2006/main" xmlns:r="http://schemas.openxmlformats.org/officeDocument/2006/relationships" xmlns:p14="http://schemas.microsoft.com/office/powerpoint/2010/main" xmlns:p15="http://schemas.microsoft.com/office/powerpoint/2012/main" xmlns:mc="http://schemas.openxmlformats.org/markup-compatibility/2006" type="objOnly" preserve="1">
+<p:sldLayout xmlns:a="http://schemas.openxmlformats.org/drawingml/2006/main" xmlns:r="http://schemas.openxmlformats.org/officeDocument/2006/relationships" xmlns:p="http://schemas.openxmlformats.org/presentationml/2006/main" type="objOnly" preserve="1">
   <p:cSld name="Centered Text">
     <p:spTree>
       <p:nvGrpSpPr>
@@ -2427,16 +2633,17 @@
           </a:prstGeom>
         </p:spPr>
         <p:txBody>
-          <a:bodyPr lIns="0" rIns="0" tIns="0" bIns="0" anchor="ctr"/>
+          <a:bodyPr lIns="0" tIns="0" rIns="0" bIns="0" anchor="ctr"/>
+          <a:lstStyle/>
           <a:p>
             <a:pPr algn="ctr"/>
-            <a:endParaRPr b="0" lang="en-US" sz="3200" spc="-1" strike="noStrike">
-              <a:solidFill>
-                <a:srgbClr val="000000"/>
-              </a:solidFill>
-              <a:uFill>
-                <a:solidFill>
-                  <a:srgbClr val="ffffff"/>
+            <a:endParaRPr lang="en-US" sz="3200" b="0" strike="noStrike" spc="-1">
+              <a:solidFill>
+                <a:srgbClr val="000000"/>
+              </a:solidFill>
+              <a:uFill>
+                <a:solidFill>
+                  <a:srgbClr val="FFFFFF"/>
                 </a:solidFill>
               </a:uFill>
               <a:latin typeface="Arial"/>
@@ -2446,11 +2653,14 @@
       </p:sp>
     </p:spTree>
   </p:cSld>
+  <p:clrMapOvr>
+    <a:masterClrMapping/>
+  </p:clrMapOvr>
 </p:sldLayout>
 </file>
 
 <file path=ppt/slideLayouts/slideLayout7.xml><?xml version="1.0" encoding="utf-8"?>
-<p:sldLayout xmlns:a="http://schemas.openxmlformats.org/drawingml/2006/main" xmlns:p="http://schemas.openxmlformats.org/presentationml/2006/main" xmlns:r="http://schemas.openxmlformats.org/officeDocument/2006/relationships" xmlns:p14="http://schemas.microsoft.com/office/powerpoint/2010/main" xmlns:p15="http://schemas.microsoft.com/office/powerpoint/2012/main" xmlns:mc="http://schemas.openxmlformats.org/markup-compatibility/2006" type="twoObjAndObj" preserve="1">
+<p:sldLayout xmlns:a="http://schemas.openxmlformats.org/drawingml/2006/main" xmlns:r="http://schemas.openxmlformats.org/officeDocument/2006/relationships" xmlns:p="http://schemas.openxmlformats.org/presentationml/2006/main" type="twoObjAndObj" preserve="1">
   <p:cSld name="Title, 2 Content and Content">
     <p:spTree>
       <p:nvGrpSpPr>
@@ -2486,15 +2696,16 @@
           </a:prstGeom>
         </p:spPr>
         <p:txBody>
-          <a:bodyPr lIns="0" rIns="0" tIns="0" bIns="0" anchor="ctr"/>
-          <a:p>
-            <a:endParaRPr b="0" lang="en-US" sz="1800" spc="-1" strike="noStrike">
-              <a:solidFill>
-                <a:srgbClr val="000000"/>
-              </a:solidFill>
-              <a:uFill>
-                <a:solidFill>
-                  <a:srgbClr val="ffffff"/>
+          <a:bodyPr lIns="0" tIns="0" rIns="0" bIns="0" anchor="ctr"/>
+          <a:lstStyle/>
+          <a:p>
+            <a:endParaRPr lang="en-US" sz="1800" b="0" strike="noStrike" spc="-1">
+              <a:solidFill>
+                <a:srgbClr val="000000"/>
+              </a:solidFill>
+              <a:uFill>
+                <a:solidFill>
+                  <a:srgbClr val="FFFFFF"/>
                 </a:solidFill>
               </a:uFill>
               <a:latin typeface="Calibri"/>
@@ -2522,15 +2733,16 @@
           </a:prstGeom>
         </p:spPr>
         <p:txBody>
-          <a:bodyPr lIns="0" rIns="0" tIns="0" bIns="0"/>
-          <a:p>
-            <a:endParaRPr b="0" lang="en-US" sz="2800" spc="-1" strike="noStrike">
-              <a:solidFill>
-                <a:srgbClr val="000000"/>
-              </a:solidFill>
-              <a:uFill>
-                <a:solidFill>
-                  <a:srgbClr val="ffffff"/>
+          <a:bodyPr lIns="0" tIns="0" rIns="0" bIns="0"/>
+          <a:lstStyle/>
+          <a:p>
+            <a:endParaRPr lang="en-US" sz="2800" b="0" strike="noStrike" spc="-1">
+              <a:solidFill>
+                <a:srgbClr val="000000"/>
+              </a:solidFill>
+              <a:uFill>
+                <a:solidFill>
+                  <a:srgbClr val="FFFFFF"/>
                 </a:solidFill>
               </a:uFill>
               <a:latin typeface="Calibri"/>
@@ -2558,15 +2770,16 @@
           </a:prstGeom>
         </p:spPr>
         <p:txBody>
-          <a:bodyPr lIns="0" rIns="0" tIns="0" bIns="0"/>
-          <a:p>
-            <a:endParaRPr b="0" lang="en-US" sz="2800" spc="-1" strike="noStrike">
-              <a:solidFill>
-                <a:srgbClr val="000000"/>
-              </a:solidFill>
-              <a:uFill>
-                <a:solidFill>
-                  <a:srgbClr val="ffffff"/>
+          <a:bodyPr lIns="0" tIns="0" rIns="0" bIns="0"/>
+          <a:lstStyle/>
+          <a:p>
+            <a:endParaRPr lang="en-US" sz="2800" b="0" strike="noStrike" spc="-1">
+              <a:solidFill>
+                <a:srgbClr val="000000"/>
+              </a:solidFill>
+              <a:uFill>
+                <a:solidFill>
+                  <a:srgbClr val="FFFFFF"/>
                 </a:solidFill>
               </a:uFill>
               <a:latin typeface="Calibri"/>
@@ -2594,15 +2807,16 @@
           </a:prstGeom>
         </p:spPr>
         <p:txBody>
-          <a:bodyPr lIns="0" rIns="0" tIns="0" bIns="0"/>
-          <a:p>
-            <a:endParaRPr b="0" lang="en-US" sz="2800" spc="-1" strike="noStrike">
-              <a:solidFill>
-                <a:srgbClr val="000000"/>
-              </a:solidFill>
-              <a:uFill>
-                <a:solidFill>
-                  <a:srgbClr val="ffffff"/>
+          <a:bodyPr lIns="0" tIns="0" rIns="0" bIns="0"/>
+          <a:lstStyle/>
+          <a:p>
+            <a:endParaRPr lang="en-US" sz="2800" b="0" strike="noStrike" spc="-1">
+              <a:solidFill>
+                <a:srgbClr val="000000"/>
+              </a:solidFill>
+              <a:uFill>
+                <a:solidFill>
+                  <a:srgbClr val="FFFFFF"/>
                 </a:solidFill>
               </a:uFill>
               <a:latin typeface="Calibri"/>
@@ -2612,11 +2826,14 @@
       </p:sp>
     </p:spTree>
   </p:cSld>
+  <p:clrMapOvr>
+    <a:masterClrMapping/>
+  </p:clrMapOvr>
 </p:sldLayout>
 </file>
 
 <file path=ppt/slideLayouts/slideLayout8.xml><?xml version="1.0" encoding="utf-8"?>
-<p:sldLayout xmlns:a="http://schemas.openxmlformats.org/drawingml/2006/main" xmlns:p="http://schemas.openxmlformats.org/presentationml/2006/main" xmlns:r="http://schemas.openxmlformats.org/officeDocument/2006/relationships" xmlns:p14="http://schemas.microsoft.com/office/powerpoint/2010/main" xmlns:p15="http://schemas.microsoft.com/office/powerpoint/2012/main" xmlns:mc="http://schemas.openxmlformats.org/markup-compatibility/2006" type="objAndTwoObj" preserve="1">
+<p:sldLayout xmlns:a="http://schemas.openxmlformats.org/drawingml/2006/main" xmlns:r="http://schemas.openxmlformats.org/officeDocument/2006/relationships" xmlns:p="http://schemas.openxmlformats.org/presentationml/2006/main" type="objAndTwoObj" preserve="1">
   <p:cSld name="Title Content and 2 Content">
     <p:spTree>
       <p:nvGrpSpPr>
@@ -2652,15 +2869,16 @@
           </a:prstGeom>
         </p:spPr>
         <p:txBody>
-          <a:bodyPr lIns="0" rIns="0" tIns="0" bIns="0" anchor="ctr"/>
-          <a:p>
-            <a:endParaRPr b="0" lang="en-US" sz="1800" spc="-1" strike="noStrike">
-              <a:solidFill>
-                <a:srgbClr val="000000"/>
-              </a:solidFill>
-              <a:uFill>
-                <a:solidFill>
-                  <a:srgbClr val="ffffff"/>
+          <a:bodyPr lIns="0" tIns="0" rIns="0" bIns="0" anchor="ctr"/>
+          <a:lstStyle/>
+          <a:p>
+            <a:endParaRPr lang="en-US" sz="1800" b="0" strike="noStrike" spc="-1">
+              <a:solidFill>
+                <a:srgbClr val="000000"/>
+              </a:solidFill>
+              <a:uFill>
+                <a:solidFill>
+                  <a:srgbClr val="FFFFFF"/>
                 </a:solidFill>
               </a:uFill>
               <a:latin typeface="Calibri"/>
@@ -2688,15 +2906,16 @@
           </a:prstGeom>
         </p:spPr>
         <p:txBody>
-          <a:bodyPr lIns="0" rIns="0" tIns="0" bIns="0"/>
-          <a:p>
-            <a:endParaRPr b="0" lang="en-US" sz="2800" spc="-1" strike="noStrike">
-              <a:solidFill>
-                <a:srgbClr val="000000"/>
-              </a:solidFill>
-              <a:uFill>
-                <a:solidFill>
-                  <a:srgbClr val="ffffff"/>
+          <a:bodyPr lIns="0" tIns="0" rIns="0" bIns="0"/>
+          <a:lstStyle/>
+          <a:p>
+            <a:endParaRPr lang="en-US" sz="2800" b="0" strike="noStrike" spc="-1">
+              <a:solidFill>
+                <a:srgbClr val="000000"/>
+              </a:solidFill>
+              <a:uFill>
+                <a:solidFill>
+                  <a:srgbClr val="FFFFFF"/>
                 </a:solidFill>
               </a:uFill>
               <a:latin typeface="Calibri"/>
@@ -2724,15 +2943,16 @@
           </a:prstGeom>
         </p:spPr>
         <p:txBody>
-          <a:bodyPr lIns="0" rIns="0" tIns="0" bIns="0"/>
-          <a:p>
-            <a:endParaRPr b="0" lang="en-US" sz="2800" spc="-1" strike="noStrike">
-              <a:solidFill>
-                <a:srgbClr val="000000"/>
-              </a:solidFill>
-              <a:uFill>
-                <a:solidFill>
-                  <a:srgbClr val="ffffff"/>
+          <a:bodyPr lIns="0" tIns="0" rIns="0" bIns="0"/>
+          <a:lstStyle/>
+          <a:p>
+            <a:endParaRPr lang="en-US" sz="2800" b="0" strike="noStrike" spc="-1">
+              <a:solidFill>
+                <a:srgbClr val="000000"/>
+              </a:solidFill>
+              <a:uFill>
+                <a:solidFill>
+                  <a:srgbClr val="FFFFFF"/>
                 </a:solidFill>
               </a:uFill>
               <a:latin typeface="Calibri"/>
@@ -2760,15 +2980,16 @@
           </a:prstGeom>
         </p:spPr>
         <p:txBody>
-          <a:bodyPr lIns="0" rIns="0" tIns="0" bIns="0"/>
-          <a:p>
-            <a:endParaRPr b="0" lang="en-US" sz="2800" spc="-1" strike="noStrike">
-              <a:solidFill>
-                <a:srgbClr val="000000"/>
-              </a:solidFill>
-              <a:uFill>
-                <a:solidFill>
-                  <a:srgbClr val="ffffff"/>
+          <a:bodyPr lIns="0" tIns="0" rIns="0" bIns="0"/>
+          <a:lstStyle/>
+          <a:p>
+            <a:endParaRPr lang="en-US" sz="2800" b="0" strike="noStrike" spc="-1">
+              <a:solidFill>
+                <a:srgbClr val="000000"/>
+              </a:solidFill>
+              <a:uFill>
+                <a:solidFill>
+                  <a:srgbClr val="FFFFFF"/>
                 </a:solidFill>
               </a:uFill>
               <a:latin typeface="Calibri"/>
@@ -2778,11 +2999,14 @@
       </p:sp>
     </p:spTree>
   </p:cSld>
+  <p:clrMapOvr>
+    <a:masterClrMapping/>
+  </p:clrMapOvr>
 </p:sldLayout>
 </file>
 
 <file path=ppt/slideLayouts/slideLayout9.xml><?xml version="1.0" encoding="utf-8"?>
-<p:sldLayout xmlns:a="http://schemas.openxmlformats.org/drawingml/2006/main" xmlns:p="http://schemas.openxmlformats.org/presentationml/2006/main" xmlns:r="http://schemas.openxmlformats.org/officeDocument/2006/relationships" xmlns:p14="http://schemas.microsoft.com/office/powerpoint/2010/main" xmlns:p15="http://schemas.microsoft.com/office/powerpoint/2012/main" xmlns:mc="http://schemas.openxmlformats.org/markup-compatibility/2006" type="twoObjOverTx" preserve="1">
+<p:sldLayout xmlns:a="http://schemas.openxmlformats.org/drawingml/2006/main" xmlns:r="http://schemas.openxmlformats.org/officeDocument/2006/relationships" xmlns:p="http://schemas.openxmlformats.org/presentationml/2006/main" type="twoObjOverTx" preserve="1">
   <p:cSld name="Title, 2 Content over Content">
     <p:spTree>
       <p:nvGrpSpPr>
@@ -2818,15 +3042,16 @@
           </a:prstGeom>
         </p:spPr>
         <p:txBody>
-          <a:bodyPr lIns="0" rIns="0" tIns="0" bIns="0" anchor="ctr"/>
-          <a:p>
-            <a:endParaRPr b="0" lang="en-US" sz="1800" spc="-1" strike="noStrike">
-              <a:solidFill>
-                <a:srgbClr val="000000"/>
-              </a:solidFill>
-              <a:uFill>
-                <a:solidFill>
-                  <a:srgbClr val="ffffff"/>
+          <a:bodyPr lIns="0" tIns="0" rIns="0" bIns="0" anchor="ctr"/>
+          <a:lstStyle/>
+          <a:p>
+            <a:endParaRPr lang="en-US" sz="1800" b="0" strike="noStrike" spc="-1">
+              <a:solidFill>
+                <a:srgbClr val="000000"/>
+              </a:solidFill>
+              <a:uFill>
+                <a:solidFill>
+                  <a:srgbClr val="FFFFFF"/>
                 </a:solidFill>
               </a:uFill>
               <a:latin typeface="Calibri"/>
@@ -2854,15 +3079,16 @@
           </a:prstGeom>
         </p:spPr>
         <p:txBody>
-          <a:bodyPr lIns="0" rIns="0" tIns="0" bIns="0"/>
-          <a:p>
-            <a:endParaRPr b="0" lang="en-US" sz="2800" spc="-1" strike="noStrike">
-              <a:solidFill>
-                <a:srgbClr val="000000"/>
-              </a:solidFill>
-              <a:uFill>
-                <a:solidFill>
-                  <a:srgbClr val="ffffff"/>
+          <a:bodyPr lIns="0" tIns="0" rIns="0" bIns="0"/>
+          <a:lstStyle/>
+          <a:p>
+            <a:endParaRPr lang="en-US" sz="2800" b="0" strike="noStrike" spc="-1">
+              <a:solidFill>
+                <a:srgbClr val="000000"/>
+              </a:solidFill>
+              <a:uFill>
+                <a:solidFill>
+                  <a:srgbClr val="FFFFFF"/>
                 </a:solidFill>
               </a:uFill>
               <a:latin typeface="Calibri"/>
@@ -2890,15 +3116,16 @@
           </a:prstGeom>
         </p:spPr>
         <p:txBody>
-          <a:bodyPr lIns="0" rIns="0" tIns="0" bIns="0"/>
-          <a:p>
-            <a:endParaRPr b="0" lang="en-US" sz="2800" spc="-1" strike="noStrike">
-              <a:solidFill>
-                <a:srgbClr val="000000"/>
-              </a:solidFill>
-              <a:uFill>
-                <a:solidFill>
-                  <a:srgbClr val="ffffff"/>
+          <a:bodyPr lIns="0" tIns="0" rIns="0" bIns="0"/>
+          <a:lstStyle/>
+          <a:p>
+            <a:endParaRPr lang="en-US" sz="2800" b="0" strike="noStrike" spc="-1">
+              <a:solidFill>
+                <a:srgbClr val="000000"/>
+              </a:solidFill>
+              <a:uFill>
+                <a:solidFill>
+                  <a:srgbClr val="FFFFFF"/>
                 </a:solidFill>
               </a:uFill>
               <a:latin typeface="Calibri"/>
@@ -2926,15 +3153,16 @@
           </a:prstGeom>
         </p:spPr>
         <p:txBody>
-          <a:bodyPr lIns="0" rIns="0" tIns="0" bIns="0"/>
-          <a:p>
-            <a:endParaRPr b="0" lang="en-US" sz="2800" spc="-1" strike="noStrike">
-              <a:solidFill>
-                <a:srgbClr val="000000"/>
-              </a:solidFill>
-              <a:uFill>
-                <a:solidFill>
-                  <a:srgbClr val="ffffff"/>
+          <a:bodyPr lIns="0" tIns="0" rIns="0" bIns="0"/>
+          <a:lstStyle/>
+          <a:p>
+            <a:endParaRPr lang="en-US" sz="2800" b="0" strike="noStrike" spc="-1">
+              <a:solidFill>
+                <a:srgbClr val="000000"/>
+              </a:solidFill>
+              <a:uFill>
+                <a:solidFill>
+                  <a:srgbClr val="FFFFFF"/>
                 </a:solidFill>
               </a:uFill>
               <a:latin typeface="Calibri"/>
@@ -2944,17 +3172,21 @@
       </p:sp>
     </p:spTree>
   </p:cSld>
+  <p:clrMapOvr>
+    <a:masterClrMapping/>
+  </p:clrMapOvr>
 </p:sldLayout>
 </file>
 
 <file path=ppt/slideMasters/slideMaster1.xml><?xml version="1.0" encoding="utf-8"?>
-<p:sldMaster xmlns:a="http://schemas.openxmlformats.org/drawingml/2006/main" xmlns:p="http://schemas.openxmlformats.org/presentationml/2006/main" xmlns:r="http://schemas.openxmlformats.org/officeDocument/2006/relationships" xmlns:p14="http://schemas.microsoft.com/office/powerpoint/2010/main" xmlns:p15="http://schemas.microsoft.com/office/powerpoint/2012/main" xmlns:mc="http://schemas.openxmlformats.org/markup-compatibility/2006">
+<p:sldMaster xmlns:a="http://schemas.openxmlformats.org/drawingml/2006/main" xmlns:r="http://schemas.openxmlformats.org/officeDocument/2006/relationships" xmlns:p="http://schemas.openxmlformats.org/presentationml/2006/main">
   <p:cSld>
     <p:bg>
       <p:bgPr>
         <a:solidFill>
-          <a:srgbClr val="ffffff"/>
+          <a:srgbClr val="FFFFFF"/>
         </a:solidFill>
+        <a:effectLst/>
       </p:bgPr>
     </p:bg>
     <p:spTree>
@@ -2973,7 +3205,7 @@
       </p:grpSpPr>
       <p:sp>
         <p:nvSpPr>
-          <p:cNvPr id="0" name="PlaceHolder 1"/>
+          <p:cNvPr id="5" name="PlaceHolder 1"/>
           <p:cNvSpPr>
             <a:spLocks noGrp="1"/>
           </p:cNvSpPr>
@@ -2992,6 +3224,7 @@
         </p:spPr>
         <p:txBody>
           <a:bodyPr anchor="ctr"/>
+          <a:lstStyle/>
           <a:p>
             <a:pPr>
               <a:lnSpc>
@@ -2999,36 +3232,36 @@
               </a:lnSpc>
             </a:pPr>
             <a:r>
-              <a:rPr b="0" lang="en-US" sz="4400" spc="-1" strike="noStrike">
+              <a:rPr lang="en-US" sz="4400" b="0" strike="noStrike" spc="-1">
                 <a:solidFill>
                   <a:srgbClr val="000000"/>
                 </a:solidFill>
                 <a:uFill>
                   <a:solidFill>
-                    <a:srgbClr val="ffffff"/>
+                    <a:srgbClr val="FFFFFF"/>
                   </a:solidFill>
                 </a:uFill>
                 <a:latin typeface="Calibri Light"/>
               </a:rPr>
               <a:t>Click to edit Master title style</a:t>
             </a:r>
-            <a:endParaRPr b="0" lang="en-US" sz="1800" spc="-1" strike="noStrike">
-              <a:solidFill>
-                <a:srgbClr val="000000"/>
-              </a:solidFill>
-              <a:uFill>
-                <a:solidFill>
-                  <a:srgbClr val="ffffff"/>
-                </a:solidFill>
-              </a:uFill>
-              <a:latin typeface="Calibri"/>
-            </a:endParaRPr>
-          </a:p>
-        </p:txBody>
-      </p:sp>
-      <p:sp>
-        <p:nvSpPr>
-          <p:cNvPr id="1" name="PlaceHolder 2"/>
+            <a:endParaRPr lang="en-US" sz="1800" b="0" strike="noStrike" spc="-1">
+              <a:solidFill>
+                <a:srgbClr val="000000"/>
+              </a:solidFill>
+              <a:uFill>
+                <a:solidFill>
+                  <a:srgbClr val="FFFFFF"/>
+                </a:solidFill>
+              </a:uFill>
+              <a:latin typeface="Calibri"/>
+            </a:endParaRPr>
+          </a:p>
+        </p:txBody>
+      </p:sp>
+      <p:sp>
+        <p:nvSpPr>
+          <p:cNvPr id="6" name="PlaceHolder 2"/>
           <p:cNvSpPr>
             <a:spLocks noGrp="1"/>
           </p:cNvSpPr>
@@ -3047,6 +3280,7 @@
         </p:spPr>
         <p:txBody>
           <a:bodyPr/>
+          <a:lstStyle/>
           <a:p>
             <a:pPr marL="432000" indent="-324000">
               <a:buClr>
@@ -3057,33 +3291,22 @@
               <a:buChar char=""/>
             </a:pPr>
             <a:r>
-              <a:rPr b="0" lang="en-US" sz="2800" spc="-1" strike="noStrike">
+              <a:rPr lang="en-US" sz="2800" b="0" strike="noStrike" spc="-1">
                 <a:solidFill>
                   <a:srgbClr val="000000"/>
                 </a:solidFill>
                 <a:uFill>
                   <a:solidFill>
-                    <a:srgbClr val="ffffff"/>
+                    <a:srgbClr val="FFFFFF"/>
                   </a:solidFill>
                 </a:uFill>
                 <a:latin typeface="Calibri"/>
               </a:rPr>
               <a:t>Click to edit the outline text format</a:t>
             </a:r>
-            <a:endParaRPr b="0" lang="en-US" sz="2800" spc="-1" strike="noStrike">
-              <a:solidFill>
-                <a:srgbClr val="000000"/>
-              </a:solidFill>
-              <a:uFill>
-                <a:solidFill>
-                  <a:srgbClr val="ffffff"/>
-                </a:solidFill>
-              </a:uFill>
-              <a:latin typeface="Calibri"/>
-            </a:endParaRPr>
-          </a:p>
-          <a:p>
-            <a:pPr lvl="1" marL="864000" indent="-324000">
+          </a:p>
+          <a:p>
+            <a:pPr marL="864000" lvl="1" indent="-324000">
               <a:buClr>
                 <a:srgbClr val="000000"/>
               </a:buClr>
@@ -3092,33 +3315,22 @@
               <a:buChar char=""/>
             </a:pPr>
             <a:r>
-              <a:rPr b="0" lang="en-US" sz="2800" spc="-1" strike="noStrike">
+              <a:rPr lang="en-US" sz="2800" b="0" strike="noStrike" spc="-1">
                 <a:solidFill>
                   <a:srgbClr val="000000"/>
                 </a:solidFill>
                 <a:uFill>
                   <a:solidFill>
-                    <a:srgbClr val="ffffff"/>
+                    <a:srgbClr val="FFFFFF"/>
                   </a:solidFill>
                 </a:uFill>
                 <a:latin typeface="Calibri"/>
               </a:rPr>
               <a:t>Second Outline Level</a:t>
             </a:r>
-            <a:endParaRPr b="0" lang="en-US" sz="2800" spc="-1" strike="noStrike">
-              <a:solidFill>
-                <a:srgbClr val="000000"/>
-              </a:solidFill>
-              <a:uFill>
-                <a:solidFill>
-                  <a:srgbClr val="ffffff"/>
-                </a:solidFill>
-              </a:uFill>
-              <a:latin typeface="Calibri"/>
-            </a:endParaRPr>
-          </a:p>
-          <a:p>
-            <a:pPr lvl="2" marL="1296000" indent="-288000">
+          </a:p>
+          <a:p>
+            <a:pPr marL="1296000" lvl="2" indent="-288000">
               <a:buClr>
                 <a:srgbClr val="000000"/>
               </a:buClr>
@@ -3127,33 +3339,22 @@
               <a:buChar char=""/>
             </a:pPr>
             <a:r>
-              <a:rPr b="0" lang="en-US" sz="2800" spc="-1" strike="noStrike">
+              <a:rPr lang="en-US" sz="2800" b="0" strike="noStrike" spc="-1">
                 <a:solidFill>
                   <a:srgbClr val="000000"/>
                 </a:solidFill>
                 <a:uFill>
                   <a:solidFill>
-                    <a:srgbClr val="ffffff"/>
+                    <a:srgbClr val="FFFFFF"/>
                   </a:solidFill>
                 </a:uFill>
                 <a:latin typeface="Calibri"/>
               </a:rPr>
               <a:t>Third Outline Level</a:t>
             </a:r>
-            <a:endParaRPr b="0" lang="en-US" sz="2800" spc="-1" strike="noStrike">
-              <a:solidFill>
-                <a:srgbClr val="000000"/>
-              </a:solidFill>
-              <a:uFill>
-                <a:solidFill>
-                  <a:srgbClr val="ffffff"/>
-                </a:solidFill>
-              </a:uFill>
-              <a:latin typeface="Calibri"/>
-            </a:endParaRPr>
-          </a:p>
-          <a:p>
-            <a:pPr lvl="3" marL="1728000" indent="-216000">
+          </a:p>
+          <a:p>
+            <a:pPr marL="1728000" lvl="3" indent="-216000">
               <a:buClr>
                 <a:srgbClr val="000000"/>
               </a:buClr>
@@ -3162,33 +3363,22 @@
               <a:buChar char=""/>
             </a:pPr>
             <a:r>
-              <a:rPr b="0" lang="en-US" sz="2800" spc="-1" strike="noStrike">
+              <a:rPr lang="en-US" sz="2800" b="0" strike="noStrike" spc="-1">
                 <a:solidFill>
                   <a:srgbClr val="000000"/>
                 </a:solidFill>
                 <a:uFill>
                   <a:solidFill>
-                    <a:srgbClr val="ffffff"/>
+                    <a:srgbClr val="FFFFFF"/>
                   </a:solidFill>
                 </a:uFill>
                 <a:latin typeface="Calibri"/>
               </a:rPr>
               <a:t>Fourth Outline Level</a:t>
             </a:r>
-            <a:endParaRPr b="0" lang="en-US" sz="2800" spc="-1" strike="noStrike">
-              <a:solidFill>
-                <a:srgbClr val="000000"/>
-              </a:solidFill>
-              <a:uFill>
-                <a:solidFill>
-                  <a:srgbClr val="ffffff"/>
-                </a:solidFill>
-              </a:uFill>
-              <a:latin typeface="Calibri"/>
-            </a:endParaRPr>
-          </a:p>
-          <a:p>
-            <a:pPr lvl="4" marL="2160000" indent="-216000">
+          </a:p>
+          <a:p>
+            <a:pPr marL="2160000" lvl="4" indent="-216000">
               <a:buClr>
                 <a:srgbClr val="000000"/>
               </a:buClr>
@@ -3197,33 +3387,22 @@
               <a:buChar char=""/>
             </a:pPr>
             <a:r>
-              <a:rPr b="0" lang="en-US" sz="2800" spc="-1" strike="noStrike">
+              <a:rPr lang="en-US" sz="2800" b="0" strike="noStrike" spc="-1">
                 <a:solidFill>
                   <a:srgbClr val="000000"/>
                 </a:solidFill>
                 <a:uFill>
                   <a:solidFill>
-                    <a:srgbClr val="ffffff"/>
+                    <a:srgbClr val="FFFFFF"/>
                   </a:solidFill>
                 </a:uFill>
                 <a:latin typeface="Calibri"/>
               </a:rPr>
               <a:t>Fifth Outline Level</a:t>
             </a:r>
-            <a:endParaRPr b="0" lang="en-US" sz="2800" spc="-1" strike="noStrike">
-              <a:solidFill>
-                <a:srgbClr val="000000"/>
-              </a:solidFill>
-              <a:uFill>
-                <a:solidFill>
-                  <a:srgbClr val="ffffff"/>
-                </a:solidFill>
-              </a:uFill>
-              <a:latin typeface="Calibri"/>
-            </a:endParaRPr>
-          </a:p>
-          <a:p>
-            <a:pPr lvl="5" marL="2592000" indent="-216000">
+          </a:p>
+          <a:p>
+            <a:pPr marL="2592000" lvl="5" indent="-216000">
               <a:buClr>
                 <a:srgbClr val="000000"/>
               </a:buClr>
@@ -3232,30 +3411,19 @@
               <a:buChar char=""/>
             </a:pPr>
             <a:r>
-              <a:rPr b="0" lang="en-US" sz="2800" spc="-1" strike="noStrike">
+              <a:rPr lang="en-US" sz="2800" b="0" strike="noStrike" spc="-1">
                 <a:solidFill>
                   <a:srgbClr val="000000"/>
                 </a:solidFill>
                 <a:uFill>
                   <a:solidFill>
-                    <a:srgbClr val="ffffff"/>
+                    <a:srgbClr val="FFFFFF"/>
                   </a:solidFill>
                 </a:uFill>
                 <a:latin typeface="Calibri"/>
               </a:rPr>
               <a:t>Sixth Outline Level</a:t>
             </a:r>
-            <a:endParaRPr b="0" lang="en-US" sz="2800" spc="-1" strike="noStrike">
-              <a:solidFill>
-                <a:srgbClr val="000000"/>
-              </a:solidFill>
-              <a:uFill>
-                <a:solidFill>
-                  <a:srgbClr val="ffffff"/>
-                </a:solidFill>
-              </a:uFill>
-              <a:latin typeface="Calibri"/>
-            </a:endParaRPr>
           </a:p>
           <a:p>
             <a:pPr marL="228600" indent="-228240">
@@ -3269,33 +3437,22 @@
               <a:buChar char="•"/>
             </a:pPr>
             <a:r>
-              <a:rPr b="0" lang="en-US" sz="2800" spc="-1" strike="noStrike">
+              <a:rPr lang="en-US" sz="2800" b="0" strike="noStrike" spc="-1">
                 <a:solidFill>
                   <a:srgbClr val="000000"/>
                 </a:solidFill>
                 <a:uFill>
                   <a:solidFill>
-                    <a:srgbClr val="ffffff"/>
+                    <a:srgbClr val="FFFFFF"/>
                   </a:solidFill>
                 </a:uFill>
                 <a:latin typeface="Calibri"/>
               </a:rPr>
               <a:t>Seventh Outline LevelClick to edit Master text styles</a:t>
             </a:r>
-            <a:endParaRPr b="0" lang="en-US" sz="2800" spc="-1" strike="noStrike">
-              <a:solidFill>
-                <a:srgbClr val="000000"/>
-              </a:solidFill>
-              <a:uFill>
-                <a:solidFill>
-                  <a:srgbClr val="ffffff"/>
-                </a:solidFill>
-              </a:uFill>
-              <a:latin typeface="Calibri"/>
-            </a:endParaRPr>
-          </a:p>
-          <a:p>
-            <a:pPr lvl="1" marL="685800" indent="-228240">
+          </a:p>
+          <a:p>
+            <a:pPr marL="685800" lvl="1" indent="-228240">
               <a:lnSpc>
                 <a:spcPct val="100000"/>
               </a:lnSpc>
@@ -3306,33 +3463,33 @@
               <a:buChar char="•"/>
             </a:pPr>
             <a:r>
-              <a:rPr b="0" lang="en-US" sz="2400" spc="-1" strike="noStrike">
+              <a:rPr lang="en-US" sz="2400" b="0" strike="noStrike" spc="-1">
                 <a:solidFill>
                   <a:srgbClr val="000000"/>
                 </a:solidFill>
                 <a:uFill>
                   <a:solidFill>
-                    <a:srgbClr val="ffffff"/>
+                    <a:srgbClr val="FFFFFF"/>
                   </a:solidFill>
                 </a:uFill>
                 <a:latin typeface="Calibri"/>
               </a:rPr>
               <a:t>Second level</a:t>
             </a:r>
-            <a:endParaRPr b="0" lang="en-US" sz="2800" spc="-1" strike="noStrike">
-              <a:solidFill>
-                <a:srgbClr val="000000"/>
-              </a:solidFill>
-              <a:uFill>
-                <a:solidFill>
-                  <a:srgbClr val="ffffff"/>
-                </a:solidFill>
-              </a:uFill>
-              <a:latin typeface="Calibri"/>
-            </a:endParaRPr>
-          </a:p>
-          <a:p>
-            <a:pPr lvl="2" marL="1143000" indent="-228240">
+            <a:endParaRPr lang="en-US" sz="2800" b="0" strike="noStrike" spc="-1">
+              <a:solidFill>
+                <a:srgbClr val="000000"/>
+              </a:solidFill>
+              <a:uFill>
+                <a:solidFill>
+                  <a:srgbClr val="FFFFFF"/>
+                </a:solidFill>
+              </a:uFill>
+              <a:latin typeface="Calibri"/>
+            </a:endParaRPr>
+          </a:p>
+          <a:p>
+            <a:pPr marL="1143000" lvl="2" indent="-228240">
               <a:lnSpc>
                 <a:spcPct val="100000"/>
               </a:lnSpc>
@@ -3343,33 +3500,33 @@
               <a:buChar char="•"/>
             </a:pPr>
             <a:r>
-              <a:rPr b="0" lang="en-US" sz="2000" spc="-1" strike="noStrike">
+              <a:rPr lang="en-US" sz="2000" b="0" strike="noStrike" spc="-1">
                 <a:solidFill>
                   <a:srgbClr val="000000"/>
                 </a:solidFill>
                 <a:uFill>
                   <a:solidFill>
-                    <a:srgbClr val="ffffff"/>
+                    <a:srgbClr val="FFFFFF"/>
                   </a:solidFill>
                 </a:uFill>
                 <a:latin typeface="Calibri"/>
               </a:rPr>
               <a:t>Third level</a:t>
             </a:r>
-            <a:endParaRPr b="0" lang="en-US" sz="2800" spc="-1" strike="noStrike">
-              <a:solidFill>
-                <a:srgbClr val="000000"/>
-              </a:solidFill>
-              <a:uFill>
-                <a:solidFill>
-                  <a:srgbClr val="ffffff"/>
-                </a:solidFill>
-              </a:uFill>
-              <a:latin typeface="Calibri"/>
-            </a:endParaRPr>
-          </a:p>
-          <a:p>
-            <a:pPr lvl="3" marL="1600200" indent="-228240">
+            <a:endParaRPr lang="en-US" sz="2800" b="0" strike="noStrike" spc="-1">
+              <a:solidFill>
+                <a:srgbClr val="000000"/>
+              </a:solidFill>
+              <a:uFill>
+                <a:solidFill>
+                  <a:srgbClr val="FFFFFF"/>
+                </a:solidFill>
+              </a:uFill>
+              <a:latin typeface="Calibri"/>
+            </a:endParaRPr>
+          </a:p>
+          <a:p>
+            <a:pPr marL="1600200" lvl="3" indent="-228240">
               <a:lnSpc>
                 <a:spcPct val="100000"/>
               </a:lnSpc>
@@ -3380,33 +3537,33 @@
               <a:buChar char="•"/>
             </a:pPr>
             <a:r>
-              <a:rPr b="0" lang="en-US" sz="1800" spc="-1" strike="noStrike">
+              <a:rPr lang="en-US" sz="1800" b="0" strike="noStrike" spc="-1">
                 <a:solidFill>
                   <a:srgbClr val="000000"/>
                 </a:solidFill>
                 <a:uFill>
                   <a:solidFill>
-                    <a:srgbClr val="ffffff"/>
+                    <a:srgbClr val="FFFFFF"/>
                   </a:solidFill>
                 </a:uFill>
                 <a:latin typeface="Calibri"/>
               </a:rPr>
               <a:t>Fourth level</a:t>
             </a:r>
-            <a:endParaRPr b="0" lang="en-US" sz="2800" spc="-1" strike="noStrike">
-              <a:solidFill>
-                <a:srgbClr val="000000"/>
-              </a:solidFill>
-              <a:uFill>
-                <a:solidFill>
-                  <a:srgbClr val="ffffff"/>
-                </a:solidFill>
-              </a:uFill>
-              <a:latin typeface="Calibri"/>
-            </a:endParaRPr>
-          </a:p>
-          <a:p>
-            <a:pPr lvl="4" marL="2057400" indent="-228240">
+            <a:endParaRPr lang="en-US" sz="2800" b="0" strike="noStrike" spc="-1">
+              <a:solidFill>
+                <a:srgbClr val="000000"/>
+              </a:solidFill>
+              <a:uFill>
+                <a:solidFill>
+                  <a:srgbClr val="FFFFFF"/>
+                </a:solidFill>
+              </a:uFill>
+              <a:latin typeface="Calibri"/>
+            </a:endParaRPr>
+          </a:p>
+          <a:p>
+            <a:pPr marL="2057400" lvl="4" indent="-228240">
               <a:lnSpc>
                 <a:spcPct val="100000"/>
               </a:lnSpc>
@@ -3417,26 +3574,26 @@
               <a:buChar char="•"/>
             </a:pPr>
             <a:r>
-              <a:rPr b="0" lang="en-US" sz="1800" spc="-1" strike="noStrike">
+              <a:rPr lang="en-US" sz="1800" b="0" strike="noStrike" spc="-1">
                 <a:solidFill>
                   <a:srgbClr val="000000"/>
                 </a:solidFill>
                 <a:uFill>
                   <a:solidFill>
-                    <a:srgbClr val="ffffff"/>
+                    <a:srgbClr val="FFFFFF"/>
                   </a:solidFill>
                 </a:uFill>
                 <a:latin typeface="Calibri"/>
               </a:rPr>
               <a:t>Fifth level</a:t>
             </a:r>
-            <a:endParaRPr b="0" lang="en-US" sz="2800" spc="-1" strike="noStrike">
-              <a:solidFill>
-                <a:srgbClr val="000000"/>
-              </a:solidFill>
-              <a:uFill>
-                <a:solidFill>
-                  <a:srgbClr val="ffffff"/>
+            <a:endParaRPr lang="en-US" sz="2800" b="0" strike="noStrike" spc="-1">
+              <a:solidFill>
+                <a:srgbClr val="000000"/>
+              </a:solidFill>
+              <a:uFill>
+                <a:solidFill>
+                  <a:srgbClr val="FFFFFF"/>
                 </a:solidFill>
               </a:uFill>
               <a:latin typeface="Calibri"/>
@@ -3465,6 +3622,7 @@
         </p:spPr>
         <p:txBody>
           <a:bodyPr anchor="ctr"/>
+          <a:lstStyle/>
           <a:p>
             <a:pPr>
               <a:lnSpc>
@@ -3472,26 +3630,26 @@
               </a:lnSpc>
             </a:pPr>
             <a:r>
-              <a:rPr b="0" lang="en-US" sz="1200" spc="-1" strike="noStrike">
-                <a:solidFill>
-                  <a:srgbClr val="8b8b8b"/>
+              <a:rPr lang="en-US" sz="1200" b="0" strike="noStrike" spc="-1">
+                <a:solidFill>
+                  <a:srgbClr val="8B8B8B"/>
                 </a:solidFill>
                 <a:uFill>
                   <a:solidFill>
-                    <a:srgbClr val="ffffff"/>
+                    <a:srgbClr val="FFFFFF"/>
                   </a:solidFill>
                 </a:uFill>
                 <a:latin typeface="Calibri"/>
               </a:rPr>
               <a:t>1/30/17</a:t>
             </a:r>
-            <a:endParaRPr b="0" lang="en-US" sz="1400" spc="-1" strike="noStrike">
-              <a:solidFill>
-                <a:srgbClr val="000000"/>
-              </a:solidFill>
-              <a:uFill>
-                <a:solidFill>
-                  <a:srgbClr val="ffffff"/>
+            <a:endParaRPr lang="en-US" sz="1400" b="0" strike="noStrike" spc="-1">
+              <a:solidFill>
+                <a:srgbClr val="000000"/>
+              </a:solidFill>
+              <a:uFill>
+                <a:solidFill>
+                  <a:srgbClr val="FFFFFF"/>
                 </a:solidFill>
               </a:uFill>
               <a:latin typeface="Times New Roman"/>
@@ -3520,14 +3678,15 @@
         </p:spPr>
         <p:txBody>
           <a:bodyPr anchor="ctr"/>
-          <a:p>
-            <a:endParaRPr b="0" lang="en-US" sz="2400" spc="-1" strike="noStrike">
-              <a:solidFill>
-                <a:srgbClr val="000000"/>
-              </a:solidFill>
-              <a:uFill>
-                <a:solidFill>
-                  <a:srgbClr val="ffffff"/>
+          <a:lstStyle/>
+          <a:p>
+            <a:endParaRPr lang="en-US" sz="2400" b="0" strike="noStrike" spc="-1">
+              <a:solidFill>
+                <a:srgbClr val="000000"/>
+              </a:solidFill>
+              <a:uFill>
+                <a:solidFill>
+                  <a:srgbClr val="FFFFFF"/>
                 </a:solidFill>
               </a:uFill>
               <a:latin typeface="Times New Roman"/>
@@ -3556,6 +3715,7 @@
         </p:spPr>
         <p:txBody>
           <a:bodyPr anchor="ctr"/>
+          <a:lstStyle/>
           <a:p>
             <a:pPr algn="r">
               <a:lnSpc>
@@ -3563,26 +3723,26 @@
               </a:lnSpc>
             </a:pPr>
             <a:fld id="{9745D9ED-7A02-405F-BE89-A249E5A4AF67}" type="slidenum">
-              <a:rPr b="0" lang="en-US" sz="1200" spc="-1" strike="noStrike">
-                <a:solidFill>
-                  <a:srgbClr val="8b8b8b"/>
+              <a:rPr lang="en-US" sz="1200" b="0" strike="noStrike" spc="-1">
+                <a:solidFill>
+                  <a:srgbClr val="8B8B8B"/>
                 </a:solidFill>
                 <a:uFill>
                   <a:solidFill>
-                    <a:srgbClr val="ffffff"/>
+                    <a:srgbClr val="FFFFFF"/>
                   </a:solidFill>
                 </a:uFill>
                 <a:latin typeface="Calibri"/>
               </a:rPr>
-              <a:t>&lt;number&gt;</a:t>
+              <a:t>‹#›</a:t>
             </a:fld>
-            <a:endParaRPr b="0" lang="en-US" sz="1400" spc="-1" strike="noStrike">
-              <a:solidFill>
-                <a:srgbClr val="000000"/>
-              </a:solidFill>
-              <a:uFill>
-                <a:solidFill>
-                  <a:srgbClr val="ffffff"/>
+            <a:endParaRPr lang="en-US" sz="1400" b="0" strike="noStrike" spc="-1">
+              <a:solidFill>
+                <a:srgbClr val="000000"/>
+              </a:solidFill>
+              <a:uFill>
+                <a:solidFill>
+                  <a:srgbClr val="FFFFFF"/>
                 </a:solidFill>
               </a:uFill>
               <a:latin typeface="Times New Roman"/>
@@ -3592,32 +3752,38 @@
       </p:sp>
     </p:spTree>
   </p:cSld>
-  <p:clrMap bg1="lt1" bg2="lt2" tx1="dk1" tx2="dk2" accent1="accent1" accent2="accent2" accent3="accent3" accent4="accent4" accent5="accent5" accent6="accent6" hlink="hlink" folHlink="folHlink"/>
+  <p:clrMap bg1="lt1" tx1="dk1" bg2="lt2" tx2="dk2" accent1="accent1" accent2="accent2" accent3="accent3" accent4="accent4" accent5="accent5" accent6="accent6" hlink="hlink" folHlink="folHlink"/>
   <p:sldLayoutIdLst>
-    <p:sldLayoutId id="2147483649" r:id="rId2"/>
-    <p:sldLayoutId id="2147483650" r:id="rId3"/>
-    <p:sldLayoutId id="2147483651" r:id="rId4"/>
-    <p:sldLayoutId id="2147483652" r:id="rId5"/>
-    <p:sldLayoutId id="2147483653" r:id="rId6"/>
-    <p:sldLayoutId id="2147483654" r:id="rId7"/>
-    <p:sldLayoutId id="2147483655" r:id="rId8"/>
-    <p:sldLayoutId id="2147483656" r:id="rId9"/>
-    <p:sldLayoutId id="2147483657" r:id="rId10"/>
-    <p:sldLayoutId id="2147483658" r:id="rId11"/>
-    <p:sldLayoutId id="2147483659" r:id="rId12"/>
-    <p:sldLayoutId id="2147483660" r:id="rId13"/>
+    <p:sldLayoutId id="2147483649" r:id="rId1"/>
+    <p:sldLayoutId id="2147483650" r:id="rId2"/>
+    <p:sldLayoutId id="2147483651" r:id="rId3"/>
+    <p:sldLayoutId id="2147483652" r:id="rId4"/>
+    <p:sldLayoutId id="2147483653" r:id="rId5"/>
+    <p:sldLayoutId id="2147483654" r:id="rId6"/>
+    <p:sldLayoutId id="2147483655" r:id="rId7"/>
+    <p:sldLayoutId id="2147483656" r:id="rId8"/>
+    <p:sldLayoutId id="2147483657" r:id="rId9"/>
+    <p:sldLayoutId id="2147483658" r:id="rId10"/>
+    <p:sldLayoutId id="2147483659" r:id="rId11"/>
+    <p:sldLayoutId id="2147483660" r:id="rId12"/>
   </p:sldLayoutIdLst>
+  <p:txStyles>
+    <p:titleStyle/>
+    <p:bodyStyle/>
+    <p:otherStyle/>
+  </p:txStyles>
 </p:sldMaster>
 </file>
 
 <file path=ppt/slideMasters/slideMaster2.xml><?xml version="1.0" encoding="utf-8"?>
-<p:sldMaster xmlns:a="http://schemas.openxmlformats.org/drawingml/2006/main" xmlns:p="http://schemas.openxmlformats.org/presentationml/2006/main" xmlns:r="http://schemas.openxmlformats.org/officeDocument/2006/relationships" xmlns:p14="http://schemas.microsoft.com/office/powerpoint/2010/main" xmlns:p15="http://schemas.microsoft.com/office/powerpoint/2012/main" xmlns:mc="http://schemas.openxmlformats.org/markup-compatibility/2006">
+<p:sldMaster xmlns:a="http://schemas.openxmlformats.org/drawingml/2006/main" xmlns:r="http://schemas.openxmlformats.org/officeDocument/2006/relationships" xmlns:p="http://schemas.openxmlformats.org/presentationml/2006/main">
   <p:cSld>
     <p:bg>
       <p:bgPr>
         <a:solidFill>
-          <a:srgbClr val="ffffff"/>
+          <a:srgbClr val="FFFFFF"/>
         </a:solidFill>
+        <a:effectLst/>
       </p:bgPr>
     </p:bg>
     <p:spTree>
@@ -3655,6 +3821,7 @@
         </p:spPr>
         <p:txBody>
           <a:bodyPr anchor="b"/>
+          <a:lstStyle/>
           <a:p>
             <a:pPr algn="ctr">
               <a:lnSpc>
@@ -3662,26 +3829,26 @@
               </a:lnSpc>
             </a:pPr>
             <a:r>
-              <a:rPr b="0" lang="en-US" sz="6000" spc="-1" strike="noStrike">
+              <a:rPr lang="en-US" sz="6000" b="0" strike="noStrike" spc="-1">
                 <a:solidFill>
                   <a:srgbClr val="000000"/>
                 </a:solidFill>
                 <a:uFill>
                   <a:solidFill>
-                    <a:srgbClr val="ffffff"/>
+                    <a:srgbClr val="FFFFFF"/>
                   </a:solidFill>
                 </a:uFill>
                 <a:latin typeface="Calibri Light"/>
               </a:rPr>
               <a:t>Click to edit Master title style</a:t>
             </a:r>
-            <a:endParaRPr b="0" lang="en-US" sz="1800" spc="-1" strike="noStrike">
-              <a:solidFill>
-                <a:srgbClr val="000000"/>
-              </a:solidFill>
-              <a:uFill>
-                <a:solidFill>
-                  <a:srgbClr val="ffffff"/>
+            <a:endParaRPr lang="en-US" sz="1800" b="0" strike="noStrike" spc="-1">
+              <a:solidFill>
+                <a:srgbClr val="000000"/>
+              </a:solidFill>
+              <a:uFill>
+                <a:solidFill>
+                  <a:srgbClr val="FFFFFF"/>
                 </a:solidFill>
               </a:uFill>
               <a:latin typeface="Calibri"/>
@@ -3710,6 +3877,7 @@
         </p:spPr>
         <p:txBody>
           <a:bodyPr anchor="ctr"/>
+          <a:lstStyle/>
           <a:p>
             <a:pPr>
               <a:lnSpc>
@@ -3717,26 +3885,26 @@
               </a:lnSpc>
             </a:pPr>
             <a:r>
-              <a:rPr b="0" lang="en-US" sz="1200" spc="-1" strike="noStrike">
-                <a:solidFill>
-                  <a:srgbClr val="8b8b8b"/>
+              <a:rPr lang="en-US" sz="1200" b="0" strike="noStrike" spc="-1">
+                <a:solidFill>
+                  <a:srgbClr val="8B8B8B"/>
                 </a:solidFill>
                 <a:uFill>
                   <a:solidFill>
-                    <a:srgbClr val="ffffff"/>
+                    <a:srgbClr val="FFFFFF"/>
                   </a:solidFill>
                 </a:uFill>
                 <a:latin typeface="Calibri"/>
               </a:rPr>
               <a:t>1/30/17</a:t>
             </a:r>
-            <a:endParaRPr b="0" lang="en-US" sz="1400" spc="-1" strike="noStrike">
-              <a:solidFill>
-                <a:srgbClr val="000000"/>
-              </a:solidFill>
-              <a:uFill>
-                <a:solidFill>
-                  <a:srgbClr val="ffffff"/>
+            <a:endParaRPr lang="en-US" sz="1400" b="0" strike="noStrike" spc="-1">
+              <a:solidFill>
+                <a:srgbClr val="000000"/>
+              </a:solidFill>
+              <a:uFill>
+                <a:solidFill>
+                  <a:srgbClr val="FFFFFF"/>
                 </a:solidFill>
               </a:uFill>
               <a:latin typeface="Times New Roman"/>
@@ -3765,14 +3933,15 @@
         </p:spPr>
         <p:txBody>
           <a:bodyPr anchor="ctr"/>
-          <a:p>
-            <a:endParaRPr b="0" lang="en-US" sz="2400" spc="-1" strike="noStrike">
-              <a:solidFill>
-                <a:srgbClr val="000000"/>
-              </a:solidFill>
-              <a:uFill>
-                <a:solidFill>
-                  <a:srgbClr val="ffffff"/>
+          <a:lstStyle/>
+          <a:p>
+            <a:endParaRPr lang="en-US" sz="2400" b="0" strike="noStrike" spc="-1">
+              <a:solidFill>
+                <a:srgbClr val="000000"/>
+              </a:solidFill>
+              <a:uFill>
+                <a:solidFill>
+                  <a:srgbClr val="FFFFFF"/>
                 </a:solidFill>
               </a:uFill>
               <a:latin typeface="Times New Roman"/>
@@ -3801,6 +3970,7 @@
         </p:spPr>
         <p:txBody>
           <a:bodyPr anchor="ctr"/>
+          <a:lstStyle/>
           <a:p>
             <a:pPr algn="r">
               <a:lnSpc>
@@ -3808,26 +3978,26 @@
               </a:lnSpc>
             </a:pPr>
             <a:fld id="{9288E49A-F254-4E18-921A-2887F07826F2}" type="slidenum">
-              <a:rPr b="0" lang="en-US" sz="1200" spc="-1" strike="noStrike">
-                <a:solidFill>
-                  <a:srgbClr val="8b8b8b"/>
+              <a:rPr lang="en-US" sz="1200" b="0" strike="noStrike" spc="-1">
+                <a:solidFill>
+                  <a:srgbClr val="8B8B8B"/>
                 </a:solidFill>
                 <a:uFill>
                   <a:solidFill>
-                    <a:srgbClr val="ffffff"/>
+                    <a:srgbClr val="FFFFFF"/>
                   </a:solidFill>
                 </a:uFill>
                 <a:latin typeface="Calibri"/>
               </a:rPr>
-              <a:t>&lt;number&gt;</a:t>
+              <a:t>‹#›</a:t>
             </a:fld>
-            <a:endParaRPr b="0" lang="en-US" sz="1400" spc="-1" strike="noStrike">
-              <a:solidFill>
-                <a:srgbClr val="000000"/>
-              </a:solidFill>
-              <a:uFill>
-                <a:solidFill>
-                  <a:srgbClr val="ffffff"/>
+            <a:endParaRPr lang="en-US" sz="1400" b="0" strike="noStrike" spc="-1">
+              <a:solidFill>
+                <a:srgbClr val="000000"/>
+              </a:solidFill>
+              <a:uFill>
+                <a:solidFill>
+                  <a:srgbClr val="FFFFFF"/>
                 </a:solidFill>
               </a:uFill>
               <a:latin typeface="Times New Roman"/>
@@ -3855,7 +4025,8 @@
           </a:prstGeom>
         </p:spPr>
         <p:txBody>
-          <a:bodyPr lIns="0" rIns="0" tIns="0" bIns="0"/>
+          <a:bodyPr lIns="0" tIns="0" rIns="0" bIns="0"/>
+          <a:lstStyle/>
           <a:p>
             <a:pPr marL="432000" indent="-324000">
               <a:buClr>
@@ -3866,33 +4037,22 @@
               <a:buChar char=""/>
             </a:pPr>
             <a:r>
-              <a:rPr b="0" lang="en-US" sz="2800" spc="-1" strike="noStrike">
+              <a:rPr lang="en-US" sz="2800" b="0" strike="noStrike" spc="-1">
                 <a:solidFill>
                   <a:srgbClr val="000000"/>
                 </a:solidFill>
                 <a:uFill>
                   <a:solidFill>
-                    <a:srgbClr val="ffffff"/>
+                    <a:srgbClr val="FFFFFF"/>
                   </a:solidFill>
                 </a:uFill>
                 <a:latin typeface="Calibri"/>
               </a:rPr>
               <a:t>Click to edit the outline text format</a:t>
             </a:r>
-            <a:endParaRPr b="0" lang="en-US" sz="2800" spc="-1" strike="noStrike">
-              <a:solidFill>
-                <a:srgbClr val="000000"/>
-              </a:solidFill>
-              <a:uFill>
-                <a:solidFill>
-                  <a:srgbClr val="ffffff"/>
-                </a:solidFill>
-              </a:uFill>
-              <a:latin typeface="Calibri"/>
-            </a:endParaRPr>
-          </a:p>
-          <a:p>
-            <a:pPr lvl="1" marL="864000" indent="-324000">
+          </a:p>
+          <a:p>
+            <a:pPr marL="864000" lvl="1" indent="-324000">
               <a:buClr>
                 <a:srgbClr val="000000"/>
               </a:buClr>
@@ -3901,33 +4061,22 @@
               <a:buChar char=""/>
             </a:pPr>
             <a:r>
-              <a:rPr b="0" lang="en-US" sz="2000" spc="-1" strike="noStrike">
+              <a:rPr lang="en-US" sz="2000" b="0" strike="noStrike" spc="-1">
                 <a:solidFill>
                   <a:srgbClr val="000000"/>
                 </a:solidFill>
                 <a:uFill>
                   <a:solidFill>
-                    <a:srgbClr val="ffffff"/>
+                    <a:srgbClr val="FFFFFF"/>
                   </a:solidFill>
                 </a:uFill>
                 <a:latin typeface="Calibri"/>
               </a:rPr>
               <a:t>Second Outline Level</a:t>
             </a:r>
-            <a:endParaRPr b="0" lang="en-US" sz="2000" spc="-1" strike="noStrike">
-              <a:solidFill>
-                <a:srgbClr val="000000"/>
-              </a:solidFill>
-              <a:uFill>
-                <a:solidFill>
-                  <a:srgbClr val="ffffff"/>
-                </a:solidFill>
-              </a:uFill>
-              <a:latin typeface="Calibri"/>
-            </a:endParaRPr>
-          </a:p>
-          <a:p>
-            <a:pPr lvl="2" marL="1296000" indent="-288000">
+          </a:p>
+          <a:p>
+            <a:pPr marL="1296000" lvl="2" indent="-288000">
               <a:buClr>
                 <a:srgbClr val="000000"/>
               </a:buClr>
@@ -3936,33 +4085,22 @@
               <a:buChar char=""/>
             </a:pPr>
             <a:r>
-              <a:rPr b="0" lang="en-US" sz="1800" spc="-1" strike="noStrike">
+              <a:rPr lang="en-US" sz="1800" b="0" strike="noStrike" spc="-1">
                 <a:solidFill>
                   <a:srgbClr val="000000"/>
                 </a:solidFill>
                 <a:uFill>
                   <a:solidFill>
-                    <a:srgbClr val="ffffff"/>
+                    <a:srgbClr val="FFFFFF"/>
                   </a:solidFill>
                 </a:uFill>
                 <a:latin typeface="Calibri"/>
               </a:rPr>
               <a:t>Third Outline Level</a:t>
             </a:r>
-            <a:endParaRPr b="0" lang="en-US" sz="1800" spc="-1" strike="noStrike">
-              <a:solidFill>
-                <a:srgbClr val="000000"/>
-              </a:solidFill>
-              <a:uFill>
-                <a:solidFill>
-                  <a:srgbClr val="ffffff"/>
-                </a:solidFill>
-              </a:uFill>
-              <a:latin typeface="Calibri"/>
-            </a:endParaRPr>
-          </a:p>
-          <a:p>
-            <a:pPr lvl="3" marL="1728000" indent="-216000">
+          </a:p>
+          <a:p>
+            <a:pPr marL="1728000" lvl="3" indent="-216000">
               <a:buClr>
                 <a:srgbClr val="000000"/>
               </a:buClr>
@@ -3971,33 +4109,22 @@
               <a:buChar char=""/>
             </a:pPr>
             <a:r>
-              <a:rPr b="0" lang="en-US" sz="1800" spc="-1" strike="noStrike">
+              <a:rPr lang="en-US" sz="1800" b="0" strike="noStrike" spc="-1">
                 <a:solidFill>
                   <a:srgbClr val="000000"/>
                 </a:solidFill>
                 <a:uFill>
                   <a:solidFill>
-                    <a:srgbClr val="ffffff"/>
+                    <a:srgbClr val="FFFFFF"/>
                   </a:solidFill>
                 </a:uFill>
                 <a:latin typeface="Calibri"/>
               </a:rPr>
               <a:t>Fourth Outline Level</a:t>
             </a:r>
-            <a:endParaRPr b="0" lang="en-US" sz="1800" spc="-1" strike="noStrike">
-              <a:solidFill>
-                <a:srgbClr val="000000"/>
-              </a:solidFill>
-              <a:uFill>
-                <a:solidFill>
-                  <a:srgbClr val="ffffff"/>
-                </a:solidFill>
-              </a:uFill>
-              <a:latin typeface="Calibri"/>
-            </a:endParaRPr>
-          </a:p>
-          <a:p>
-            <a:pPr lvl="4" marL="2160000" indent="-216000">
+          </a:p>
+          <a:p>
+            <a:pPr marL="2160000" lvl="4" indent="-216000">
               <a:buClr>
                 <a:srgbClr val="000000"/>
               </a:buClr>
@@ -4006,33 +4133,22 @@
               <a:buChar char=""/>
             </a:pPr>
             <a:r>
-              <a:rPr b="0" lang="en-US" sz="2000" spc="-1" strike="noStrike">
+              <a:rPr lang="en-US" sz="2000" b="0" strike="noStrike" spc="-1">
                 <a:solidFill>
                   <a:srgbClr val="000000"/>
                 </a:solidFill>
                 <a:uFill>
                   <a:solidFill>
-                    <a:srgbClr val="ffffff"/>
+                    <a:srgbClr val="FFFFFF"/>
                   </a:solidFill>
                 </a:uFill>
                 <a:latin typeface="Calibri"/>
               </a:rPr>
               <a:t>Fifth Outline Level</a:t>
             </a:r>
-            <a:endParaRPr b="0" lang="en-US" sz="2000" spc="-1" strike="noStrike">
-              <a:solidFill>
-                <a:srgbClr val="000000"/>
-              </a:solidFill>
-              <a:uFill>
-                <a:solidFill>
-                  <a:srgbClr val="ffffff"/>
-                </a:solidFill>
-              </a:uFill>
-              <a:latin typeface="Calibri"/>
-            </a:endParaRPr>
-          </a:p>
-          <a:p>
-            <a:pPr lvl="5" marL="2592000" indent="-216000">
+          </a:p>
+          <a:p>
+            <a:pPr marL="2592000" lvl="5" indent="-216000">
               <a:buClr>
                 <a:srgbClr val="000000"/>
               </a:buClr>
@@ -4041,33 +4157,22 @@
               <a:buChar char=""/>
             </a:pPr>
             <a:r>
-              <a:rPr b="0" lang="en-US" sz="2000" spc="-1" strike="noStrike">
+              <a:rPr lang="en-US" sz="2000" b="0" strike="noStrike" spc="-1">
                 <a:solidFill>
                   <a:srgbClr val="000000"/>
                 </a:solidFill>
                 <a:uFill>
                   <a:solidFill>
-                    <a:srgbClr val="ffffff"/>
+                    <a:srgbClr val="FFFFFF"/>
                   </a:solidFill>
                 </a:uFill>
                 <a:latin typeface="Calibri"/>
               </a:rPr>
               <a:t>Sixth Outline Level</a:t>
             </a:r>
-            <a:endParaRPr b="0" lang="en-US" sz="2000" spc="-1" strike="noStrike">
-              <a:solidFill>
-                <a:srgbClr val="000000"/>
-              </a:solidFill>
-              <a:uFill>
-                <a:solidFill>
-                  <a:srgbClr val="ffffff"/>
-                </a:solidFill>
-              </a:uFill>
-              <a:latin typeface="Calibri"/>
-            </a:endParaRPr>
-          </a:p>
-          <a:p>
-            <a:pPr lvl="6" marL="3024000" indent="-216000">
+          </a:p>
+          <a:p>
+            <a:pPr marL="3024000" lvl="6" indent="-216000">
               <a:buClr>
                 <a:srgbClr val="000000"/>
               </a:buClr>
@@ -4076,55 +4181,49 @@
               <a:buChar char=""/>
             </a:pPr>
             <a:r>
-              <a:rPr b="0" lang="en-US" sz="2000" spc="-1" strike="noStrike">
+              <a:rPr lang="en-US" sz="2000" b="0" strike="noStrike" spc="-1">
                 <a:solidFill>
                   <a:srgbClr val="000000"/>
                 </a:solidFill>
                 <a:uFill>
                   <a:solidFill>
-                    <a:srgbClr val="ffffff"/>
+                    <a:srgbClr val="FFFFFF"/>
                   </a:solidFill>
                 </a:uFill>
                 <a:latin typeface="Calibri"/>
               </a:rPr>
               <a:t>Seventh Outline Level</a:t>
             </a:r>
-            <a:endParaRPr b="0" lang="en-US" sz="2000" spc="-1" strike="noStrike">
-              <a:solidFill>
-                <a:srgbClr val="000000"/>
-              </a:solidFill>
-              <a:uFill>
-                <a:solidFill>
-                  <a:srgbClr val="ffffff"/>
-                </a:solidFill>
-              </a:uFill>
-              <a:latin typeface="Calibri"/>
-            </a:endParaRPr>
           </a:p>
         </p:txBody>
       </p:sp>
     </p:spTree>
   </p:cSld>
-  <p:clrMap bg1="lt1" bg2="lt2" tx1="dk1" tx2="dk2" accent1="accent1" accent2="accent2" accent3="accent3" accent4="accent4" accent5="accent5" accent6="accent6" hlink="hlink" folHlink="folHlink"/>
+  <p:clrMap bg1="lt1" tx1="dk1" bg2="lt2" tx2="dk2" accent1="accent1" accent2="accent2" accent3="accent3" accent4="accent4" accent5="accent5" accent6="accent6" hlink="hlink" folHlink="folHlink"/>
   <p:sldLayoutIdLst>
-    <p:sldLayoutId id="2147483662" r:id="rId2"/>
-    <p:sldLayoutId id="2147483663" r:id="rId3"/>
-    <p:sldLayoutId id="2147483664" r:id="rId4"/>
-    <p:sldLayoutId id="2147483665" r:id="rId5"/>
-    <p:sldLayoutId id="2147483666" r:id="rId6"/>
-    <p:sldLayoutId id="2147483667" r:id="rId7"/>
-    <p:sldLayoutId id="2147483668" r:id="rId8"/>
-    <p:sldLayoutId id="2147483669" r:id="rId9"/>
-    <p:sldLayoutId id="2147483670" r:id="rId10"/>
-    <p:sldLayoutId id="2147483671" r:id="rId11"/>
-    <p:sldLayoutId id="2147483672" r:id="rId12"/>
-    <p:sldLayoutId id="2147483673" r:id="rId13"/>
+    <p:sldLayoutId id="2147483662" r:id="rId1"/>
+    <p:sldLayoutId id="2147483663" r:id="rId2"/>
+    <p:sldLayoutId id="2147483664" r:id="rId3"/>
+    <p:sldLayoutId id="2147483665" r:id="rId4"/>
+    <p:sldLayoutId id="2147483666" r:id="rId5"/>
+    <p:sldLayoutId id="2147483667" r:id="rId6"/>
+    <p:sldLayoutId id="2147483668" r:id="rId7"/>
+    <p:sldLayoutId id="2147483669" r:id="rId8"/>
+    <p:sldLayoutId id="2147483670" r:id="rId9"/>
+    <p:sldLayoutId id="2147483671" r:id="rId10"/>
+    <p:sldLayoutId id="2147483672" r:id="rId11"/>
+    <p:sldLayoutId id="2147483673" r:id="rId12"/>
   </p:sldLayoutIdLst>
+  <p:txStyles>
+    <p:titleStyle/>
+    <p:bodyStyle/>
+    <p:otherStyle/>
+  </p:txStyles>
 </p:sldMaster>
 </file>
 
 <file path=ppt/slides/slide1.xml><?xml version="1.0" encoding="utf-8"?>
-<p:sld xmlns:a="http://schemas.openxmlformats.org/drawingml/2006/main" xmlns:p="http://schemas.openxmlformats.org/presentationml/2006/main" xmlns:r="http://schemas.openxmlformats.org/officeDocument/2006/relationships" xmlns:p14="http://schemas.microsoft.com/office/powerpoint/2010/main" xmlns:p15="http://schemas.microsoft.com/office/powerpoint/2012/main" xmlns:mc="http://schemas.openxmlformats.org/markup-compatibility/2006">
+<p:sld xmlns:a="http://schemas.openxmlformats.org/drawingml/2006/main" xmlns:r="http://schemas.openxmlformats.org/officeDocument/2006/relationships" xmlns:p="http://schemas.openxmlformats.org/presentationml/2006/main">
   <p:cSld>
     <p:spTree>
       <p:nvGrpSpPr>
@@ -4161,6 +4260,7 @@
         </p:spPr>
         <p:txBody>
           <a:bodyPr anchor="ctr"/>
+          <a:lstStyle/>
           <a:p>
             <a:pPr algn="ctr">
               <a:lnSpc>
@@ -4168,26 +4268,26 @@
               </a:lnSpc>
             </a:pPr>
             <a:r>
-              <a:rPr b="0" lang="en-US" sz="3400" spc="-1" strike="noStrike">
+              <a:rPr lang="en-US" sz="3600" b="0" strike="noStrike" spc="-1" dirty="0" smtClean="0">
                 <a:solidFill>
                   <a:srgbClr val="000000"/>
                 </a:solidFill>
                 <a:uFill>
                   <a:solidFill>
-                    <a:srgbClr val="ffffff"/>
+                    <a:srgbClr val="FFFFFF"/>
                   </a:solidFill>
                 </a:uFill>
-                <a:latin typeface="Calibri Light"/>
+                <a:latin typeface="Calibri"/>
               </a:rPr>
-              <a:t>Student Introductions: Background and Interests</a:t>
+              <a:t>Class Overview MMP350</a:t>
             </a:r>
-            <a:endParaRPr b="0" lang="en-US" sz="1800" spc="-1" strike="noStrike">
-              <a:solidFill>
-                <a:srgbClr val="000000"/>
-              </a:solidFill>
-              <a:uFill>
-                <a:solidFill>
-                  <a:srgbClr val="ffffff"/>
+            <a:endParaRPr lang="en-US" sz="3600" b="0" strike="noStrike" spc="-1" dirty="0">
+              <a:solidFill>
+                <a:srgbClr val="000000"/>
+              </a:solidFill>
+              <a:uFill>
+                <a:solidFill>
+                  <a:srgbClr val="FFFFFF"/>
                 </a:solidFill>
               </a:uFill>
               <a:latin typeface="Calibri"/>
@@ -4216,14 +4316,209 @@
         </p:spPr>
         <p:txBody>
           <a:bodyPr/>
-          <a:p>
-            <a:endParaRPr b="0" lang="en-US" sz="2800" spc="-1" strike="noStrike">
-              <a:solidFill>
-                <a:srgbClr val="000000"/>
-              </a:solidFill>
-              <a:uFill>
-                <a:solidFill>
-                  <a:srgbClr val="ffffff"/>
+          <a:lstStyle/>
+          <a:p>
+            <a:pPr marL="514350" indent="-514350">
+              <a:buAutoNum type="arabicPeriod"/>
+            </a:pPr>
+            <a:r>
+              <a:rPr lang="en-US" sz="2800" b="0" strike="noStrike" spc="-1" dirty="0" smtClean="0">
+                <a:solidFill>
+                  <a:srgbClr val="000000"/>
+                </a:solidFill>
+                <a:uFill>
+                  <a:solidFill>
+                    <a:srgbClr val="FFFFFF"/>
+                  </a:solidFill>
+                </a:uFill>
+                <a:latin typeface="Calibri"/>
+              </a:rPr>
+              <a:t>Introductions</a:t>
+            </a:r>
+          </a:p>
+          <a:p>
+            <a:pPr marL="514350" indent="-514350">
+              <a:buAutoNum type="arabicPeriod"/>
+            </a:pPr>
+            <a:endParaRPr lang="en-US" sz="2800" b="0" strike="noStrike" spc="-1" dirty="0" smtClean="0">
+              <a:solidFill>
+                <a:srgbClr val="000000"/>
+              </a:solidFill>
+              <a:uFill>
+                <a:solidFill>
+                  <a:srgbClr val="FFFFFF"/>
+                </a:solidFill>
+              </a:uFill>
+              <a:latin typeface="Calibri"/>
+            </a:endParaRPr>
+          </a:p>
+          <a:p>
+            <a:pPr marL="514350" indent="-514350">
+              <a:buAutoNum type="arabicPeriod"/>
+            </a:pPr>
+            <a:r>
+              <a:rPr lang="en-US" sz="2800" spc="-1" dirty="0" smtClean="0">
+                <a:solidFill>
+                  <a:srgbClr val="000000"/>
+                </a:solidFill>
+                <a:uFill>
+                  <a:solidFill>
+                    <a:srgbClr val="FFFFFF"/>
+                  </a:solidFill>
+                </a:uFill>
+                <a:latin typeface="Calibri"/>
+              </a:rPr>
+              <a:t>Review of the syllabus</a:t>
+            </a:r>
+          </a:p>
+          <a:p>
+            <a:pPr marL="514350" indent="-514350">
+              <a:buAutoNum type="arabicPeriod"/>
+            </a:pPr>
+            <a:endParaRPr lang="en-US" sz="2800" spc="-1" dirty="0" smtClean="0">
+              <a:solidFill>
+                <a:srgbClr val="000000"/>
+              </a:solidFill>
+              <a:uFill>
+                <a:solidFill>
+                  <a:srgbClr val="FFFFFF"/>
+                </a:solidFill>
+              </a:uFill>
+              <a:latin typeface="Calibri"/>
+            </a:endParaRPr>
+          </a:p>
+          <a:p>
+            <a:pPr marL="514350" indent="-514350">
+              <a:buAutoNum type="arabicPeriod"/>
+            </a:pPr>
+            <a:r>
+              <a:rPr lang="en-US" sz="2800" b="0" strike="noStrike" spc="-1" dirty="0" smtClean="0">
+                <a:solidFill>
+                  <a:srgbClr val="000000"/>
+                </a:solidFill>
+                <a:uFill>
+                  <a:solidFill>
+                    <a:srgbClr val="FFFFFF"/>
+                  </a:solidFill>
+                </a:uFill>
+                <a:latin typeface="Calibri"/>
+              </a:rPr>
+              <a:t>Ten minute break</a:t>
+            </a:r>
+          </a:p>
+          <a:p>
+            <a:pPr marL="514350" indent="-514350">
+              <a:buAutoNum type="arabicPeriod"/>
+            </a:pPr>
+            <a:endParaRPr lang="en-US" sz="2800" b="0" strike="noStrike" spc="-1" dirty="0" smtClean="0">
+              <a:solidFill>
+                <a:srgbClr val="000000"/>
+              </a:solidFill>
+              <a:uFill>
+                <a:solidFill>
+                  <a:srgbClr val="FFFFFF"/>
+                </a:solidFill>
+              </a:uFill>
+              <a:latin typeface="Calibri"/>
+            </a:endParaRPr>
+          </a:p>
+          <a:p>
+            <a:pPr marL="514350" indent="-514350">
+              <a:buAutoNum type="arabicPeriod"/>
+            </a:pPr>
+            <a:r>
+              <a:rPr lang="en-US" sz="2800" spc="-1" dirty="0" smtClean="0">
+                <a:solidFill>
+                  <a:srgbClr val="000000"/>
+                </a:solidFill>
+                <a:uFill>
+                  <a:solidFill>
+                    <a:srgbClr val="FFFFFF"/>
+                  </a:solidFill>
+                </a:uFill>
+                <a:latin typeface="Calibri"/>
+              </a:rPr>
+              <a:t>Classwork: Introduction to Web Design</a:t>
+            </a:r>
+          </a:p>
+          <a:p>
+            <a:pPr marL="514350" indent="-514350">
+              <a:buAutoNum type="arabicPeriod"/>
+            </a:pPr>
+            <a:endParaRPr lang="en-US" sz="2800" spc="-1" dirty="0">
+              <a:solidFill>
+                <a:srgbClr val="000000"/>
+              </a:solidFill>
+              <a:uFill>
+                <a:solidFill>
+                  <a:srgbClr val="FFFFFF"/>
+                </a:solidFill>
+              </a:uFill>
+              <a:latin typeface="Calibri"/>
+            </a:endParaRPr>
+          </a:p>
+          <a:p>
+            <a:r>
+              <a:rPr lang="en-US" sz="1100" dirty="0"/>
+              <a:t>Username: faculty</a:t>
+            </a:r>
+          </a:p>
+          <a:p>
+            <a:r>
+              <a:rPr lang="en-US" sz="1100" dirty="0"/>
+              <a:t>Password: goodE@rth89 </a:t>
+            </a:r>
+          </a:p>
+          <a:p>
+            <a:r>
+              <a:rPr lang="en-US" sz="1100" dirty="0"/>
+              <a:t>It will expire 2/24. If you have any problem with it call the Helpdesk at </a:t>
+            </a:r>
+            <a:r>
+              <a:rPr lang="en-US" sz="1100" u="sng" dirty="0">
+                <a:hlinkClick r:id="rId2"/>
+              </a:rPr>
+              <a:t>212 220-8379 .</a:t>
+            </a:r>
+            <a:endParaRPr lang="en-US" sz="1100" spc="-1" dirty="0" smtClean="0">
+              <a:solidFill>
+                <a:srgbClr val="000000"/>
+              </a:solidFill>
+              <a:uFill>
+                <a:solidFill>
+                  <a:srgbClr val="FFFFFF"/>
+                </a:solidFill>
+              </a:uFill>
+              <a:latin typeface="Calibri"/>
+            </a:endParaRPr>
+          </a:p>
+          <a:p>
+            <a:pPr marL="514350" indent="-514350">
+              <a:buAutoNum type="arabicPeriod"/>
+            </a:pPr>
+            <a:endParaRPr lang="en-US" sz="2800" b="0" strike="noStrike" spc="-1" dirty="0">
+              <a:solidFill>
+                <a:srgbClr val="000000"/>
+              </a:solidFill>
+              <a:uFill>
+                <a:solidFill>
+                  <a:srgbClr val="FFFFFF"/>
+                </a:solidFill>
+              </a:uFill>
+              <a:latin typeface="Calibri"/>
+            </a:endParaRPr>
+          </a:p>
+          <a:p>
+            <a:pPr marL="514350" indent="-514350">
+              <a:buAutoNum type="arabicPeriod"/>
+            </a:pPr>
+            <a:endParaRPr lang="en-US" sz="2800" b="0" strike="noStrike" spc="-1" dirty="0">
+              <a:solidFill>
+                <a:srgbClr val="000000"/>
+              </a:solidFill>
+              <a:uFill>
+                <a:solidFill>
+                  <a:srgbClr val="FFFFFF"/>
                 </a:solidFill>
               </a:uFill>
               <a:latin typeface="Calibri"/>
@@ -4233,22 +4528,25 @@
       </p:sp>
     </p:spTree>
   </p:cSld>
+  <p:clrMapOvr>
+    <a:masterClrMapping/>
+  </p:clrMapOvr>
   <p:timing>
     <p:tnLst>
       <p:par>
-        <p:cTn id="1" dur="indefinite" restart="never" nodeType="tmRoot">
+        <p:cTn xmlns:p14="http://schemas.microsoft.com/office/powerpoint/2010/main" id="1" dur="indefinite" restart="never" nodeType="tmRoot">
           <p:childTnLst>
             <p:seq>
               <p:cTn id="2" nodeType="mainSeq"/>
               <p:prevCondLst>
-                <p:cond delay="0" evt="onPrev">
+                <p:cond evt="onPrev" delay="0">
                   <p:tgtEl>
                     <p:sldTgt/>
                   </p:tgtEl>
                 </p:cond>
               </p:prevCondLst>
               <p:nextCondLst>
-                <p:cond delay="0" evt="onNext">
+                <p:cond evt="onNext" delay="0">
                   <p:tgtEl>
                     <p:sldTgt/>
                   </p:tgtEl>
@@ -4264,7 +4562,7 @@
 </file>
 
 <file path=ppt/slides/slide2.xml><?xml version="1.0" encoding="utf-8"?>
-<p:sld xmlns:a="http://schemas.openxmlformats.org/drawingml/2006/main" xmlns:p="http://schemas.openxmlformats.org/presentationml/2006/main" xmlns:r="http://schemas.openxmlformats.org/officeDocument/2006/relationships" xmlns:p14="http://schemas.microsoft.com/office/powerpoint/2010/main" xmlns:p15="http://schemas.microsoft.com/office/powerpoint/2012/main" xmlns:mc="http://schemas.openxmlformats.org/markup-compatibility/2006">
+<p:sld xmlns:a="http://schemas.openxmlformats.org/drawingml/2006/main" xmlns:r="http://schemas.openxmlformats.org/officeDocument/2006/relationships" xmlns:p="http://schemas.openxmlformats.org/presentationml/2006/main">
   <p:cSld>
     <p:spTree>
       <p:nvGrpSpPr>
@@ -4301,6 +4599,7 @@
         </p:spPr>
         <p:txBody>
           <a:bodyPr anchor="ctr"/>
+          <a:lstStyle/>
           <a:p>
             <a:pPr algn="ctr">
               <a:lnSpc>
@@ -4308,26 +4607,26 @@
               </a:lnSpc>
             </a:pPr>
             <a:r>
-              <a:rPr b="0" lang="en-US" sz="3400" spc="-1" strike="noStrike">
+              <a:rPr lang="en-US" sz="3400" b="0" strike="noStrike" spc="-1">
                 <a:solidFill>
                   <a:srgbClr val="000000"/>
                 </a:solidFill>
                 <a:uFill>
                   <a:solidFill>
-                    <a:srgbClr val="ffffff"/>
+                    <a:srgbClr val="FFFFFF"/>
                   </a:solidFill>
                 </a:uFill>
                 <a:latin typeface="Calibri Light"/>
               </a:rPr>
               <a:t>Student Introductions: Background and Interests</a:t>
             </a:r>
-            <a:endParaRPr b="0" lang="en-US" sz="1800" spc="-1" strike="noStrike">
-              <a:solidFill>
-                <a:srgbClr val="000000"/>
-              </a:solidFill>
-              <a:uFill>
-                <a:solidFill>
-                  <a:srgbClr val="ffffff"/>
+            <a:endParaRPr lang="en-US" sz="1800" b="0" strike="noStrike" spc="-1">
+              <a:solidFill>
+                <a:srgbClr val="000000"/>
+              </a:solidFill>
+              <a:uFill>
+                <a:solidFill>
+                  <a:srgbClr val="FFFFFF"/>
                 </a:solidFill>
               </a:uFill>
               <a:latin typeface="Calibri"/>
@@ -4356,56 +4655,125 @@
         </p:spPr>
         <p:txBody>
           <a:bodyPr/>
-          <a:p>
-            <a:pPr marL="228600" indent="-228240">
+          <a:lstStyle/>
+          <a:p>
+            <a:pPr marL="360">
               <a:lnSpc>
                 <a:spcPct val="90000"/>
               </a:lnSpc>
               <a:buClr>
                 <a:srgbClr val="000000"/>
               </a:buClr>
-              <a:buFont typeface="Arial"/>
-              <a:buChar char="•"/>
             </a:pPr>
             <a:r>
-              <a:rPr b="0" lang="en-US" sz="2800" spc="-1" strike="noStrike">
+              <a:rPr lang="en-US" sz="2800" spc="-1" dirty="0" smtClean="0">
                 <a:solidFill>
                   <a:srgbClr val="000000"/>
                 </a:solidFill>
                 <a:uFill>
                   <a:solidFill>
-                    <a:srgbClr val="ffffff"/>
+                    <a:srgbClr val="FFFFFF"/>
                   </a:solidFill>
                 </a:uFill>
                 <a:latin typeface="Calibri"/>
               </a:rPr>
-              <a:t> </a:t>
+              <a:t>While students are introducing themselves, please send me an introductory email at:</a:t>
             </a:r>
-            <a:endParaRPr b="0" lang="en-US" sz="2800" spc="-1" strike="noStrike">
-              <a:solidFill>
-                <a:srgbClr val="000000"/>
-              </a:solidFill>
-              <a:uFill>
-                <a:solidFill>
-                  <a:srgbClr val="ffffff"/>
-                </a:solidFill>
-              </a:uFill>
-              <a:latin typeface="Calibri"/>
-            </a:endParaRPr>
-          </a:p>
-          <a:p>
-            <a:pPr>
+          </a:p>
+          <a:p>
+            <a:pPr marL="360">
               <a:lnSpc>
                 <a:spcPct val="90000"/>
               </a:lnSpc>
+              <a:buClr>
+                <a:srgbClr val="000000"/>
+              </a:buClr>
             </a:pPr>
-            <a:endParaRPr b="0" lang="en-US" sz="2800" spc="-1" strike="noStrike">
-              <a:solidFill>
-                <a:srgbClr val="000000"/>
-              </a:solidFill>
-              <a:uFill>
-                <a:solidFill>
-                  <a:srgbClr val="ffffff"/>
+            <a:endParaRPr lang="en-US" sz="2800" b="0" strike="noStrike" spc="-1" dirty="0">
+              <a:solidFill>
+                <a:srgbClr val="000000"/>
+              </a:solidFill>
+              <a:uFill>
+                <a:solidFill>
+                  <a:srgbClr val="FFFFFF"/>
+                </a:solidFill>
+              </a:uFill>
+              <a:latin typeface="Calibri"/>
+            </a:endParaRPr>
+          </a:p>
+          <a:p>
+            <a:pPr marL="360">
+              <a:lnSpc>
+                <a:spcPct val="90000"/>
+              </a:lnSpc>
+              <a:buClr>
+                <a:srgbClr val="000000"/>
+              </a:buClr>
+            </a:pPr>
+            <a:r>
+              <a:rPr lang="en-US" sz="2800" spc="-1" dirty="0" smtClean="0">
+                <a:solidFill>
+                  <a:srgbClr val="000000"/>
+                </a:solidFill>
+                <a:uFill>
+                  <a:solidFill>
+                    <a:srgbClr val="FFFFFF"/>
+                  </a:solidFill>
+                </a:uFill>
+                <a:latin typeface="Calibri"/>
+                <a:hlinkClick r:id="rId2"/>
+              </a:rPr>
+              <a:t>brianmacmillanteacher@gmail.com</a:t>
+            </a:r>
+            <a:endParaRPr lang="en-US" sz="2800" spc="-1" dirty="0" smtClean="0">
+              <a:solidFill>
+                <a:srgbClr val="000000"/>
+              </a:solidFill>
+              <a:uFill>
+                <a:solidFill>
+                  <a:srgbClr val="FFFFFF"/>
+                </a:solidFill>
+              </a:uFill>
+              <a:latin typeface="Calibri"/>
+            </a:endParaRPr>
+          </a:p>
+          <a:p>
+            <a:pPr marL="360">
+              <a:lnSpc>
+                <a:spcPct val="90000"/>
+              </a:lnSpc>
+              <a:buClr>
+                <a:srgbClr val="000000"/>
+              </a:buClr>
+            </a:pPr>
+            <a:endParaRPr lang="en-US" sz="2800" b="0" strike="noStrike" spc="-1" dirty="0">
+              <a:solidFill>
+                <a:srgbClr val="000000"/>
+              </a:solidFill>
+              <a:uFill>
+                <a:solidFill>
+                  <a:srgbClr val="FFFFFF"/>
+                </a:solidFill>
+              </a:uFill>
+              <a:latin typeface="Calibri"/>
+            </a:endParaRPr>
+          </a:p>
+          <a:p>
+            <a:pPr marL="360">
+              <a:lnSpc>
+                <a:spcPct val="90000"/>
+              </a:lnSpc>
+              <a:buClr>
+                <a:srgbClr val="000000"/>
+              </a:buClr>
+            </a:pPr>
+            <a:endParaRPr lang="en-US" sz="2800" b="0" strike="noStrike" spc="-1" dirty="0">
+              <a:solidFill>
+                <a:srgbClr val="000000"/>
+              </a:solidFill>
+              <a:uFill>
+                <a:solidFill>
+                  <a:srgbClr val="FFFFFF"/>
                 </a:solidFill>
               </a:uFill>
               <a:latin typeface="Calibri"/>
@@ -4415,22 +4783,25 @@
       </p:sp>
     </p:spTree>
   </p:cSld>
+  <p:clrMapOvr>
+    <a:masterClrMapping/>
+  </p:clrMapOvr>
   <p:timing>
     <p:tnLst>
       <p:par>
-        <p:cTn id="3" dur="indefinite" restart="never" nodeType="tmRoot">
+        <p:cTn xmlns:p14="http://schemas.microsoft.com/office/powerpoint/2010/main" id="1" dur="indefinite" restart="never" nodeType="tmRoot">
           <p:childTnLst>
             <p:seq>
-              <p:cTn id="4" nodeType="mainSeq"/>
+              <p:cTn id="2" nodeType="mainSeq"/>
               <p:prevCondLst>
-                <p:cond delay="0" evt="onPrev">
+                <p:cond evt="onPrev" delay="0">
                   <p:tgtEl>
                     <p:sldTgt/>
                   </p:tgtEl>
                 </p:cond>
               </p:prevCondLst>
               <p:nextCondLst>
-                <p:cond delay="0" evt="onNext">
+                <p:cond evt="onNext" delay="0">
                   <p:tgtEl>
                     <p:sldTgt/>
                   </p:tgtEl>
@@ -4446,7 +4817,7 @@
 </file>
 
 <file path=ppt/slides/slide3.xml><?xml version="1.0" encoding="utf-8"?>
-<p:sld xmlns:a="http://schemas.openxmlformats.org/drawingml/2006/main" xmlns:p="http://schemas.openxmlformats.org/presentationml/2006/main" xmlns:r="http://schemas.openxmlformats.org/officeDocument/2006/relationships" xmlns:p14="http://schemas.microsoft.com/office/powerpoint/2010/main" xmlns:p15="http://schemas.microsoft.com/office/powerpoint/2012/main" xmlns:mc="http://schemas.openxmlformats.org/markup-compatibility/2006">
+<p:sld xmlns:a="http://schemas.openxmlformats.org/drawingml/2006/main" xmlns:r="http://schemas.openxmlformats.org/officeDocument/2006/relationships" xmlns:p="http://schemas.openxmlformats.org/presentationml/2006/main">
   <p:cSld>
     <p:spTree>
       <p:nvGrpSpPr>
@@ -4483,6 +4854,7 @@
         </p:spPr>
         <p:txBody>
           <a:bodyPr anchor="ctr"/>
+          <a:lstStyle/>
           <a:p>
             <a:pPr>
               <a:lnSpc>
@@ -4490,26 +4862,26 @@
               </a:lnSpc>
             </a:pPr>
             <a:r>
-              <a:rPr b="0" lang="en-US" sz="4400" spc="-1" strike="noStrike">
+              <a:rPr lang="en-US" sz="4400" b="0" strike="noStrike" spc="-1">
                 <a:solidFill>
                   <a:srgbClr val="000000"/>
                 </a:solidFill>
                 <a:uFill>
                   <a:solidFill>
-                    <a:srgbClr val="ffffff"/>
+                    <a:srgbClr val="FFFFFF"/>
                   </a:solidFill>
                 </a:uFill>
                 <a:latin typeface="Calibri Light"/>
               </a:rPr>
               <a:t>Course Content</a:t>
             </a:r>
-            <a:endParaRPr b="0" lang="en-US" sz="1800" spc="-1" strike="noStrike">
-              <a:solidFill>
-                <a:srgbClr val="000000"/>
-              </a:solidFill>
-              <a:uFill>
-                <a:solidFill>
-                  <a:srgbClr val="ffffff"/>
+            <a:endParaRPr lang="en-US" sz="1800" b="0" strike="noStrike" spc="-1">
+              <a:solidFill>
+                <a:srgbClr val="000000"/>
+              </a:solidFill>
+              <a:uFill>
+                <a:solidFill>
+                  <a:srgbClr val="FFFFFF"/>
                 </a:solidFill>
               </a:uFill>
               <a:latin typeface="Calibri"/>
@@ -4538,6 +4910,7 @@
         </p:spPr>
         <p:txBody>
           <a:bodyPr/>
+          <a:lstStyle/>
           <a:p>
             <a:pPr marL="228600" indent="-228240">
               <a:lnSpc>
@@ -4550,33 +4923,22 @@
               <a:buChar char="•"/>
             </a:pPr>
             <a:r>
-              <a:rPr b="0" lang="en-US" sz="2800" spc="-1" strike="noStrike">
+              <a:rPr lang="en-US" sz="2800" b="0" strike="noStrike" spc="-1">
                 <a:solidFill>
                   <a:srgbClr val="000000"/>
                 </a:solidFill>
                 <a:uFill>
                   <a:solidFill>
-                    <a:srgbClr val="ffffff"/>
+                    <a:srgbClr val="FFFFFF"/>
                   </a:solidFill>
                 </a:uFill>
                 <a:latin typeface="Calibri"/>
               </a:rPr>
               <a:t>Review of Web Technologies</a:t>
             </a:r>
-            <a:endParaRPr b="0" lang="en-US" sz="2800" spc="-1" strike="noStrike">
-              <a:solidFill>
-                <a:srgbClr val="000000"/>
-              </a:solidFill>
-              <a:uFill>
-                <a:solidFill>
-                  <a:srgbClr val="ffffff"/>
-                </a:solidFill>
-              </a:uFill>
-              <a:latin typeface="Calibri"/>
-            </a:endParaRPr>
-          </a:p>
-          <a:p>
-            <a:pPr lvl="1" marL="685800" indent="-228240">
+          </a:p>
+          <a:p>
+            <a:pPr marL="685800" lvl="1" indent="-228240">
               <a:lnSpc>
                 <a:spcPct val="100000"/>
               </a:lnSpc>
@@ -4587,33 +4949,33 @@
               <a:buChar char="•"/>
             </a:pPr>
             <a:r>
-              <a:rPr b="0" lang="en-US" sz="2400" spc="-1" strike="noStrike">
+              <a:rPr lang="en-US" sz="2400" b="0" strike="noStrike" spc="-1">
                 <a:solidFill>
                   <a:srgbClr val="000000"/>
                 </a:solidFill>
                 <a:uFill>
                   <a:solidFill>
-                    <a:srgbClr val="ffffff"/>
+                    <a:srgbClr val="FFFFFF"/>
                   </a:solidFill>
                 </a:uFill>
                 <a:latin typeface="Calibri"/>
               </a:rPr>
               <a:t>The Document Object Model</a:t>
             </a:r>
-            <a:endParaRPr b="0" lang="en-US" sz="2000" spc="-1" strike="noStrike">
-              <a:solidFill>
-                <a:srgbClr val="000000"/>
-              </a:solidFill>
-              <a:uFill>
-                <a:solidFill>
-                  <a:srgbClr val="ffffff"/>
-                </a:solidFill>
-              </a:uFill>
-              <a:latin typeface="Calibri"/>
-            </a:endParaRPr>
-          </a:p>
-          <a:p>
-            <a:pPr lvl="1" marL="685800" indent="-228240">
+            <a:endParaRPr lang="en-US" sz="2000" b="0" strike="noStrike" spc="-1">
+              <a:solidFill>
+                <a:srgbClr val="000000"/>
+              </a:solidFill>
+              <a:uFill>
+                <a:solidFill>
+                  <a:srgbClr val="FFFFFF"/>
+                </a:solidFill>
+              </a:uFill>
+              <a:latin typeface="Calibri"/>
+            </a:endParaRPr>
+          </a:p>
+          <a:p>
+            <a:pPr marL="685800" lvl="1" indent="-228240">
               <a:lnSpc>
                 <a:spcPct val="100000"/>
               </a:lnSpc>
@@ -4624,33 +4986,33 @@
               <a:buChar char="•"/>
             </a:pPr>
             <a:r>
-              <a:rPr b="0" lang="en-US" sz="2400" spc="-1" strike="noStrike">
+              <a:rPr lang="en-US" sz="2400" b="0" strike="noStrike" spc="-1">
                 <a:solidFill>
                   <a:srgbClr val="000000"/>
                 </a:solidFill>
                 <a:uFill>
                   <a:solidFill>
-                    <a:srgbClr val="ffffff"/>
+                    <a:srgbClr val="FFFFFF"/>
                   </a:solidFill>
                 </a:uFill>
                 <a:latin typeface="Calibri"/>
               </a:rPr>
               <a:t>HTML, CSS, PHP and Javascript</a:t>
             </a:r>
-            <a:endParaRPr b="0" lang="en-US" sz="2000" spc="-1" strike="noStrike">
-              <a:solidFill>
-                <a:srgbClr val="000000"/>
-              </a:solidFill>
-              <a:uFill>
-                <a:solidFill>
-                  <a:srgbClr val="ffffff"/>
-                </a:solidFill>
-              </a:uFill>
-              <a:latin typeface="Calibri"/>
-            </a:endParaRPr>
-          </a:p>
-          <a:p>
-            <a:pPr lvl="1" marL="685800" indent="-228240">
+            <a:endParaRPr lang="en-US" sz="2000" b="0" strike="noStrike" spc="-1">
+              <a:solidFill>
+                <a:srgbClr val="000000"/>
+              </a:solidFill>
+              <a:uFill>
+                <a:solidFill>
+                  <a:srgbClr val="FFFFFF"/>
+                </a:solidFill>
+              </a:uFill>
+              <a:latin typeface="Calibri"/>
+            </a:endParaRPr>
+          </a:p>
+          <a:p>
+            <a:pPr marL="685800" lvl="1" indent="-228240">
               <a:lnSpc>
                 <a:spcPct val="100000"/>
               </a:lnSpc>
@@ -4661,26 +5023,26 @@
               <a:buChar char="•"/>
             </a:pPr>
             <a:r>
-              <a:rPr b="0" lang="en-US" sz="2400" spc="-1" strike="noStrike">
+              <a:rPr lang="en-US" sz="2400" b="0" strike="noStrike" spc="-1">
                 <a:solidFill>
                   <a:srgbClr val="000000"/>
                 </a:solidFill>
                 <a:uFill>
                   <a:solidFill>
-                    <a:srgbClr val="ffffff"/>
+                    <a:srgbClr val="FFFFFF"/>
                   </a:solidFill>
                 </a:uFill>
                 <a:latin typeface="Calibri"/>
               </a:rPr>
               <a:t> </a:t>
             </a:r>
-            <a:endParaRPr b="0" lang="en-US" sz="2000" spc="-1" strike="noStrike">
-              <a:solidFill>
-                <a:srgbClr val="000000"/>
-              </a:solidFill>
-              <a:uFill>
-                <a:solidFill>
-                  <a:srgbClr val="ffffff"/>
+            <a:endParaRPr lang="en-US" sz="2000" b="0" strike="noStrike" spc="-1">
+              <a:solidFill>
+                <a:srgbClr val="000000"/>
+              </a:solidFill>
+              <a:uFill>
+                <a:solidFill>
+                  <a:srgbClr val="FFFFFF"/>
                 </a:solidFill>
               </a:uFill>
               <a:latin typeface="Calibri"/>
@@ -4698,33 +5060,22 @@
               <a:buChar char="•"/>
             </a:pPr>
             <a:r>
-              <a:rPr b="0" lang="en-US" sz="2800" spc="-1" strike="noStrike">
+              <a:rPr lang="en-US" sz="2800" b="0" strike="noStrike" spc="-1">
                 <a:solidFill>
                   <a:srgbClr val="000000"/>
                 </a:solidFill>
                 <a:uFill>
                   <a:solidFill>
-                    <a:srgbClr val="ffffff"/>
+                    <a:srgbClr val="FFFFFF"/>
                   </a:solidFill>
                 </a:uFill>
                 <a:latin typeface="Calibri"/>
               </a:rPr>
               <a:t>Review of Web Design Issues</a:t>
             </a:r>
-            <a:endParaRPr b="0" lang="en-US" sz="2800" spc="-1" strike="noStrike">
-              <a:solidFill>
-                <a:srgbClr val="000000"/>
-              </a:solidFill>
-              <a:uFill>
-                <a:solidFill>
-                  <a:srgbClr val="ffffff"/>
-                </a:solidFill>
-              </a:uFill>
-              <a:latin typeface="Calibri"/>
-            </a:endParaRPr>
-          </a:p>
-          <a:p>
-            <a:pPr lvl="1" marL="685800" indent="-228240">
+          </a:p>
+          <a:p>
+            <a:pPr marL="685800" lvl="1" indent="-228240">
               <a:lnSpc>
                 <a:spcPct val="100000"/>
               </a:lnSpc>
@@ -4735,26 +5086,26 @@
               <a:buChar char="•"/>
             </a:pPr>
             <a:r>
-              <a:rPr b="0" lang="en-US" sz="2400" spc="-1" strike="noStrike">
+              <a:rPr lang="en-US" sz="2400" b="0" strike="noStrike" spc="-1">
                 <a:solidFill>
                   <a:srgbClr val="000000"/>
                 </a:solidFill>
                 <a:uFill>
                   <a:solidFill>
-                    <a:srgbClr val="ffffff"/>
+                    <a:srgbClr val="FFFFFF"/>
                   </a:solidFill>
                 </a:uFill>
                 <a:latin typeface="Calibri"/>
               </a:rPr>
               <a:t> </a:t>
             </a:r>
-            <a:endParaRPr b="0" lang="en-US" sz="2000" spc="-1" strike="noStrike">
-              <a:solidFill>
-                <a:srgbClr val="000000"/>
-              </a:solidFill>
-              <a:uFill>
-                <a:solidFill>
-                  <a:srgbClr val="ffffff"/>
+            <a:endParaRPr lang="en-US" sz="2000" b="0" strike="noStrike" spc="-1">
+              <a:solidFill>
+                <a:srgbClr val="000000"/>
+              </a:solidFill>
+              <a:uFill>
+                <a:solidFill>
+                  <a:srgbClr val="FFFFFF"/>
                 </a:solidFill>
               </a:uFill>
               <a:latin typeface="Calibri"/>
@@ -4769,26 +5120,26 @@
               <a:buChar char="•"/>
             </a:pPr>
             <a:r>
-              <a:rPr b="0" lang="en-US" sz="2400" spc="-1" strike="noStrike">
+              <a:rPr lang="en-US" sz="2400" b="0" strike="noStrike" spc="-1">
                 <a:solidFill>
                   <a:srgbClr val="000000"/>
                 </a:solidFill>
                 <a:uFill>
                   <a:solidFill>
-                    <a:srgbClr val="ffffff"/>
+                    <a:srgbClr val="FFFFFF"/>
                   </a:solidFill>
                 </a:uFill>
                 <a:latin typeface="Calibri"/>
               </a:rPr>
               <a:t>Creation of a Word Press Template</a:t>
             </a:r>
-            <a:endParaRPr b="0" lang="en-US" sz="2800" spc="-1" strike="noStrike">
-              <a:solidFill>
-                <a:srgbClr val="000000"/>
-              </a:solidFill>
-              <a:uFill>
-                <a:solidFill>
-                  <a:srgbClr val="ffffff"/>
+            <a:endParaRPr lang="en-US" sz="2800" b="0" strike="noStrike" spc="-1">
+              <a:solidFill>
+                <a:srgbClr val="000000"/>
+              </a:solidFill>
+              <a:uFill>
+                <a:solidFill>
+                  <a:srgbClr val="FFFFFF"/>
                 </a:solidFill>
               </a:uFill>
               <a:latin typeface="Calibri"/>
@@ -4798,22 +5149,25 @@
       </p:sp>
     </p:spTree>
   </p:cSld>
+  <p:clrMapOvr>
+    <a:masterClrMapping/>
+  </p:clrMapOvr>
   <p:timing>
     <p:tnLst>
       <p:par>
-        <p:cTn id="5" dur="indefinite" restart="never" nodeType="tmRoot">
+        <p:cTn xmlns:p14="http://schemas.microsoft.com/office/powerpoint/2010/main" id="1" dur="indefinite" restart="never" nodeType="tmRoot">
           <p:childTnLst>
             <p:seq>
-              <p:cTn id="6" nodeType="mainSeq"/>
+              <p:cTn id="2" nodeType="mainSeq"/>
               <p:prevCondLst>
-                <p:cond delay="0" evt="onPrev">
+                <p:cond evt="onPrev" delay="0">
                   <p:tgtEl>
                     <p:sldTgt/>
                   </p:tgtEl>
                 </p:cond>
               </p:prevCondLst>
               <p:nextCondLst>
-                <p:cond delay="0" evt="onNext">
+                <p:cond evt="onNext" delay="0">
                   <p:tgtEl>
                     <p:sldTgt/>
                   </p:tgtEl>
@@ -4829,7 +5183,7 @@
 </file>
 
 <file path=ppt/slides/slide4.xml><?xml version="1.0" encoding="utf-8"?>
-<p:sld xmlns:a="http://schemas.openxmlformats.org/drawingml/2006/main" xmlns:p="http://schemas.openxmlformats.org/presentationml/2006/main" xmlns:r="http://schemas.openxmlformats.org/officeDocument/2006/relationships" xmlns:p14="http://schemas.microsoft.com/office/powerpoint/2010/main" xmlns:p15="http://schemas.microsoft.com/office/powerpoint/2012/main" xmlns:mc="http://schemas.openxmlformats.org/markup-compatibility/2006">
+<p:sld xmlns:a="http://schemas.openxmlformats.org/drawingml/2006/main" xmlns:r="http://schemas.openxmlformats.org/officeDocument/2006/relationships" xmlns:p="http://schemas.openxmlformats.org/presentationml/2006/main">
   <p:cSld>
     <p:spTree>
       <p:nvGrpSpPr>
@@ -4866,6 +5220,7 @@
         </p:spPr>
         <p:txBody>
           <a:bodyPr anchor="ctr"/>
+          <a:lstStyle/>
           <a:p>
             <a:pPr algn="ctr">
               <a:lnSpc>
@@ -4873,26 +5228,26 @@
               </a:lnSpc>
             </a:pPr>
             <a:r>
-              <a:rPr b="0" lang="en-US" sz="4400" spc="-1" strike="noStrike">
+              <a:rPr lang="en-US" sz="4400" b="0" strike="noStrike" spc="-1">
                 <a:solidFill>
                   <a:srgbClr val="000000"/>
                 </a:solidFill>
                 <a:uFill>
                   <a:solidFill>
-                    <a:srgbClr val="ffffff"/>
+                    <a:srgbClr val="FFFFFF"/>
                   </a:solidFill>
                 </a:uFill>
                 <a:latin typeface="Calibri Light"/>
               </a:rPr>
               <a:t>Course Goals</a:t>
             </a:r>
-            <a:endParaRPr b="0" lang="en-US" sz="1800" spc="-1" strike="noStrike">
-              <a:solidFill>
-                <a:srgbClr val="000000"/>
-              </a:solidFill>
-              <a:uFill>
-                <a:solidFill>
-                  <a:srgbClr val="ffffff"/>
+            <a:endParaRPr lang="en-US" sz="1800" b="0" strike="noStrike" spc="-1">
+              <a:solidFill>
+                <a:srgbClr val="000000"/>
+              </a:solidFill>
+              <a:uFill>
+                <a:solidFill>
+                  <a:srgbClr val="FFFFFF"/>
                 </a:solidFill>
               </a:uFill>
               <a:latin typeface="Calibri"/>
@@ -4921,6 +5276,7 @@
         </p:spPr>
         <p:txBody>
           <a:bodyPr/>
+          <a:lstStyle/>
           <a:p>
             <a:pPr marL="228600" indent="-228240">
               <a:lnSpc>
@@ -4933,30 +5289,19 @@
               <a:buChar char="•"/>
             </a:pPr>
             <a:r>
-              <a:rPr b="0" lang="en-US" sz="2800" spc="-1" strike="noStrike">
+              <a:rPr lang="en-US" sz="2800" b="0" strike="noStrike" spc="-1">
                 <a:solidFill>
                   <a:srgbClr val="000000"/>
                 </a:solidFill>
                 <a:uFill>
                   <a:solidFill>
-                    <a:srgbClr val="ffffff"/>
+                    <a:srgbClr val="FFFFFF"/>
                   </a:solidFill>
                 </a:uFill>
                 <a:latin typeface="Calibri"/>
               </a:rPr>
               <a:t> </a:t>
             </a:r>
-            <a:endParaRPr b="0" lang="en-US" sz="2800" spc="-1" strike="noStrike">
-              <a:solidFill>
-                <a:srgbClr val="000000"/>
-              </a:solidFill>
-              <a:uFill>
-                <a:solidFill>
-                  <a:srgbClr val="ffffff"/>
-                </a:solidFill>
-              </a:uFill>
-              <a:latin typeface="Calibri"/>
-            </a:endParaRPr>
           </a:p>
           <a:p>
             <a:pPr>
@@ -4964,13 +5309,13 @@
                 <a:spcPct val="90000"/>
               </a:lnSpc>
             </a:pPr>
-            <a:endParaRPr b="0" lang="en-US" sz="2800" spc="-1" strike="noStrike">
-              <a:solidFill>
-                <a:srgbClr val="000000"/>
-              </a:solidFill>
-              <a:uFill>
-                <a:solidFill>
-                  <a:srgbClr val="ffffff"/>
+            <a:endParaRPr lang="en-US" sz="2800" b="0" strike="noStrike" spc="-1">
+              <a:solidFill>
+                <a:srgbClr val="000000"/>
+              </a:solidFill>
+              <a:uFill>
+                <a:solidFill>
+                  <a:srgbClr val="FFFFFF"/>
                 </a:solidFill>
               </a:uFill>
               <a:latin typeface="Calibri"/>
@@ -4980,22 +5325,25 @@
       </p:sp>
     </p:spTree>
   </p:cSld>
+  <p:clrMapOvr>
+    <a:masterClrMapping/>
+  </p:clrMapOvr>
   <p:timing>
     <p:tnLst>
       <p:par>
-        <p:cTn id="7" dur="indefinite" restart="never" nodeType="tmRoot">
+        <p:cTn xmlns:p14="http://schemas.microsoft.com/office/powerpoint/2010/main" id="1" dur="indefinite" restart="never" nodeType="tmRoot">
           <p:childTnLst>
             <p:seq>
-              <p:cTn id="8" nodeType="mainSeq"/>
+              <p:cTn id="2" nodeType="mainSeq"/>
               <p:prevCondLst>
-                <p:cond delay="0" evt="onPrev">
+                <p:cond evt="onPrev" delay="0">
                   <p:tgtEl>
                     <p:sldTgt/>
                   </p:tgtEl>
                 </p:cond>
               </p:prevCondLst>
               <p:nextCondLst>
-                <p:cond delay="0" evt="onNext">
+                <p:cond evt="onNext" delay="0">
                   <p:tgtEl>
                     <p:sldTgt/>
                   </p:tgtEl>
@@ -5011,7 +5359,7 @@
 </file>
 
 <file path=ppt/slides/slide5.xml><?xml version="1.0" encoding="utf-8"?>
-<p:sld xmlns:a="http://schemas.openxmlformats.org/drawingml/2006/main" xmlns:p="http://schemas.openxmlformats.org/presentationml/2006/main" xmlns:r="http://schemas.openxmlformats.org/officeDocument/2006/relationships" xmlns:p14="http://schemas.microsoft.com/office/powerpoint/2010/main" xmlns:p15="http://schemas.microsoft.com/office/powerpoint/2012/main" xmlns:mc="http://schemas.openxmlformats.org/markup-compatibility/2006">
+<p:sld xmlns:a="http://schemas.openxmlformats.org/drawingml/2006/main" xmlns:r="http://schemas.openxmlformats.org/officeDocument/2006/relationships" xmlns:p="http://schemas.openxmlformats.org/presentationml/2006/main">
   <p:cSld>
     <p:spTree>
       <p:nvGrpSpPr>
@@ -5048,6 +5396,7 @@
         </p:spPr>
         <p:txBody>
           <a:bodyPr anchor="ctr"/>
+          <a:lstStyle/>
           <a:p>
             <a:pPr>
               <a:lnSpc>
@@ -5055,26 +5404,26 @@
               </a:lnSpc>
             </a:pPr>
             <a:r>
-              <a:rPr b="0" lang="en-US" sz="4400" spc="-1" strike="noStrike">
+              <a:rPr lang="en-US" sz="4400" b="0" strike="noStrike" spc="-1">
                 <a:solidFill>
                   <a:srgbClr val="000000"/>
                 </a:solidFill>
                 <a:uFill>
                   <a:solidFill>
-                    <a:srgbClr val="ffffff"/>
+                    <a:srgbClr val="FFFFFF"/>
                   </a:solidFill>
                 </a:uFill>
                 <a:latin typeface="Calibri Light"/>
               </a:rPr>
               <a:t>Typical Class Structure</a:t>
             </a:r>
-            <a:endParaRPr b="0" lang="en-US" sz="1800" spc="-1" strike="noStrike">
-              <a:solidFill>
-                <a:srgbClr val="000000"/>
-              </a:solidFill>
-              <a:uFill>
-                <a:solidFill>
-                  <a:srgbClr val="ffffff"/>
+            <a:endParaRPr lang="en-US" sz="1800" b="0" strike="noStrike" spc="-1">
+              <a:solidFill>
+                <a:srgbClr val="000000"/>
+              </a:solidFill>
+              <a:uFill>
+                <a:solidFill>
+                  <a:srgbClr val="FFFFFF"/>
                 </a:solidFill>
               </a:uFill>
               <a:latin typeface="Calibri"/>
@@ -5103,6 +5452,7 @@
         </p:spPr>
         <p:txBody>
           <a:bodyPr/>
+          <a:lstStyle/>
           <a:p>
             <a:pPr>
               <a:lnSpc>
@@ -5110,53 +5460,42 @@
               </a:lnSpc>
             </a:pPr>
             <a:r>
-              <a:rPr b="0" lang="en-US" sz="2800" spc="-1" strike="noStrike">
+              <a:rPr lang="en-US" sz="2800" b="0" strike="noStrike" spc="-1">
                 <a:solidFill>
                   <a:srgbClr val="000000"/>
                 </a:solidFill>
                 <a:uFill>
                   <a:solidFill>
-                    <a:srgbClr val="ffffff"/>
+                    <a:srgbClr val="FFFFFF"/>
                   </a:solidFill>
                 </a:uFill>
                 <a:latin typeface="Calibri"/>
               </a:rPr>
               <a:t>Classes will typically have the following structure:</a:t>
             </a:r>
-            <a:endParaRPr b="0" lang="en-US" sz="2800" spc="-1" strike="noStrike">
-              <a:solidFill>
-                <a:srgbClr val="000000"/>
-              </a:solidFill>
-              <a:uFill>
-                <a:solidFill>
-                  <a:srgbClr val="ffffff"/>
-                </a:solidFill>
-              </a:uFill>
-              <a:latin typeface="Calibri"/>
-            </a:endParaRPr>
           </a:p>
           <a:p>
             <a:r>
-              <a:rPr b="0" lang="en-US" sz="2400" spc="-1" strike="noStrike">
+              <a:rPr lang="en-US" sz="2400" b="0" strike="noStrike" spc="-1">
                 <a:solidFill>
                   <a:srgbClr val="000000"/>
                 </a:solidFill>
                 <a:uFill>
                   <a:solidFill>
-                    <a:srgbClr val="ffffff"/>
+                    <a:srgbClr val="FFFFFF"/>
                   </a:solidFill>
                 </a:uFill>
                 <a:latin typeface="Calibri"/>
               </a:rPr>
               <a:t>1. 5-10 minute prelude, featuring a video clip, song, </a:t>
             </a:r>
-            <a:endParaRPr b="0" lang="en-US" sz="2800" spc="-1" strike="noStrike">
-              <a:solidFill>
-                <a:srgbClr val="000000"/>
-              </a:solidFill>
-              <a:uFill>
-                <a:solidFill>
-                  <a:srgbClr val="ffffff"/>
+            <a:endParaRPr lang="en-US" sz="2800" b="0" strike="noStrike" spc="-1">
+              <a:solidFill>
+                <a:srgbClr val="000000"/>
+              </a:solidFill>
+              <a:uFill>
+                <a:solidFill>
+                  <a:srgbClr val="FFFFFF"/>
                 </a:solidFill>
               </a:uFill>
               <a:latin typeface="Calibri"/>
@@ -5164,26 +5503,26 @@
           </a:p>
           <a:p>
             <a:r>
-              <a:rPr b="0" lang="en-US" sz="2400" spc="-1" strike="noStrike">
+              <a:rPr lang="en-US" sz="2400" b="0" strike="noStrike" spc="-1">
                 <a:solidFill>
                   <a:srgbClr val="000000"/>
                 </a:solidFill>
                 <a:uFill>
                   <a:solidFill>
-                    <a:srgbClr val="ffffff"/>
+                    <a:srgbClr val="FFFFFF"/>
                   </a:solidFill>
                 </a:uFill>
                 <a:latin typeface="Calibri"/>
               </a:rPr>
               <a:t>2. 3-4 Student presentations and/or</a:t>
             </a:r>
-            <a:endParaRPr b="0" lang="en-US" sz="2800" spc="-1" strike="noStrike">
-              <a:solidFill>
-                <a:srgbClr val="000000"/>
-              </a:solidFill>
-              <a:uFill>
-                <a:solidFill>
-                  <a:srgbClr val="ffffff"/>
+            <a:endParaRPr lang="en-US" sz="2800" b="0" strike="noStrike" spc="-1">
+              <a:solidFill>
+                <a:srgbClr val="000000"/>
+              </a:solidFill>
+              <a:uFill>
+                <a:solidFill>
+                  <a:srgbClr val="FFFFFF"/>
                 </a:solidFill>
               </a:uFill>
               <a:latin typeface="Calibri"/>
@@ -5191,26 +5530,26 @@
           </a:p>
           <a:p>
             <a:r>
-              <a:rPr b="0" lang="en-US" sz="2400" spc="-1" strike="noStrike">
+              <a:rPr lang="en-US" sz="2400" b="0" strike="noStrike" spc="-1">
                 <a:solidFill>
                   <a:srgbClr val="000000"/>
                 </a:solidFill>
                 <a:uFill>
                   <a:solidFill>
-                    <a:srgbClr val="ffffff"/>
+                    <a:srgbClr val="FFFFFF"/>
                   </a:solidFill>
                 </a:uFill>
                 <a:latin typeface="Calibri"/>
               </a:rPr>
               <a:t>4. 10 minute break</a:t>
             </a:r>
-            <a:endParaRPr b="0" lang="en-US" sz="2800" spc="-1" strike="noStrike">
-              <a:solidFill>
-                <a:srgbClr val="000000"/>
-              </a:solidFill>
-              <a:uFill>
-                <a:solidFill>
-                  <a:srgbClr val="ffffff"/>
+            <a:endParaRPr lang="en-US" sz="2800" b="0" strike="noStrike" spc="-1">
+              <a:solidFill>
+                <a:srgbClr val="000000"/>
+              </a:solidFill>
+              <a:uFill>
+                <a:solidFill>
+                  <a:srgbClr val="FFFFFF"/>
                 </a:solidFill>
               </a:uFill>
               <a:latin typeface="Calibri"/>
@@ -5218,26 +5557,26 @@
           </a:p>
           <a:p>
             <a:r>
-              <a:rPr b="0" lang="en-US" sz="2400" spc="-1" strike="noStrike">
+              <a:rPr lang="en-US" sz="2400" b="0" strike="noStrike" spc="-1">
                 <a:solidFill>
                   <a:srgbClr val="000000"/>
                 </a:solidFill>
                 <a:uFill>
                   <a:solidFill>
-                    <a:srgbClr val="ffffff"/>
+                    <a:srgbClr val="FFFFFF"/>
                   </a:solidFill>
                 </a:uFill>
                 <a:latin typeface="Calibri"/>
               </a:rPr>
               <a:t>5. Discussion and/or critical evaluation of a website, project, technology</a:t>
             </a:r>
-            <a:endParaRPr b="0" lang="en-US" sz="2800" spc="-1" strike="noStrike">
-              <a:solidFill>
-                <a:srgbClr val="000000"/>
-              </a:solidFill>
-              <a:uFill>
-                <a:solidFill>
-                  <a:srgbClr val="ffffff"/>
+            <a:endParaRPr lang="en-US" sz="2800" b="0" strike="noStrike" spc="-1">
+              <a:solidFill>
+                <a:srgbClr val="000000"/>
+              </a:solidFill>
+              <a:uFill>
+                <a:solidFill>
+                  <a:srgbClr val="FFFFFF"/>
                 </a:solidFill>
               </a:uFill>
               <a:latin typeface="Calibri"/>
@@ -5245,26 +5584,26 @@
           </a:p>
           <a:p>
             <a:r>
-              <a:rPr b="0" lang="en-US" sz="2400" spc="-1" strike="noStrike">
+              <a:rPr lang="en-US" sz="2400" b="0" strike="noStrike" spc="-1">
                 <a:solidFill>
                   <a:srgbClr val="000000"/>
                 </a:solidFill>
                 <a:uFill>
                   <a:solidFill>
-                    <a:srgbClr val="ffffff"/>
+                    <a:srgbClr val="FFFFFF"/>
                   </a:solidFill>
                 </a:uFill>
                 <a:latin typeface="Calibri"/>
               </a:rPr>
               <a:t>6. In-class work as time allows</a:t>
             </a:r>
-            <a:endParaRPr b="0" lang="en-US" sz="2800" spc="-1" strike="noStrike">
-              <a:solidFill>
-                <a:srgbClr val="000000"/>
-              </a:solidFill>
-              <a:uFill>
-                <a:solidFill>
-                  <a:srgbClr val="ffffff"/>
+            <a:endParaRPr lang="en-US" sz="2800" b="0" strike="noStrike" spc="-1">
+              <a:solidFill>
+                <a:srgbClr val="000000"/>
+              </a:solidFill>
+              <a:uFill>
+                <a:solidFill>
+                  <a:srgbClr val="FFFFFF"/>
                 </a:solidFill>
               </a:uFill>
               <a:latin typeface="Calibri"/>
@@ -5274,22 +5613,25 @@
       </p:sp>
     </p:spTree>
   </p:cSld>
+  <p:clrMapOvr>
+    <a:masterClrMapping/>
+  </p:clrMapOvr>
   <p:timing>
     <p:tnLst>
       <p:par>
-        <p:cTn id="9" dur="indefinite" restart="never" nodeType="tmRoot">
+        <p:cTn xmlns:p14="http://schemas.microsoft.com/office/powerpoint/2010/main" id="1" dur="indefinite" restart="never" nodeType="tmRoot">
           <p:childTnLst>
             <p:seq>
-              <p:cTn id="10" nodeType="mainSeq"/>
+              <p:cTn id="2" nodeType="mainSeq"/>
               <p:prevCondLst>
-                <p:cond delay="0" evt="onPrev">
+                <p:cond evt="onPrev" delay="0">
                   <p:tgtEl>
                     <p:sldTgt/>
                   </p:tgtEl>
                 </p:cond>
               </p:prevCondLst>
               <p:nextCondLst>
-                <p:cond delay="0" evt="onNext">
+                <p:cond evt="onNext" delay="0">
                   <p:tgtEl>
                     <p:sldTgt/>
                   </p:tgtEl>
@@ -5305,7 +5647,7 @@
 </file>
 
 <file path=ppt/slides/slide6.xml><?xml version="1.0" encoding="utf-8"?>
-<p:sld xmlns:a="http://schemas.openxmlformats.org/drawingml/2006/main" xmlns:p="http://schemas.openxmlformats.org/presentationml/2006/main" xmlns:r="http://schemas.openxmlformats.org/officeDocument/2006/relationships" xmlns:p14="http://schemas.microsoft.com/office/powerpoint/2010/main" xmlns:p15="http://schemas.microsoft.com/office/powerpoint/2012/main" xmlns:mc="http://schemas.openxmlformats.org/markup-compatibility/2006">
+<p:sld xmlns:a="http://schemas.openxmlformats.org/drawingml/2006/main" xmlns:r="http://schemas.openxmlformats.org/officeDocument/2006/relationships" xmlns:p="http://schemas.openxmlformats.org/presentationml/2006/main">
   <p:cSld>
     <p:spTree>
       <p:nvGrpSpPr>
@@ -5342,6 +5684,7 @@
         </p:spPr>
         <p:txBody>
           <a:bodyPr anchor="ctr"/>
+          <a:lstStyle/>
           <a:p>
             <a:pPr>
               <a:lnSpc>
@@ -5349,26 +5692,26 @@
               </a:lnSpc>
             </a:pPr>
             <a:r>
-              <a:rPr b="0" lang="en-US" sz="4400" spc="-1" strike="noStrike">
+              <a:rPr lang="en-US" sz="4400" b="0" strike="noStrike" spc="-1">
                 <a:solidFill>
                   <a:srgbClr val="000000"/>
                 </a:solidFill>
                 <a:uFill>
                   <a:solidFill>
-                    <a:srgbClr val="ffffff"/>
+                    <a:srgbClr val="FFFFFF"/>
                   </a:solidFill>
                 </a:uFill>
                 <a:latin typeface="Calibri Light"/>
               </a:rPr>
               <a:t>Use of Laptops/Phones in the Classroom</a:t>
             </a:r>
-            <a:endParaRPr b="0" lang="en-US" sz="1800" spc="-1" strike="noStrike">
-              <a:solidFill>
-                <a:srgbClr val="000000"/>
-              </a:solidFill>
-              <a:uFill>
-                <a:solidFill>
-                  <a:srgbClr val="ffffff"/>
+            <a:endParaRPr lang="en-US" sz="1800" b="0" strike="noStrike" spc="-1">
+              <a:solidFill>
+                <a:srgbClr val="000000"/>
+              </a:solidFill>
+              <a:uFill>
+                <a:solidFill>
+                  <a:srgbClr val="FFFFFF"/>
                 </a:solidFill>
               </a:uFill>
               <a:latin typeface="Calibri"/>
@@ -5397,6 +5740,7 @@
         </p:spPr>
         <p:txBody>
           <a:bodyPr/>
+          <a:lstStyle/>
           <a:p>
             <a:pPr marL="228600" indent="-228240">
               <a:lnSpc>
@@ -5409,30 +5753,19 @@
               <a:buChar char="•"/>
             </a:pPr>
             <a:r>
-              <a:rPr b="0" lang="en-US" sz="2800" spc="-1" strike="noStrike">
+              <a:rPr lang="en-US" sz="2800" b="0" strike="noStrike" spc="-1">
                 <a:solidFill>
                   <a:srgbClr val="000000"/>
                 </a:solidFill>
                 <a:uFill>
                   <a:solidFill>
-                    <a:srgbClr val="ffffff"/>
+                    <a:srgbClr val="FFFFFF"/>
                   </a:solidFill>
                 </a:uFill>
                 <a:latin typeface="Calibri"/>
               </a:rPr>
               <a:t>Students are encouraged to use their laptops and smart phones to lookup references and to research topics being discussed in class</a:t>
             </a:r>
-            <a:endParaRPr b="0" lang="en-US" sz="2800" spc="-1" strike="noStrike">
-              <a:solidFill>
-                <a:srgbClr val="000000"/>
-              </a:solidFill>
-              <a:uFill>
-                <a:solidFill>
-                  <a:srgbClr val="ffffff"/>
-                </a:solidFill>
-              </a:uFill>
-              <a:latin typeface="Calibri"/>
-            </a:endParaRPr>
           </a:p>
           <a:p>
             <a:pPr marL="228600" indent="-228240">
@@ -5446,51 +5779,43 @@
               <a:buChar char="•"/>
             </a:pPr>
             <a:r>
-              <a:rPr b="0" lang="en-US" sz="2800" spc="-1" strike="noStrike">
+              <a:rPr lang="en-US" sz="2800" b="0" strike="noStrike" spc="-1">
                 <a:solidFill>
                   <a:srgbClr val="000000"/>
                 </a:solidFill>
                 <a:uFill>
                   <a:solidFill>
-                    <a:srgbClr val="ffffff"/>
+                    <a:srgbClr val="FFFFFF"/>
                   </a:solidFill>
                 </a:uFill>
                 <a:latin typeface="Calibri"/>
               </a:rPr>
               <a:t>Students are discouraged from using phones and laptops for personal communications.</a:t>
             </a:r>
-            <a:endParaRPr b="0" lang="en-US" sz="2800" spc="-1" strike="noStrike">
-              <a:solidFill>
-                <a:srgbClr val="000000"/>
-              </a:solidFill>
-              <a:uFill>
-                <a:solidFill>
-                  <a:srgbClr val="ffffff"/>
-                </a:solidFill>
-              </a:uFill>
-              <a:latin typeface="Calibri"/>
-            </a:endParaRPr>
           </a:p>
         </p:txBody>
       </p:sp>
     </p:spTree>
   </p:cSld>
+  <p:clrMapOvr>
+    <a:masterClrMapping/>
+  </p:clrMapOvr>
   <p:timing>
     <p:tnLst>
       <p:par>
-        <p:cTn id="11" dur="indefinite" restart="never" nodeType="tmRoot">
+        <p:cTn xmlns:p14="http://schemas.microsoft.com/office/powerpoint/2010/main" id="1" dur="indefinite" restart="never" nodeType="tmRoot">
           <p:childTnLst>
             <p:seq>
-              <p:cTn id="12" nodeType="mainSeq"/>
+              <p:cTn id="2" nodeType="mainSeq"/>
               <p:prevCondLst>
-                <p:cond delay="0" evt="onPrev">
+                <p:cond evt="onPrev" delay="0">
                   <p:tgtEl>
                     <p:sldTgt/>
                   </p:tgtEl>
                 </p:cond>
               </p:prevCondLst>
               <p:nextCondLst>
-                <p:cond delay="0" evt="onNext">
+                <p:cond evt="onNext" delay="0">
                   <p:tgtEl>
                     <p:sldTgt/>
                   </p:tgtEl>
@@ -5506,7 +5831,7 @@
 </file>
 
 <file path=ppt/slides/slide7.xml><?xml version="1.0" encoding="utf-8"?>
-<p:sld xmlns:a="http://schemas.openxmlformats.org/drawingml/2006/main" xmlns:p="http://schemas.openxmlformats.org/presentationml/2006/main" xmlns:r="http://schemas.openxmlformats.org/officeDocument/2006/relationships" xmlns:p14="http://schemas.microsoft.com/office/powerpoint/2010/main" xmlns:p15="http://schemas.microsoft.com/office/powerpoint/2012/main" xmlns:mc="http://schemas.openxmlformats.org/markup-compatibility/2006">
+<p:sld xmlns:a="http://schemas.openxmlformats.org/drawingml/2006/main" xmlns:r="http://schemas.openxmlformats.org/officeDocument/2006/relationships" xmlns:p="http://schemas.openxmlformats.org/presentationml/2006/main">
   <p:cSld>
     <p:spTree>
       <p:nvGrpSpPr>
@@ -5543,6 +5868,7 @@
         </p:spPr>
         <p:txBody>
           <a:bodyPr anchor="ctr"/>
+          <a:lstStyle/>
           <a:p>
             <a:pPr algn="ctr">
               <a:lnSpc>
@@ -5550,26 +5876,26 @@
               </a:lnSpc>
             </a:pPr>
             <a:r>
-              <a:rPr b="0" lang="en-US" sz="4400" spc="-1" strike="noStrike">
+              <a:rPr lang="en-US" sz="4400" b="0" strike="noStrike" spc="-1">
                 <a:solidFill>
                   <a:srgbClr val="000000"/>
                 </a:solidFill>
                 <a:uFill>
                   <a:solidFill>
-                    <a:srgbClr val="ffffff"/>
+                    <a:srgbClr val="FFFFFF"/>
                   </a:solidFill>
                 </a:uFill>
                 <a:latin typeface="Calibri Light"/>
               </a:rPr>
               <a:t>Review of Syllabus</a:t>
             </a:r>
-            <a:endParaRPr b="0" lang="en-US" sz="1800" spc="-1" strike="noStrike">
-              <a:solidFill>
-                <a:srgbClr val="000000"/>
-              </a:solidFill>
-              <a:uFill>
-                <a:solidFill>
-                  <a:srgbClr val="ffffff"/>
+            <a:endParaRPr lang="en-US" sz="1800" b="0" strike="noStrike" spc="-1">
+              <a:solidFill>
+                <a:srgbClr val="000000"/>
+              </a:solidFill>
+              <a:uFill>
+                <a:solidFill>
+                  <a:srgbClr val="FFFFFF"/>
                 </a:solidFill>
               </a:uFill>
               <a:latin typeface="Calibri"/>
@@ -5598,14 +5924,15 @@
         </p:spPr>
         <p:txBody>
           <a:bodyPr/>
-          <a:p>
-            <a:endParaRPr b="0" lang="en-US" sz="2800" spc="-1" strike="noStrike">
-              <a:solidFill>
-                <a:srgbClr val="000000"/>
-              </a:solidFill>
-              <a:uFill>
-                <a:solidFill>
-                  <a:srgbClr val="ffffff"/>
+          <a:lstStyle/>
+          <a:p>
+            <a:endParaRPr lang="en-US" sz="2800" b="0" strike="noStrike" spc="-1">
+              <a:solidFill>
+                <a:srgbClr val="000000"/>
+              </a:solidFill>
+              <a:uFill>
+                <a:solidFill>
+                  <a:srgbClr val="FFFFFF"/>
                 </a:solidFill>
               </a:uFill>
               <a:latin typeface="Calibri"/>
@@ -5615,22 +5942,25 @@
       </p:sp>
     </p:spTree>
   </p:cSld>
+  <p:clrMapOvr>
+    <a:masterClrMapping/>
+  </p:clrMapOvr>
   <p:timing>
     <p:tnLst>
       <p:par>
-        <p:cTn id="13" dur="indefinite" restart="never" nodeType="tmRoot">
+        <p:cTn xmlns:p14="http://schemas.microsoft.com/office/powerpoint/2010/main" id="1" dur="indefinite" restart="never" nodeType="tmRoot">
           <p:childTnLst>
             <p:seq>
-              <p:cTn id="14" nodeType="mainSeq"/>
+              <p:cTn id="2" nodeType="mainSeq"/>
               <p:prevCondLst>
-                <p:cond delay="0" evt="onPrev">
+                <p:cond evt="onPrev" delay="0">
                   <p:tgtEl>
                     <p:sldTgt/>
                   </p:tgtEl>
                 </p:cond>
               </p:prevCondLst>
               <p:nextCondLst>
-                <p:cond delay="0" evt="onNext">
+                <p:cond evt="onNext" delay="0">
                   <p:tgtEl>
                     <p:sldTgt/>
                   </p:tgtEl>
@@ -5865,6 +6195,8 @@
       </a:bgFillStyleLst>
     </a:fmtScheme>
   </a:themeElements>
+  <a:objectDefaults/>
+  <a:extraClrSchemeLst/>
 </a:theme>
 </file>
 
@@ -6088,5 +6420,7 @@
       </a:bgFillStyleLst>
     </a:fmtScheme>
   </a:themeElements>
+  <a:objectDefaults/>
+  <a:extraClrSchemeLst/>
 </a:theme>
 </file>